--- a/dissertation proposal/dis_present.pptx
+++ b/dissertation proposal/dis_present.pptx
@@ -4,8 +4,35 @@
   <p:sldMasterIdLst>
     <p:sldMasterId id="2147483648" r:id="rId1"/>
   </p:sldMasterIdLst>
+  <p:notesMasterIdLst>
+    <p:notesMasterId r:id="rId27"/>
+  </p:notesMasterIdLst>
   <p:sldIdLst>
     <p:sldId id="256" r:id="rId2"/>
+    <p:sldId id="257" r:id="rId3"/>
+    <p:sldId id="258" r:id="rId4"/>
+    <p:sldId id="259" r:id="rId5"/>
+    <p:sldId id="260" r:id="rId6"/>
+    <p:sldId id="261" r:id="rId7"/>
+    <p:sldId id="262" r:id="rId8"/>
+    <p:sldId id="263" r:id="rId9"/>
+    <p:sldId id="264" r:id="rId10"/>
+    <p:sldId id="265" r:id="rId11"/>
+    <p:sldId id="266" r:id="rId12"/>
+    <p:sldId id="267" r:id="rId13"/>
+    <p:sldId id="268" r:id="rId14"/>
+    <p:sldId id="269" r:id="rId15"/>
+    <p:sldId id="270" r:id="rId16"/>
+    <p:sldId id="271" r:id="rId17"/>
+    <p:sldId id="272" r:id="rId18"/>
+    <p:sldId id="273" r:id="rId19"/>
+    <p:sldId id="274" r:id="rId20"/>
+    <p:sldId id="275" r:id="rId21"/>
+    <p:sldId id="276" r:id="rId22"/>
+    <p:sldId id="277" r:id="rId23"/>
+    <p:sldId id="278" r:id="rId24"/>
+    <p:sldId id="279" r:id="rId25"/>
+    <p:sldId id="280" r:id="rId26"/>
   </p:sldIdLst>
   <p:sldSz cx="9144000" cy="6858000" type="screen4x3"/>
   <p:notesSz cx="6858000" cy="9144000"/>
@@ -107,6 +134,840 @@
 </p:presentation>
 </file>
 
+<file path=ppt/notesMasters/notesMaster1.xml><?xml version="1.0" encoding="utf-8"?>
+<p:notesMaster xmlns:a="http://schemas.openxmlformats.org/drawingml/2006/main" xmlns:r="http://schemas.openxmlformats.org/officeDocument/2006/relationships" xmlns:p="http://schemas.openxmlformats.org/presentationml/2006/main">
+  <p:cSld>
+    <p:bg>
+      <p:bgRef idx="1001">
+        <a:schemeClr val="bg1"/>
+      </p:bgRef>
+    </p:bg>
+    <p:spTree>
+      <p:nvGrpSpPr>
+        <p:cNvPr id="1" name=""/>
+        <p:cNvGrpSpPr/>
+        <p:nvPr/>
+      </p:nvGrpSpPr>
+      <p:grpSpPr>
+        <a:xfrm>
+          <a:off x="0" y="0"/>
+          <a:ext cx="0" cy="0"/>
+          <a:chOff x="0" y="0"/>
+          <a:chExt cx="0" cy="0"/>
+        </a:xfrm>
+      </p:grpSpPr>
+      <p:sp>
+        <p:nvSpPr>
+          <p:cNvPr id="2" name="Header Placeholder 1"/>
+          <p:cNvSpPr>
+            <a:spLocks noGrp="1"/>
+          </p:cNvSpPr>
+          <p:nvPr>
+            <p:ph type="hdr" sz="quarter"/>
+          </p:nvPr>
+        </p:nvSpPr>
+        <p:spPr>
+          <a:xfrm>
+            <a:off x="0" y="0"/>
+            <a:ext cx="2971800" cy="457200"/>
+          </a:xfrm>
+          <a:prstGeom prst="rect">
+            <a:avLst/>
+          </a:prstGeom>
+        </p:spPr>
+        <p:txBody>
+          <a:bodyPr vert="horz" lIns="91440" tIns="45720" rIns="91440" bIns="45720" rtlCol="0"/>
+          <a:lstStyle>
+            <a:lvl1pPr algn="l">
+              <a:defRPr sz="1200"/>
+            </a:lvl1pPr>
+          </a:lstStyle>
+          <a:p>
+            <a:endParaRPr lang="en-US"/>
+          </a:p>
+        </p:txBody>
+      </p:sp>
+      <p:sp>
+        <p:nvSpPr>
+          <p:cNvPr id="3" name="Date Placeholder 2"/>
+          <p:cNvSpPr>
+            <a:spLocks noGrp="1"/>
+          </p:cNvSpPr>
+          <p:nvPr>
+            <p:ph type="dt" idx="1"/>
+          </p:nvPr>
+        </p:nvSpPr>
+        <p:spPr>
+          <a:xfrm>
+            <a:off x="3884613" y="0"/>
+            <a:ext cx="2971800" cy="457200"/>
+          </a:xfrm>
+          <a:prstGeom prst="rect">
+            <a:avLst/>
+          </a:prstGeom>
+        </p:spPr>
+        <p:txBody>
+          <a:bodyPr vert="horz" lIns="91440" tIns="45720" rIns="91440" bIns="45720" rtlCol="0"/>
+          <a:lstStyle>
+            <a:lvl1pPr algn="r">
+              <a:defRPr sz="1200"/>
+            </a:lvl1pPr>
+          </a:lstStyle>
+          <a:p>
+            <a:fld id="{05ED91F6-016F-944E-A994-397AABC87908}" type="datetimeFigureOut">
+              <a:rPr lang="en-US" smtClean="0"/>
+              <a:t>9/30/18</a:t>
+            </a:fld>
+            <a:endParaRPr lang="en-US"/>
+          </a:p>
+        </p:txBody>
+      </p:sp>
+      <p:sp>
+        <p:nvSpPr>
+          <p:cNvPr id="4" name="Slide Image Placeholder 3"/>
+          <p:cNvSpPr>
+            <a:spLocks noGrp="1" noRot="1" noChangeAspect="1"/>
+          </p:cNvSpPr>
+          <p:nvPr>
+            <p:ph type="sldImg" idx="2"/>
+          </p:nvPr>
+        </p:nvSpPr>
+        <p:spPr>
+          <a:xfrm>
+            <a:off x="1143000" y="685800"/>
+            <a:ext cx="4572000" cy="3429000"/>
+          </a:xfrm>
+          <a:prstGeom prst="rect">
+            <a:avLst/>
+          </a:prstGeom>
+          <a:noFill/>
+          <a:ln w="12700">
+            <a:solidFill>
+              <a:prstClr val="black"/>
+            </a:solidFill>
+          </a:ln>
+        </p:spPr>
+        <p:txBody>
+          <a:bodyPr vert="horz" lIns="91440" tIns="45720" rIns="91440" bIns="45720" rtlCol="0" anchor="ctr"/>
+          <a:lstStyle/>
+          <a:p>
+            <a:endParaRPr lang="en-US"/>
+          </a:p>
+        </p:txBody>
+      </p:sp>
+      <p:sp>
+        <p:nvSpPr>
+          <p:cNvPr id="5" name="Notes Placeholder 4"/>
+          <p:cNvSpPr>
+            <a:spLocks noGrp="1"/>
+          </p:cNvSpPr>
+          <p:nvPr>
+            <p:ph type="body" sz="quarter" idx="3"/>
+          </p:nvPr>
+        </p:nvSpPr>
+        <p:spPr>
+          <a:xfrm>
+            <a:off x="685800" y="4343400"/>
+            <a:ext cx="5486400" cy="4114800"/>
+          </a:xfrm>
+          <a:prstGeom prst="rect">
+            <a:avLst/>
+          </a:prstGeom>
+        </p:spPr>
+        <p:txBody>
+          <a:bodyPr vert="horz" lIns="91440" tIns="45720" rIns="91440" bIns="45720" rtlCol="0"/>
+          <a:lstStyle/>
+          <a:p>
+            <a:pPr lvl="0"/>
+            <a:r>
+              <a:rPr lang="en-US" smtClean="0"/>
+              <a:t>Click to edit Master text styles</a:t>
+            </a:r>
+          </a:p>
+          <a:p>
+            <a:pPr lvl="1"/>
+            <a:r>
+              <a:rPr lang="en-US" smtClean="0"/>
+              <a:t>Second level</a:t>
+            </a:r>
+          </a:p>
+          <a:p>
+            <a:pPr lvl="2"/>
+            <a:r>
+              <a:rPr lang="en-US" smtClean="0"/>
+              <a:t>Third level</a:t>
+            </a:r>
+          </a:p>
+          <a:p>
+            <a:pPr lvl="3"/>
+            <a:r>
+              <a:rPr lang="en-US" smtClean="0"/>
+              <a:t>Fourth level</a:t>
+            </a:r>
+          </a:p>
+          <a:p>
+            <a:pPr lvl="4"/>
+            <a:r>
+              <a:rPr lang="en-US" smtClean="0"/>
+              <a:t>Fifth level</a:t>
+            </a:r>
+            <a:endParaRPr lang="en-US"/>
+          </a:p>
+        </p:txBody>
+      </p:sp>
+      <p:sp>
+        <p:nvSpPr>
+          <p:cNvPr id="6" name="Footer Placeholder 5"/>
+          <p:cNvSpPr>
+            <a:spLocks noGrp="1"/>
+          </p:cNvSpPr>
+          <p:nvPr>
+            <p:ph type="ftr" sz="quarter" idx="4"/>
+          </p:nvPr>
+        </p:nvSpPr>
+        <p:spPr>
+          <a:xfrm>
+            <a:off x="0" y="8685213"/>
+            <a:ext cx="2971800" cy="457200"/>
+          </a:xfrm>
+          <a:prstGeom prst="rect">
+            <a:avLst/>
+          </a:prstGeom>
+        </p:spPr>
+        <p:txBody>
+          <a:bodyPr vert="horz" lIns="91440" tIns="45720" rIns="91440" bIns="45720" rtlCol="0" anchor="b"/>
+          <a:lstStyle>
+            <a:lvl1pPr algn="l">
+              <a:defRPr sz="1200"/>
+            </a:lvl1pPr>
+          </a:lstStyle>
+          <a:p>
+            <a:endParaRPr lang="en-US"/>
+          </a:p>
+        </p:txBody>
+      </p:sp>
+      <p:sp>
+        <p:nvSpPr>
+          <p:cNvPr id="7" name="Slide Number Placeholder 6"/>
+          <p:cNvSpPr>
+            <a:spLocks noGrp="1"/>
+          </p:cNvSpPr>
+          <p:nvPr>
+            <p:ph type="sldNum" sz="quarter" idx="5"/>
+          </p:nvPr>
+        </p:nvSpPr>
+        <p:spPr>
+          <a:xfrm>
+            <a:off x="3884613" y="8685213"/>
+            <a:ext cx="2971800" cy="457200"/>
+          </a:xfrm>
+          <a:prstGeom prst="rect">
+            <a:avLst/>
+          </a:prstGeom>
+        </p:spPr>
+        <p:txBody>
+          <a:bodyPr vert="horz" lIns="91440" tIns="45720" rIns="91440" bIns="45720" rtlCol="0" anchor="b"/>
+          <a:lstStyle>
+            <a:lvl1pPr algn="r">
+              <a:defRPr sz="1200"/>
+            </a:lvl1pPr>
+          </a:lstStyle>
+          <a:p>
+            <a:fld id="{5118BE63-793E-4A46-8DE4-B676FF388248}" type="slidenum">
+              <a:rPr lang="en-US" smtClean="0"/>
+              <a:t>‹#›</a:t>
+            </a:fld>
+            <a:endParaRPr lang="en-US"/>
+          </a:p>
+        </p:txBody>
+      </p:sp>
+    </p:spTree>
+    <p:extLst>
+      <p:ext uri="{BB962C8B-B14F-4D97-AF65-F5344CB8AC3E}">
+        <p14:creationId xmlns:p14="http://schemas.microsoft.com/office/powerpoint/2010/main" val="3081000444"/>
+      </p:ext>
+    </p:extLst>
+  </p:cSld>
+  <p:clrMap bg1="lt1" tx1="dk1" bg2="lt2" tx2="dk2" accent1="accent1" accent2="accent2" accent3="accent3" accent4="accent4" accent5="accent5" accent6="accent6" hlink="hlink" folHlink="folHlink"/>
+  <p:notesStyle>
+    <a:lvl1pPr marL="0" algn="l" defTabSz="457200" rtl="0" eaLnBrk="1" latinLnBrk="0" hangingPunct="1">
+      <a:defRPr sz="1200" kern="1200">
+        <a:solidFill>
+          <a:schemeClr val="tx1"/>
+        </a:solidFill>
+        <a:latin typeface="+mn-lt"/>
+        <a:ea typeface="+mn-ea"/>
+        <a:cs typeface="+mn-cs"/>
+      </a:defRPr>
+    </a:lvl1pPr>
+    <a:lvl2pPr marL="457200" algn="l" defTabSz="457200" rtl="0" eaLnBrk="1" latinLnBrk="0" hangingPunct="1">
+      <a:defRPr sz="1200" kern="1200">
+        <a:solidFill>
+          <a:schemeClr val="tx1"/>
+        </a:solidFill>
+        <a:latin typeface="+mn-lt"/>
+        <a:ea typeface="+mn-ea"/>
+        <a:cs typeface="+mn-cs"/>
+      </a:defRPr>
+    </a:lvl2pPr>
+    <a:lvl3pPr marL="914400" algn="l" defTabSz="457200" rtl="0" eaLnBrk="1" latinLnBrk="0" hangingPunct="1">
+      <a:defRPr sz="1200" kern="1200">
+        <a:solidFill>
+          <a:schemeClr val="tx1"/>
+        </a:solidFill>
+        <a:latin typeface="+mn-lt"/>
+        <a:ea typeface="+mn-ea"/>
+        <a:cs typeface="+mn-cs"/>
+      </a:defRPr>
+    </a:lvl3pPr>
+    <a:lvl4pPr marL="1371600" algn="l" defTabSz="457200" rtl="0" eaLnBrk="1" latinLnBrk="0" hangingPunct="1">
+      <a:defRPr sz="1200" kern="1200">
+        <a:solidFill>
+          <a:schemeClr val="tx1"/>
+        </a:solidFill>
+        <a:latin typeface="+mn-lt"/>
+        <a:ea typeface="+mn-ea"/>
+        <a:cs typeface="+mn-cs"/>
+      </a:defRPr>
+    </a:lvl4pPr>
+    <a:lvl5pPr marL="1828800" algn="l" defTabSz="457200" rtl="0" eaLnBrk="1" latinLnBrk="0" hangingPunct="1">
+      <a:defRPr sz="1200" kern="1200">
+        <a:solidFill>
+          <a:schemeClr val="tx1"/>
+        </a:solidFill>
+        <a:latin typeface="+mn-lt"/>
+        <a:ea typeface="+mn-ea"/>
+        <a:cs typeface="+mn-cs"/>
+      </a:defRPr>
+    </a:lvl5pPr>
+    <a:lvl6pPr marL="2286000" algn="l" defTabSz="457200" rtl="0" eaLnBrk="1" latinLnBrk="0" hangingPunct="1">
+      <a:defRPr sz="1200" kern="1200">
+        <a:solidFill>
+          <a:schemeClr val="tx1"/>
+        </a:solidFill>
+        <a:latin typeface="+mn-lt"/>
+        <a:ea typeface="+mn-ea"/>
+        <a:cs typeface="+mn-cs"/>
+      </a:defRPr>
+    </a:lvl6pPr>
+    <a:lvl7pPr marL="2743200" algn="l" defTabSz="457200" rtl="0" eaLnBrk="1" latinLnBrk="0" hangingPunct="1">
+      <a:defRPr sz="1200" kern="1200">
+        <a:solidFill>
+          <a:schemeClr val="tx1"/>
+        </a:solidFill>
+        <a:latin typeface="+mn-lt"/>
+        <a:ea typeface="+mn-ea"/>
+        <a:cs typeface="+mn-cs"/>
+      </a:defRPr>
+    </a:lvl7pPr>
+    <a:lvl8pPr marL="3200400" algn="l" defTabSz="457200" rtl="0" eaLnBrk="1" latinLnBrk="0" hangingPunct="1">
+      <a:defRPr sz="1200" kern="1200">
+        <a:solidFill>
+          <a:schemeClr val="tx1"/>
+        </a:solidFill>
+        <a:latin typeface="+mn-lt"/>
+        <a:ea typeface="+mn-ea"/>
+        <a:cs typeface="+mn-cs"/>
+      </a:defRPr>
+    </a:lvl8pPr>
+    <a:lvl9pPr marL="3657600" algn="l" defTabSz="457200" rtl="0" eaLnBrk="1" latinLnBrk="0" hangingPunct="1">
+      <a:defRPr sz="1200" kern="1200">
+        <a:solidFill>
+          <a:schemeClr val="tx1"/>
+        </a:solidFill>
+        <a:latin typeface="+mn-lt"/>
+        <a:ea typeface="+mn-ea"/>
+        <a:cs typeface="+mn-cs"/>
+      </a:defRPr>
+    </a:lvl9pPr>
+  </p:notesStyle>
+</p:notesMaster>
+</file>
+
+<file path=ppt/notesSlides/notesSlide1.xml><?xml version="1.0" encoding="utf-8"?>
+<p:notes xmlns:a="http://schemas.openxmlformats.org/drawingml/2006/main" xmlns:r="http://schemas.openxmlformats.org/officeDocument/2006/relationships" xmlns:p="http://schemas.openxmlformats.org/presentationml/2006/main">
+  <p:cSld>
+    <p:spTree>
+      <p:nvGrpSpPr>
+        <p:cNvPr id="1" name=""/>
+        <p:cNvGrpSpPr/>
+        <p:nvPr/>
+      </p:nvGrpSpPr>
+      <p:grpSpPr>
+        <a:xfrm>
+          <a:off x="0" y="0"/>
+          <a:ext cx="0" cy="0"/>
+          <a:chOff x="0" y="0"/>
+          <a:chExt cx="0" cy="0"/>
+        </a:xfrm>
+      </p:grpSpPr>
+      <p:sp>
+        <p:nvSpPr>
+          <p:cNvPr id="2" name="Slide Image Placeholder 1"/>
+          <p:cNvSpPr>
+            <a:spLocks noGrp="1" noRot="1" noChangeAspect="1"/>
+          </p:cNvSpPr>
+          <p:nvPr>
+            <p:ph type="sldImg"/>
+          </p:nvPr>
+        </p:nvSpPr>
+        <p:spPr/>
+      </p:sp>
+      <p:sp>
+        <p:nvSpPr>
+          <p:cNvPr id="3" name="Notes Placeholder 2"/>
+          <p:cNvSpPr>
+            <a:spLocks noGrp="1"/>
+          </p:cNvSpPr>
+          <p:nvPr>
+            <p:ph type="body" idx="1"/>
+          </p:nvPr>
+        </p:nvSpPr>
+        <p:spPr/>
+        <p:txBody>
+          <a:bodyPr/>
+          <a:lstStyle/>
+          <a:p>
+            <a:r>
+              <a:rPr lang="en-US" dirty="0" smtClean="0"/>
+              <a:t>Germination is a critical fitness</a:t>
+            </a:r>
+            <a:r>
+              <a:rPr lang="en-US" baseline="0" dirty="0" smtClean="0"/>
+              <a:t> step. Very temperature </a:t>
+            </a:r>
+            <a:r>
+              <a:rPr lang="en-US" baseline="0" dirty="0" err="1" smtClean="0"/>
+              <a:t>sensative</a:t>
+            </a:r>
+            <a:r>
+              <a:rPr lang="en-US" baseline="0" dirty="0" smtClean="0"/>
+              <a:t> </a:t>
+            </a:r>
+            <a:endParaRPr lang="en-US" dirty="0"/>
+          </a:p>
+        </p:txBody>
+      </p:sp>
+      <p:sp>
+        <p:nvSpPr>
+          <p:cNvPr id="4" name="Slide Number Placeholder 3"/>
+          <p:cNvSpPr>
+            <a:spLocks noGrp="1"/>
+          </p:cNvSpPr>
+          <p:nvPr>
+            <p:ph type="sldNum" sz="quarter" idx="10"/>
+          </p:nvPr>
+        </p:nvSpPr>
+        <p:spPr/>
+        <p:txBody>
+          <a:bodyPr/>
+          <a:lstStyle/>
+          <a:p>
+            <a:fld id="{5118BE63-793E-4A46-8DE4-B676FF388248}" type="slidenum">
+              <a:rPr lang="en-US" smtClean="0"/>
+              <a:t>15</a:t>
+            </a:fld>
+            <a:endParaRPr lang="en-US"/>
+          </a:p>
+        </p:txBody>
+      </p:sp>
+    </p:spTree>
+    <p:extLst>
+      <p:ext uri="{BB962C8B-B14F-4D97-AF65-F5344CB8AC3E}">
+        <p14:creationId xmlns:p14="http://schemas.microsoft.com/office/powerpoint/2010/main" val="2434976014"/>
+      </p:ext>
+    </p:extLst>
+  </p:cSld>
+  <p:clrMapOvr>
+    <a:masterClrMapping/>
+  </p:clrMapOvr>
+</p:notes>
+</file>
+
+<file path=ppt/notesSlides/notesSlide2.xml><?xml version="1.0" encoding="utf-8"?>
+<p:notes xmlns:a="http://schemas.openxmlformats.org/drawingml/2006/main" xmlns:r="http://schemas.openxmlformats.org/officeDocument/2006/relationships" xmlns:p="http://schemas.openxmlformats.org/presentationml/2006/main">
+  <p:cSld>
+    <p:spTree>
+      <p:nvGrpSpPr>
+        <p:cNvPr id="1" name=""/>
+        <p:cNvGrpSpPr/>
+        <p:nvPr/>
+      </p:nvGrpSpPr>
+      <p:grpSpPr>
+        <a:xfrm>
+          <a:off x="0" y="0"/>
+          <a:ext cx="0" cy="0"/>
+          <a:chOff x="0" y="0"/>
+          <a:chExt cx="0" cy="0"/>
+        </a:xfrm>
+      </p:grpSpPr>
+      <p:sp>
+        <p:nvSpPr>
+          <p:cNvPr id="2" name="Slide Image Placeholder 1"/>
+          <p:cNvSpPr>
+            <a:spLocks noGrp="1" noRot="1" noChangeAspect="1"/>
+          </p:cNvSpPr>
+          <p:nvPr>
+            <p:ph type="sldImg"/>
+          </p:nvPr>
+        </p:nvSpPr>
+        <p:spPr/>
+      </p:sp>
+      <p:sp>
+        <p:nvSpPr>
+          <p:cNvPr id="3" name="Notes Placeholder 2"/>
+          <p:cNvSpPr>
+            <a:spLocks noGrp="1"/>
+          </p:cNvSpPr>
+          <p:nvPr>
+            <p:ph type="body" idx="1"/>
+          </p:nvPr>
+        </p:nvSpPr>
+        <p:spPr/>
+        <p:txBody>
+          <a:bodyPr/>
+          <a:lstStyle/>
+          <a:p>
+            <a:pPr marL="0" marR="0" indent="0" algn="l" defTabSz="457200" rtl="0" eaLnBrk="1" fontAlgn="auto" latinLnBrk="0" hangingPunct="1">
+              <a:lnSpc>
+                <a:spcPct val="100000"/>
+              </a:lnSpc>
+              <a:spcBef>
+                <a:spcPts val="0"/>
+              </a:spcBef>
+              <a:spcAft>
+                <a:spcPts val="0"/>
+              </a:spcAft>
+              <a:buClrTx/>
+              <a:buSzTx/>
+              <a:buFontTx/>
+              <a:buNone/>
+              <a:tabLst/>
+              <a:defRPr/>
+            </a:pPr>
+            <a:r>
+              <a:rPr lang="en-US" sz="1200" dirty="0" smtClean="0">
+                <a:latin typeface="Arial" charset="0"/>
+                <a:cs typeface="Baekmuk Gulim" charset="0"/>
+              </a:rPr>
+              <a:t> Shifts of germination phenology between now (dashed lines) and the future (solid lines) with global warming for species requiring cold stratification. (a) Seedling emergence will be delayed if the current length of cold stratification approximates the minimum requirement. In this case, shortened winters will not adequately overcome dormancy and seeds will require increased time in spring to germinate. (b) Emergence will be earlier if the current length of stratification greatly exceeds the minimum required. Seeds remain un‐germinated (but </a:t>
+            </a:r>
+            <a:r>
+              <a:rPr lang="en-US" sz="1200" dirty="0" err="1" smtClean="0">
+                <a:latin typeface="Arial" charset="0"/>
+                <a:cs typeface="Baekmuk Gulim" charset="0"/>
+              </a:rPr>
+              <a:t>nondormant</a:t>
+            </a:r>
+            <a:r>
+              <a:rPr lang="en-US" sz="1200" dirty="0" smtClean="0">
+                <a:latin typeface="Arial" charset="0"/>
+                <a:cs typeface="Baekmuk Gulim" charset="0"/>
+              </a:rPr>
+              <a:t>) until spring temperatures warm, and thus shortened winters do not affect dormancy break but premature spring warm‐up accelerates germination. </a:t>
+            </a:r>
+          </a:p>
+          <a:p>
+            <a:endParaRPr lang="en-US" dirty="0"/>
+          </a:p>
+        </p:txBody>
+      </p:sp>
+      <p:sp>
+        <p:nvSpPr>
+          <p:cNvPr id="4" name="Slide Number Placeholder 3"/>
+          <p:cNvSpPr>
+            <a:spLocks noGrp="1"/>
+          </p:cNvSpPr>
+          <p:nvPr>
+            <p:ph type="sldNum" sz="quarter" idx="10"/>
+          </p:nvPr>
+        </p:nvSpPr>
+        <p:spPr/>
+        <p:txBody>
+          <a:bodyPr/>
+          <a:lstStyle/>
+          <a:p>
+            <a:fld id="{5118BE63-793E-4A46-8DE4-B676FF388248}" type="slidenum">
+              <a:rPr lang="en-US" smtClean="0"/>
+              <a:t>16</a:t>
+            </a:fld>
+            <a:endParaRPr lang="en-US"/>
+          </a:p>
+        </p:txBody>
+      </p:sp>
+    </p:spTree>
+    <p:extLst>
+      <p:ext uri="{BB962C8B-B14F-4D97-AF65-F5344CB8AC3E}">
+        <p14:creationId xmlns:p14="http://schemas.microsoft.com/office/powerpoint/2010/main" val="2488740210"/>
+      </p:ext>
+    </p:extLst>
+  </p:cSld>
+  <p:clrMapOvr>
+    <a:masterClrMapping/>
+  </p:clrMapOvr>
+</p:notes>
+</file>
+
+<file path=ppt/notesSlides/notesSlide3.xml><?xml version="1.0" encoding="utf-8"?>
+<p:notes xmlns:a="http://schemas.openxmlformats.org/drawingml/2006/main" xmlns:r="http://schemas.openxmlformats.org/officeDocument/2006/relationships" xmlns:p="http://schemas.openxmlformats.org/presentationml/2006/main">
+  <p:cSld>
+    <p:spTree>
+      <p:nvGrpSpPr>
+        <p:cNvPr id="1" name=""/>
+        <p:cNvGrpSpPr/>
+        <p:nvPr/>
+      </p:nvGrpSpPr>
+      <p:grpSpPr>
+        <a:xfrm>
+          <a:off x="0" y="0"/>
+          <a:ext cx="0" cy="0"/>
+          <a:chOff x="0" y="0"/>
+          <a:chExt cx="0" cy="0"/>
+        </a:xfrm>
+      </p:grpSpPr>
+      <p:sp>
+        <p:nvSpPr>
+          <p:cNvPr id="2" name="Slide Image Placeholder 1"/>
+          <p:cNvSpPr>
+            <a:spLocks noGrp="1" noRot="1" noChangeAspect="1"/>
+          </p:cNvSpPr>
+          <p:nvPr>
+            <p:ph type="sldImg"/>
+          </p:nvPr>
+        </p:nvSpPr>
+        <p:spPr/>
+      </p:sp>
+      <p:sp>
+        <p:nvSpPr>
+          <p:cNvPr id="3" name="Notes Placeholder 2"/>
+          <p:cNvSpPr>
+            <a:spLocks noGrp="1"/>
+          </p:cNvSpPr>
+          <p:nvPr>
+            <p:ph type="body" idx="1"/>
+          </p:nvPr>
+        </p:nvSpPr>
+        <p:spPr/>
+        <p:txBody>
+          <a:bodyPr/>
+          <a:lstStyle/>
+          <a:p>
+            <a:r>
+              <a:rPr lang="en-US" dirty="0" err="1" smtClean="0"/>
+              <a:t>Evetts</a:t>
+            </a:r>
+            <a:r>
+              <a:rPr lang="en-US" dirty="0" smtClean="0"/>
+              <a:t> 1972</a:t>
+            </a:r>
+          </a:p>
+          <a:p>
+            <a:r>
+              <a:rPr lang="en-US" dirty="0" err="1" smtClean="0"/>
+              <a:t>Oegema</a:t>
+            </a:r>
+            <a:r>
+              <a:rPr lang="en-US" dirty="0" smtClean="0"/>
+              <a:t> and Fletcher 1972</a:t>
+            </a:r>
+          </a:p>
+          <a:p>
+            <a:r>
+              <a:rPr lang="en-US" dirty="0" smtClean="0"/>
+              <a:t>Farmer 1986</a:t>
+            </a:r>
+          </a:p>
+          <a:p>
+            <a:r>
+              <a:rPr lang="en-US" dirty="0" smtClean="0"/>
+              <a:t>Baskin and Baskin 1977</a:t>
+            </a:r>
+          </a:p>
+          <a:p>
+            <a:endParaRPr lang="en-US" dirty="0" smtClean="0"/>
+          </a:p>
+          <a:p>
+            <a:r>
+              <a:rPr lang="en-US" dirty="0" smtClean="0"/>
+              <a:t>Add picture of </a:t>
+            </a:r>
+            <a:r>
+              <a:rPr lang="en-US" dirty="0" err="1" smtClean="0"/>
+              <a:t>Ascleptias</a:t>
+            </a:r>
+            <a:r>
+              <a:rPr lang="en-US" baseline="0" dirty="0" smtClean="0"/>
+              <a:t> only</a:t>
+            </a:r>
+            <a:endParaRPr lang="en-US" dirty="0" smtClean="0"/>
+          </a:p>
+          <a:p>
+            <a:pPr marL="0" marR="0" indent="0" algn="l" defTabSz="457200" rtl="0" eaLnBrk="1" fontAlgn="auto" latinLnBrk="0" hangingPunct="1">
+              <a:lnSpc>
+                <a:spcPct val="100000"/>
+              </a:lnSpc>
+              <a:spcBef>
+                <a:spcPts val="0"/>
+              </a:spcBef>
+              <a:spcAft>
+                <a:spcPts val="0"/>
+              </a:spcAft>
+              <a:buClrTx/>
+              <a:buSzTx/>
+              <a:buFontTx/>
+              <a:buNone/>
+              <a:tabLst/>
+              <a:defRPr/>
+            </a:pPr>
+            <a:endParaRPr lang="en-US" dirty="0"/>
+          </a:p>
+        </p:txBody>
+      </p:sp>
+      <p:sp>
+        <p:nvSpPr>
+          <p:cNvPr id="4" name="Slide Number Placeholder 3"/>
+          <p:cNvSpPr>
+            <a:spLocks noGrp="1"/>
+          </p:cNvSpPr>
+          <p:nvPr>
+            <p:ph type="sldNum" sz="quarter" idx="10"/>
+          </p:nvPr>
+        </p:nvSpPr>
+        <p:spPr/>
+        <p:txBody>
+          <a:bodyPr/>
+          <a:lstStyle/>
+          <a:p>
+            <a:fld id="{5118BE63-793E-4A46-8DE4-B676FF388248}" type="slidenum">
+              <a:rPr lang="en-US" smtClean="0"/>
+              <a:t>21</a:t>
+            </a:fld>
+            <a:endParaRPr lang="en-US"/>
+          </a:p>
+        </p:txBody>
+      </p:sp>
+    </p:spTree>
+    <p:extLst>
+      <p:ext uri="{BB962C8B-B14F-4D97-AF65-F5344CB8AC3E}">
+        <p14:creationId xmlns:p14="http://schemas.microsoft.com/office/powerpoint/2010/main" val="3904872603"/>
+      </p:ext>
+    </p:extLst>
+  </p:cSld>
+  <p:clrMapOvr>
+    <a:masterClrMapping/>
+  </p:clrMapOvr>
+</p:notes>
+</file>
+
+<file path=ppt/notesSlides/notesSlide4.xml><?xml version="1.0" encoding="utf-8"?>
+<p:notes xmlns:a="http://schemas.openxmlformats.org/drawingml/2006/main" xmlns:r="http://schemas.openxmlformats.org/officeDocument/2006/relationships" xmlns:p="http://schemas.openxmlformats.org/presentationml/2006/main">
+  <p:cSld>
+    <p:spTree>
+      <p:nvGrpSpPr>
+        <p:cNvPr id="1" name=""/>
+        <p:cNvGrpSpPr/>
+        <p:nvPr/>
+      </p:nvGrpSpPr>
+      <p:grpSpPr>
+        <a:xfrm>
+          <a:off x="0" y="0"/>
+          <a:ext cx="0" cy="0"/>
+          <a:chOff x="0" y="0"/>
+          <a:chExt cx="0" cy="0"/>
+        </a:xfrm>
+      </p:grpSpPr>
+      <p:sp>
+        <p:nvSpPr>
+          <p:cNvPr id="2" name="Slide Image Placeholder 1"/>
+          <p:cNvSpPr>
+            <a:spLocks noGrp="1" noRot="1" noChangeAspect="1"/>
+          </p:cNvSpPr>
+          <p:nvPr>
+            <p:ph type="sldImg"/>
+          </p:nvPr>
+        </p:nvSpPr>
+        <p:spPr/>
+      </p:sp>
+      <p:sp>
+        <p:nvSpPr>
+          <p:cNvPr id="3" name="Notes Placeholder 2"/>
+          <p:cNvSpPr>
+            <a:spLocks noGrp="1"/>
+          </p:cNvSpPr>
+          <p:nvPr>
+            <p:ph type="body" idx="1"/>
+          </p:nvPr>
+        </p:nvSpPr>
+        <p:spPr/>
+        <p:txBody>
+          <a:bodyPr/>
+          <a:lstStyle/>
+          <a:p>
+            <a:pPr marL="0" marR="0" indent="0" algn="l" defTabSz="457200" rtl="0" eaLnBrk="1" fontAlgn="auto" latinLnBrk="0" hangingPunct="1">
+              <a:lnSpc>
+                <a:spcPct val="100000"/>
+              </a:lnSpc>
+              <a:spcBef>
+                <a:spcPts val="0"/>
+              </a:spcBef>
+              <a:spcAft>
+                <a:spcPts val="0"/>
+              </a:spcAft>
+              <a:buClrTx/>
+              <a:buSzTx/>
+              <a:buFontTx/>
+              <a:buNone/>
+              <a:tabLst/>
+              <a:defRPr/>
+            </a:pPr>
+            <a:r>
+              <a:rPr lang="en-US" dirty="0" smtClean="0"/>
+              <a:t>Map</a:t>
+            </a:r>
+            <a:r>
+              <a:rPr lang="en-US" baseline="0" dirty="0" smtClean="0"/>
+              <a:t> of eastern US to global map with points all over the world</a:t>
+            </a:r>
+            <a:endParaRPr lang="en-US" dirty="0"/>
+          </a:p>
+        </p:txBody>
+      </p:sp>
+      <p:sp>
+        <p:nvSpPr>
+          <p:cNvPr id="4" name="Slide Number Placeholder 3"/>
+          <p:cNvSpPr>
+            <a:spLocks noGrp="1"/>
+          </p:cNvSpPr>
+          <p:nvPr>
+            <p:ph type="sldNum" sz="quarter" idx="10"/>
+          </p:nvPr>
+        </p:nvSpPr>
+        <p:spPr/>
+        <p:txBody>
+          <a:bodyPr/>
+          <a:lstStyle/>
+          <a:p>
+            <a:fld id="{5118BE63-793E-4A46-8DE4-B676FF388248}" type="slidenum">
+              <a:rPr lang="en-US" smtClean="0"/>
+              <a:t>22</a:t>
+            </a:fld>
+            <a:endParaRPr lang="en-US"/>
+          </a:p>
+        </p:txBody>
+      </p:sp>
+    </p:spTree>
+    <p:extLst>
+      <p:ext uri="{BB962C8B-B14F-4D97-AF65-F5344CB8AC3E}">
+        <p14:creationId xmlns:p14="http://schemas.microsoft.com/office/powerpoint/2010/main" val="3904872603"/>
+      </p:ext>
+    </p:extLst>
+  </p:cSld>
+  <p:clrMapOvr>
+    <a:masterClrMapping/>
+  </p:clrMapOvr>
+</p:notes>
+</file>
+
 <file path=ppt/slideLayouts/slideLayout1.xml><?xml version="1.0" encoding="utf-8"?>
 <p:sldLayout xmlns:a="http://schemas.openxmlformats.org/drawingml/2006/main" xmlns:r="http://schemas.openxmlformats.org/officeDocument/2006/relationships" xmlns:p="http://schemas.openxmlformats.org/presentationml/2006/main" type="title" preserve="1">
   <p:cSld name="Title Slide">
@@ -892,6 +1753,1459 @@
 </file>
 
 <file path=ppt/slideLayouts/slideLayout10.xml><?xml version="1.0" encoding="utf-8"?>
+<p:sldLayout xmlns:a="http://schemas.openxmlformats.org/drawingml/2006/main" xmlns:r="http://schemas.openxmlformats.org/officeDocument/2006/relationships" xmlns:p="http://schemas.openxmlformats.org/presentationml/2006/main" type="twoObj" preserve="1">
+  <p:cSld name="Two Content">
+    <p:spTree>
+      <p:nvGrpSpPr>
+        <p:cNvPr id="1" name=""/>
+        <p:cNvGrpSpPr/>
+        <p:nvPr/>
+      </p:nvGrpSpPr>
+      <p:grpSpPr>
+        <a:xfrm>
+          <a:off x="0" y="0"/>
+          <a:ext cx="0" cy="0"/>
+          <a:chOff x="0" y="0"/>
+          <a:chExt cx="0" cy="0"/>
+        </a:xfrm>
+      </p:grpSpPr>
+      <p:sp>
+        <p:nvSpPr>
+          <p:cNvPr id="2" name="Title 1"/>
+          <p:cNvSpPr>
+            <a:spLocks noGrp="1"/>
+          </p:cNvSpPr>
+          <p:nvPr>
+            <p:ph type="title"/>
+          </p:nvPr>
+        </p:nvSpPr>
+        <p:spPr/>
+        <p:txBody>
+          <a:bodyPr/>
+          <a:lstStyle/>
+          <a:p>
+            <a:r>
+              <a:rPr lang="en-US" smtClean="0"/>
+              <a:t>Click to edit Master title style</a:t>
+            </a:r>
+            <a:endParaRPr lang="en-US"/>
+          </a:p>
+        </p:txBody>
+      </p:sp>
+      <p:sp>
+        <p:nvSpPr>
+          <p:cNvPr id="3" name="Content Placeholder 2"/>
+          <p:cNvSpPr>
+            <a:spLocks noGrp="1"/>
+          </p:cNvSpPr>
+          <p:nvPr>
+            <p:ph sz="half" idx="1"/>
+          </p:nvPr>
+        </p:nvSpPr>
+        <p:spPr>
+          <a:xfrm>
+            <a:off x="457200" y="1600200"/>
+            <a:ext cx="4038600" cy="4525963"/>
+          </a:xfrm>
+        </p:spPr>
+        <p:txBody>
+          <a:bodyPr/>
+          <a:lstStyle>
+            <a:lvl1pPr>
+              <a:defRPr sz="2800"/>
+            </a:lvl1pPr>
+            <a:lvl2pPr>
+              <a:defRPr sz="2400"/>
+            </a:lvl2pPr>
+            <a:lvl3pPr>
+              <a:defRPr sz="2000"/>
+            </a:lvl3pPr>
+            <a:lvl4pPr>
+              <a:defRPr sz="1800"/>
+            </a:lvl4pPr>
+            <a:lvl5pPr>
+              <a:defRPr sz="1800"/>
+            </a:lvl5pPr>
+            <a:lvl6pPr>
+              <a:defRPr sz="1800"/>
+            </a:lvl6pPr>
+            <a:lvl7pPr>
+              <a:defRPr sz="1800"/>
+            </a:lvl7pPr>
+            <a:lvl8pPr>
+              <a:defRPr sz="1800"/>
+            </a:lvl8pPr>
+            <a:lvl9pPr>
+              <a:defRPr sz="1800"/>
+            </a:lvl9pPr>
+          </a:lstStyle>
+          <a:p>
+            <a:pPr lvl="0"/>
+            <a:r>
+              <a:rPr lang="en-US" smtClean="0"/>
+              <a:t>Click to edit Master text styles</a:t>
+            </a:r>
+          </a:p>
+          <a:p>
+            <a:pPr lvl="1"/>
+            <a:r>
+              <a:rPr lang="en-US" smtClean="0"/>
+              <a:t>Second level</a:t>
+            </a:r>
+          </a:p>
+          <a:p>
+            <a:pPr lvl="2"/>
+            <a:r>
+              <a:rPr lang="en-US" smtClean="0"/>
+              <a:t>Third level</a:t>
+            </a:r>
+          </a:p>
+          <a:p>
+            <a:pPr lvl="3"/>
+            <a:r>
+              <a:rPr lang="en-US" smtClean="0"/>
+              <a:t>Fourth level</a:t>
+            </a:r>
+          </a:p>
+          <a:p>
+            <a:pPr lvl="4"/>
+            <a:r>
+              <a:rPr lang="en-US" smtClean="0"/>
+              <a:t>Fifth level</a:t>
+            </a:r>
+            <a:endParaRPr lang="en-US"/>
+          </a:p>
+        </p:txBody>
+      </p:sp>
+      <p:sp>
+        <p:nvSpPr>
+          <p:cNvPr id="4" name="Content Placeholder 3"/>
+          <p:cNvSpPr>
+            <a:spLocks noGrp="1"/>
+          </p:cNvSpPr>
+          <p:nvPr>
+            <p:ph sz="half" idx="2"/>
+          </p:nvPr>
+        </p:nvSpPr>
+        <p:spPr>
+          <a:xfrm>
+            <a:off x="4648200" y="1600200"/>
+            <a:ext cx="4038600" cy="4525963"/>
+          </a:xfrm>
+        </p:spPr>
+        <p:txBody>
+          <a:bodyPr/>
+          <a:lstStyle>
+            <a:lvl1pPr>
+              <a:defRPr sz="2800"/>
+            </a:lvl1pPr>
+            <a:lvl2pPr>
+              <a:defRPr sz="2400"/>
+            </a:lvl2pPr>
+            <a:lvl3pPr>
+              <a:defRPr sz="2000"/>
+            </a:lvl3pPr>
+            <a:lvl4pPr>
+              <a:defRPr sz="1800"/>
+            </a:lvl4pPr>
+            <a:lvl5pPr>
+              <a:defRPr sz="1800"/>
+            </a:lvl5pPr>
+            <a:lvl6pPr>
+              <a:defRPr sz="1800"/>
+            </a:lvl6pPr>
+            <a:lvl7pPr>
+              <a:defRPr sz="1800"/>
+            </a:lvl7pPr>
+            <a:lvl8pPr>
+              <a:defRPr sz="1800"/>
+            </a:lvl8pPr>
+            <a:lvl9pPr>
+              <a:defRPr sz="1800"/>
+            </a:lvl9pPr>
+          </a:lstStyle>
+          <a:p>
+            <a:pPr lvl="0"/>
+            <a:r>
+              <a:rPr lang="en-US" smtClean="0"/>
+              <a:t>Click to edit Master text styles</a:t>
+            </a:r>
+          </a:p>
+          <a:p>
+            <a:pPr lvl="1"/>
+            <a:r>
+              <a:rPr lang="en-US" smtClean="0"/>
+              <a:t>Second level</a:t>
+            </a:r>
+          </a:p>
+          <a:p>
+            <a:pPr lvl="2"/>
+            <a:r>
+              <a:rPr lang="en-US" smtClean="0"/>
+              <a:t>Third level</a:t>
+            </a:r>
+          </a:p>
+          <a:p>
+            <a:pPr lvl="3"/>
+            <a:r>
+              <a:rPr lang="en-US" smtClean="0"/>
+              <a:t>Fourth level</a:t>
+            </a:r>
+          </a:p>
+          <a:p>
+            <a:pPr lvl="4"/>
+            <a:r>
+              <a:rPr lang="en-US" smtClean="0"/>
+              <a:t>Fifth level</a:t>
+            </a:r>
+            <a:endParaRPr lang="en-US"/>
+          </a:p>
+        </p:txBody>
+      </p:sp>
+      <p:sp>
+        <p:nvSpPr>
+          <p:cNvPr id="5" name="Date Placeholder 4"/>
+          <p:cNvSpPr>
+            <a:spLocks noGrp="1"/>
+          </p:cNvSpPr>
+          <p:nvPr>
+            <p:ph type="dt" sz="half" idx="10"/>
+          </p:nvPr>
+        </p:nvSpPr>
+        <p:spPr/>
+        <p:txBody>
+          <a:bodyPr/>
+          <a:lstStyle/>
+          <a:p>
+            <a:fld id="{3737F87F-7A13-AB4F-816E-A50305B7DDDA}" type="datetimeFigureOut">
+              <a:rPr lang="en-US" smtClean="0"/>
+              <a:t>9/30/18</a:t>
+            </a:fld>
+            <a:endParaRPr lang="en-US"/>
+          </a:p>
+        </p:txBody>
+      </p:sp>
+      <p:sp>
+        <p:nvSpPr>
+          <p:cNvPr id="6" name="Footer Placeholder 5"/>
+          <p:cNvSpPr>
+            <a:spLocks noGrp="1"/>
+          </p:cNvSpPr>
+          <p:nvPr>
+            <p:ph type="ftr" sz="quarter" idx="11"/>
+          </p:nvPr>
+        </p:nvSpPr>
+        <p:spPr/>
+        <p:txBody>
+          <a:bodyPr/>
+          <a:lstStyle/>
+          <a:p>
+            <a:endParaRPr lang="en-US"/>
+          </a:p>
+        </p:txBody>
+      </p:sp>
+      <p:sp>
+        <p:nvSpPr>
+          <p:cNvPr id="7" name="Slide Number Placeholder 6"/>
+          <p:cNvSpPr>
+            <a:spLocks noGrp="1"/>
+          </p:cNvSpPr>
+          <p:nvPr>
+            <p:ph type="sldNum" sz="quarter" idx="12"/>
+          </p:nvPr>
+        </p:nvSpPr>
+        <p:spPr/>
+        <p:txBody>
+          <a:bodyPr/>
+          <a:lstStyle/>
+          <a:p>
+            <a:fld id="{4165CED2-2196-2D46-9A0E-77B7034BF2F8}" type="slidenum">
+              <a:rPr lang="en-US" smtClean="0"/>
+              <a:t>‹#›</a:t>
+            </a:fld>
+            <a:endParaRPr lang="en-US"/>
+          </a:p>
+        </p:txBody>
+      </p:sp>
+    </p:spTree>
+    <p:extLst>
+      <p:ext uri="{BB962C8B-B14F-4D97-AF65-F5344CB8AC3E}">
+        <p14:creationId xmlns:p14="http://schemas.microsoft.com/office/powerpoint/2010/main" val="736218230"/>
+      </p:ext>
+    </p:extLst>
+  </p:cSld>
+  <p:clrMapOvr>
+    <a:masterClrMapping/>
+  </p:clrMapOvr>
+</p:sldLayout>
+</file>
+
+<file path=ppt/slideLayouts/slideLayout11.xml><?xml version="1.0" encoding="utf-8"?>
+<p:sldLayout xmlns:a="http://schemas.openxmlformats.org/drawingml/2006/main" xmlns:r="http://schemas.openxmlformats.org/officeDocument/2006/relationships" xmlns:p="http://schemas.openxmlformats.org/presentationml/2006/main" type="twoTxTwoObj" preserve="1">
+  <p:cSld name="Comparison">
+    <p:spTree>
+      <p:nvGrpSpPr>
+        <p:cNvPr id="1" name=""/>
+        <p:cNvGrpSpPr/>
+        <p:nvPr/>
+      </p:nvGrpSpPr>
+      <p:grpSpPr>
+        <a:xfrm>
+          <a:off x="0" y="0"/>
+          <a:ext cx="0" cy="0"/>
+          <a:chOff x="0" y="0"/>
+          <a:chExt cx="0" cy="0"/>
+        </a:xfrm>
+      </p:grpSpPr>
+      <p:sp>
+        <p:nvSpPr>
+          <p:cNvPr id="2" name="Title 1"/>
+          <p:cNvSpPr>
+            <a:spLocks noGrp="1"/>
+          </p:cNvSpPr>
+          <p:nvPr>
+            <p:ph type="title"/>
+          </p:nvPr>
+        </p:nvSpPr>
+        <p:spPr/>
+        <p:txBody>
+          <a:bodyPr/>
+          <a:lstStyle>
+            <a:lvl1pPr>
+              <a:defRPr/>
+            </a:lvl1pPr>
+          </a:lstStyle>
+          <a:p>
+            <a:r>
+              <a:rPr lang="en-US" smtClean="0"/>
+              <a:t>Click to edit Master title style</a:t>
+            </a:r>
+            <a:endParaRPr lang="en-US"/>
+          </a:p>
+        </p:txBody>
+      </p:sp>
+      <p:sp>
+        <p:nvSpPr>
+          <p:cNvPr id="3" name="Text Placeholder 2"/>
+          <p:cNvSpPr>
+            <a:spLocks noGrp="1"/>
+          </p:cNvSpPr>
+          <p:nvPr>
+            <p:ph type="body" idx="1"/>
+          </p:nvPr>
+        </p:nvSpPr>
+        <p:spPr>
+          <a:xfrm>
+            <a:off x="457200" y="1535113"/>
+            <a:ext cx="4040188" cy="639762"/>
+          </a:xfrm>
+        </p:spPr>
+        <p:txBody>
+          <a:bodyPr anchor="b"/>
+          <a:lstStyle>
+            <a:lvl1pPr marL="0" indent="0">
+              <a:buNone/>
+              <a:defRPr sz="2400" b="1"/>
+            </a:lvl1pPr>
+            <a:lvl2pPr marL="457200" indent="0">
+              <a:buNone/>
+              <a:defRPr sz="2000" b="1"/>
+            </a:lvl2pPr>
+            <a:lvl3pPr marL="914400" indent="0">
+              <a:buNone/>
+              <a:defRPr sz="1800" b="1"/>
+            </a:lvl3pPr>
+            <a:lvl4pPr marL="1371600" indent="0">
+              <a:buNone/>
+              <a:defRPr sz="1600" b="1"/>
+            </a:lvl4pPr>
+            <a:lvl5pPr marL="1828800" indent="0">
+              <a:buNone/>
+              <a:defRPr sz="1600" b="1"/>
+            </a:lvl5pPr>
+            <a:lvl6pPr marL="2286000" indent="0">
+              <a:buNone/>
+              <a:defRPr sz="1600" b="1"/>
+            </a:lvl6pPr>
+            <a:lvl7pPr marL="2743200" indent="0">
+              <a:buNone/>
+              <a:defRPr sz="1600" b="1"/>
+            </a:lvl7pPr>
+            <a:lvl8pPr marL="3200400" indent="0">
+              <a:buNone/>
+              <a:defRPr sz="1600" b="1"/>
+            </a:lvl8pPr>
+            <a:lvl9pPr marL="3657600" indent="0">
+              <a:buNone/>
+              <a:defRPr sz="1600" b="1"/>
+            </a:lvl9pPr>
+          </a:lstStyle>
+          <a:p>
+            <a:pPr lvl="0"/>
+            <a:r>
+              <a:rPr lang="en-US" smtClean="0"/>
+              <a:t>Click to edit Master text styles</a:t>
+            </a:r>
+          </a:p>
+        </p:txBody>
+      </p:sp>
+      <p:sp>
+        <p:nvSpPr>
+          <p:cNvPr id="4" name="Content Placeholder 3"/>
+          <p:cNvSpPr>
+            <a:spLocks noGrp="1"/>
+          </p:cNvSpPr>
+          <p:nvPr>
+            <p:ph sz="half" idx="2"/>
+          </p:nvPr>
+        </p:nvSpPr>
+        <p:spPr>
+          <a:xfrm>
+            <a:off x="457200" y="2174875"/>
+            <a:ext cx="4040188" cy="3951288"/>
+          </a:xfrm>
+        </p:spPr>
+        <p:txBody>
+          <a:bodyPr/>
+          <a:lstStyle>
+            <a:lvl1pPr>
+              <a:defRPr sz="2400"/>
+            </a:lvl1pPr>
+            <a:lvl2pPr>
+              <a:defRPr sz="2000"/>
+            </a:lvl2pPr>
+            <a:lvl3pPr>
+              <a:defRPr sz="1800"/>
+            </a:lvl3pPr>
+            <a:lvl4pPr>
+              <a:defRPr sz="1600"/>
+            </a:lvl4pPr>
+            <a:lvl5pPr>
+              <a:defRPr sz="1600"/>
+            </a:lvl5pPr>
+            <a:lvl6pPr>
+              <a:defRPr sz="1600"/>
+            </a:lvl6pPr>
+            <a:lvl7pPr>
+              <a:defRPr sz="1600"/>
+            </a:lvl7pPr>
+            <a:lvl8pPr>
+              <a:defRPr sz="1600"/>
+            </a:lvl8pPr>
+            <a:lvl9pPr>
+              <a:defRPr sz="1600"/>
+            </a:lvl9pPr>
+          </a:lstStyle>
+          <a:p>
+            <a:pPr lvl="0"/>
+            <a:r>
+              <a:rPr lang="en-US" smtClean="0"/>
+              <a:t>Click to edit Master text styles</a:t>
+            </a:r>
+          </a:p>
+          <a:p>
+            <a:pPr lvl="1"/>
+            <a:r>
+              <a:rPr lang="en-US" smtClean="0"/>
+              <a:t>Second level</a:t>
+            </a:r>
+          </a:p>
+          <a:p>
+            <a:pPr lvl="2"/>
+            <a:r>
+              <a:rPr lang="en-US" smtClean="0"/>
+              <a:t>Third level</a:t>
+            </a:r>
+          </a:p>
+          <a:p>
+            <a:pPr lvl="3"/>
+            <a:r>
+              <a:rPr lang="en-US" smtClean="0"/>
+              <a:t>Fourth level</a:t>
+            </a:r>
+          </a:p>
+          <a:p>
+            <a:pPr lvl="4"/>
+            <a:r>
+              <a:rPr lang="en-US" smtClean="0"/>
+              <a:t>Fifth level</a:t>
+            </a:r>
+            <a:endParaRPr lang="en-US"/>
+          </a:p>
+        </p:txBody>
+      </p:sp>
+      <p:sp>
+        <p:nvSpPr>
+          <p:cNvPr id="5" name="Text Placeholder 4"/>
+          <p:cNvSpPr>
+            <a:spLocks noGrp="1"/>
+          </p:cNvSpPr>
+          <p:nvPr>
+            <p:ph type="body" sz="quarter" idx="3"/>
+          </p:nvPr>
+        </p:nvSpPr>
+        <p:spPr>
+          <a:xfrm>
+            <a:off x="4645025" y="1535113"/>
+            <a:ext cx="4041775" cy="639762"/>
+          </a:xfrm>
+        </p:spPr>
+        <p:txBody>
+          <a:bodyPr anchor="b"/>
+          <a:lstStyle>
+            <a:lvl1pPr marL="0" indent="0">
+              <a:buNone/>
+              <a:defRPr sz="2400" b="1"/>
+            </a:lvl1pPr>
+            <a:lvl2pPr marL="457200" indent="0">
+              <a:buNone/>
+              <a:defRPr sz="2000" b="1"/>
+            </a:lvl2pPr>
+            <a:lvl3pPr marL="914400" indent="0">
+              <a:buNone/>
+              <a:defRPr sz="1800" b="1"/>
+            </a:lvl3pPr>
+            <a:lvl4pPr marL="1371600" indent="0">
+              <a:buNone/>
+              <a:defRPr sz="1600" b="1"/>
+            </a:lvl4pPr>
+            <a:lvl5pPr marL="1828800" indent="0">
+              <a:buNone/>
+              <a:defRPr sz="1600" b="1"/>
+            </a:lvl5pPr>
+            <a:lvl6pPr marL="2286000" indent="0">
+              <a:buNone/>
+              <a:defRPr sz="1600" b="1"/>
+            </a:lvl6pPr>
+            <a:lvl7pPr marL="2743200" indent="0">
+              <a:buNone/>
+              <a:defRPr sz="1600" b="1"/>
+            </a:lvl7pPr>
+            <a:lvl8pPr marL="3200400" indent="0">
+              <a:buNone/>
+              <a:defRPr sz="1600" b="1"/>
+            </a:lvl8pPr>
+            <a:lvl9pPr marL="3657600" indent="0">
+              <a:buNone/>
+              <a:defRPr sz="1600" b="1"/>
+            </a:lvl9pPr>
+          </a:lstStyle>
+          <a:p>
+            <a:pPr lvl="0"/>
+            <a:r>
+              <a:rPr lang="en-US" smtClean="0"/>
+              <a:t>Click to edit Master text styles</a:t>
+            </a:r>
+          </a:p>
+        </p:txBody>
+      </p:sp>
+      <p:sp>
+        <p:nvSpPr>
+          <p:cNvPr id="6" name="Content Placeholder 5"/>
+          <p:cNvSpPr>
+            <a:spLocks noGrp="1"/>
+          </p:cNvSpPr>
+          <p:nvPr>
+            <p:ph sz="quarter" idx="4"/>
+          </p:nvPr>
+        </p:nvSpPr>
+        <p:spPr>
+          <a:xfrm>
+            <a:off x="4645025" y="2174875"/>
+            <a:ext cx="4041775" cy="3951288"/>
+          </a:xfrm>
+        </p:spPr>
+        <p:txBody>
+          <a:bodyPr/>
+          <a:lstStyle>
+            <a:lvl1pPr>
+              <a:defRPr sz="2400"/>
+            </a:lvl1pPr>
+            <a:lvl2pPr>
+              <a:defRPr sz="2000"/>
+            </a:lvl2pPr>
+            <a:lvl3pPr>
+              <a:defRPr sz="1800"/>
+            </a:lvl3pPr>
+            <a:lvl4pPr>
+              <a:defRPr sz="1600"/>
+            </a:lvl4pPr>
+            <a:lvl5pPr>
+              <a:defRPr sz="1600"/>
+            </a:lvl5pPr>
+            <a:lvl6pPr>
+              <a:defRPr sz="1600"/>
+            </a:lvl6pPr>
+            <a:lvl7pPr>
+              <a:defRPr sz="1600"/>
+            </a:lvl7pPr>
+            <a:lvl8pPr>
+              <a:defRPr sz="1600"/>
+            </a:lvl8pPr>
+            <a:lvl9pPr>
+              <a:defRPr sz="1600"/>
+            </a:lvl9pPr>
+          </a:lstStyle>
+          <a:p>
+            <a:pPr lvl="0"/>
+            <a:r>
+              <a:rPr lang="en-US" smtClean="0"/>
+              <a:t>Click to edit Master text styles</a:t>
+            </a:r>
+          </a:p>
+          <a:p>
+            <a:pPr lvl="1"/>
+            <a:r>
+              <a:rPr lang="en-US" smtClean="0"/>
+              <a:t>Second level</a:t>
+            </a:r>
+          </a:p>
+          <a:p>
+            <a:pPr lvl="2"/>
+            <a:r>
+              <a:rPr lang="en-US" smtClean="0"/>
+              <a:t>Third level</a:t>
+            </a:r>
+          </a:p>
+          <a:p>
+            <a:pPr lvl="3"/>
+            <a:r>
+              <a:rPr lang="en-US" smtClean="0"/>
+              <a:t>Fourth level</a:t>
+            </a:r>
+          </a:p>
+          <a:p>
+            <a:pPr lvl="4"/>
+            <a:r>
+              <a:rPr lang="en-US" smtClean="0"/>
+              <a:t>Fifth level</a:t>
+            </a:r>
+            <a:endParaRPr lang="en-US"/>
+          </a:p>
+        </p:txBody>
+      </p:sp>
+      <p:sp>
+        <p:nvSpPr>
+          <p:cNvPr id="7" name="Date Placeholder 6"/>
+          <p:cNvSpPr>
+            <a:spLocks noGrp="1"/>
+          </p:cNvSpPr>
+          <p:nvPr>
+            <p:ph type="dt" sz="half" idx="10"/>
+          </p:nvPr>
+        </p:nvSpPr>
+        <p:spPr/>
+        <p:txBody>
+          <a:bodyPr/>
+          <a:lstStyle/>
+          <a:p>
+            <a:fld id="{3737F87F-7A13-AB4F-816E-A50305B7DDDA}" type="datetimeFigureOut">
+              <a:rPr lang="en-US" smtClean="0"/>
+              <a:t>9/30/18</a:t>
+            </a:fld>
+            <a:endParaRPr lang="en-US"/>
+          </a:p>
+        </p:txBody>
+      </p:sp>
+      <p:sp>
+        <p:nvSpPr>
+          <p:cNvPr id="8" name="Footer Placeholder 7"/>
+          <p:cNvSpPr>
+            <a:spLocks noGrp="1"/>
+          </p:cNvSpPr>
+          <p:nvPr>
+            <p:ph type="ftr" sz="quarter" idx="11"/>
+          </p:nvPr>
+        </p:nvSpPr>
+        <p:spPr/>
+        <p:txBody>
+          <a:bodyPr/>
+          <a:lstStyle/>
+          <a:p>
+            <a:endParaRPr lang="en-US"/>
+          </a:p>
+        </p:txBody>
+      </p:sp>
+      <p:sp>
+        <p:nvSpPr>
+          <p:cNvPr id="9" name="Slide Number Placeholder 8"/>
+          <p:cNvSpPr>
+            <a:spLocks noGrp="1"/>
+          </p:cNvSpPr>
+          <p:nvPr>
+            <p:ph type="sldNum" sz="quarter" idx="12"/>
+          </p:nvPr>
+        </p:nvSpPr>
+        <p:spPr/>
+        <p:txBody>
+          <a:bodyPr/>
+          <a:lstStyle/>
+          <a:p>
+            <a:fld id="{4165CED2-2196-2D46-9A0E-77B7034BF2F8}" type="slidenum">
+              <a:rPr lang="en-US" smtClean="0"/>
+              <a:t>‹#›</a:t>
+            </a:fld>
+            <a:endParaRPr lang="en-US"/>
+          </a:p>
+        </p:txBody>
+      </p:sp>
+    </p:spTree>
+    <p:extLst>
+      <p:ext uri="{BB962C8B-B14F-4D97-AF65-F5344CB8AC3E}">
+        <p14:creationId xmlns:p14="http://schemas.microsoft.com/office/powerpoint/2010/main" val="2175358744"/>
+      </p:ext>
+    </p:extLst>
+  </p:cSld>
+  <p:clrMapOvr>
+    <a:masterClrMapping/>
+  </p:clrMapOvr>
+</p:sldLayout>
+</file>
+
+<file path=ppt/slideLayouts/slideLayout12.xml><?xml version="1.0" encoding="utf-8"?>
+<p:sldLayout xmlns:a="http://schemas.openxmlformats.org/drawingml/2006/main" xmlns:r="http://schemas.openxmlformats.org/officeDocument/2006/relationships" xmlns:p="http://schemas.openxmlformats.org/presentationml/2006/main" type="titleOnly" preserve="1">
+  <p:cSld name="Title Only">
+    <p:spTree>
+      <p:nvGrpSpPr>
+        <p:cNvPr id="1" name=""/>
+        <p:cNvGrpSpPr/>
+        <p:nvPr/>
+      </p:nvGrpSpPr>
+      <p:grpSpPr>
+        <a:xfrm>
+          <a:off x="0" y="0"/>
+          <a:ext cx="0" cy="0"/>
+          <a:chOff x="0" y="0"/>
+          <a:chExt cx="0" cy="0"/>
+        </a:xfrm>
+      </p:grpSpPr>
+      <p:sp>
+        <p:nvSpPr>
+          <p:cNvPr id="2" name="Title 1"/>
+          <p:cNvSpPr>
+            <a:spLocks noGrp="1"/>
+          </p:cNvSpPr>
+          <p:nvPr>
+            <p:ph type="title"/>
+          </p:nvPr>
+        </p:nvSpPr>
+        <p:spPr/>
+        <p:txBody>
+          <a:bodyPr/>
+          <a:lstStyle/>
+          <a:p>
+            <a:r>
+              <a:rPr lang="en-US" smtClean="0"/>
+              <a:t>Click to edit Master title style</a:t>
+            </a:r>
+            <a:endParaRPr lang="en-US"/>
+          </a:p>
+        </p:txBody>
+      </p:sp>
+      <p:sp>
+        <p:nvSpPr>
+          <p:cNvPr id="3" name="Date Placeholder 2"/>
+          <p:cNvSpPr>
+            <a:spLocks noGrp="1"/>
+          </p:cNvSpPr>
+          <p:nvPr>
+            <p:ph type="dt" sz="half" idx="10"/>
+          </p:nvPr>
+        </p:nvSpPr>
+        <p:spPr/>
+        <p:txBody>
+          <a:bodyPr/>
+          <a:lstStyle/>
+          <a:p>
+            <a:fld id="{3737F87F-7A13-AB4F-816E-A50305B7DDDA}" type="datetimeFigureOut">
+              <a:rPr lang="en-US" smtClean="0"/>
+              <a:t>9/30/18</a:t>
+            </a:fld>
+            <a:endParaRPr lang="en-US"/>
+          </a:p>
+        </p:txBody>
+      </p:sp>
+      <p:sp>
+        <p:nvSpPr>
+          <p:cNvPr id="4" name="Footer Placeholder 3"/>
+          <p:cNvSpPr>
+            <a:spLocks noGrp="1"/>
+          </p:cNvSpPr>
+          <p:nvPr>
+            <p:ph type="ftr" sz="quarter" idx="11"/>
+          </p:nvPr>
+        </p:nvSpPr>
+        <p:spPr/>
+        <p:txBody>
+          <a:bodyPr/>
+          <a:lstStyle/>
+          <a:p>
+            <a:endParaRPr lang="en-US"/>
+          </a:p>
+        </p:txBody>
+      </p:sp>
+      <p:sp>
+        <p:nvSpPr>
+          <p:cNvPr id="5" name="Slide Number Placeholder 4"/>
+          <p:cNvSpPr>
+            <a:spLocks noGrp="1"/>
+          </p:cNvSpPr>
+          <p:nvPr>
+            <p:ph type="sldNum" sz="quarter" idx="12"/>
+          </p:nvPr>
+        </p:nvSpPr>
+        <p:spPr/>
+        <p:txBody>
+          <a:bodyPr/>
+          <a:lstStyle/>
+          <a:p>
+            <a:fld id="{4165CED2-2196-2D46-9A0E-77B7034BF2F8}" type="slidenum">
+              <a:rPr lang="en-US" smtClean="0"/>
+              <a:t>‹#›</a:t>
+            </a:fld>
+            <a:endParaRPr lang="en-US"/>
+          </a:p>
+        </p:txBody>
+      </p:sp>
+    </p:spTree>
+    <p:extLst>
+      <p:ext uri="{BB962C8B-B14F-4D97-AF65-F5344CB8AC3E}">
+        <p14:creationId xmlns:p14="http://schemas.microsoft.com/office/powerpoint/2010/main" val="78212547"/>
+      </p:ext>
+    </p:extLst>
+  </p:cSld>
+  <p:clrMapOvr>
+    <a:masterClrMapping/>
+  </p:clrMapOvr>
+</p:sldLayout>
+</file>
+
+<file path=ppt/slideLayouts/slideLayout13.xml><?xml version="1.0" encoding="utf-8"?>
+<p:sldLayout xmlns:a="http://schemas.openxmlformats.org/drawingml/2006/main" xmlns:r="http://schemas.openxmlformats.org/officeDocument/2006/relationships" xmlns:p="http://schemas.openxmlformats.org/presentationml/2006/main" type="blank" preserve="1">
+  <p:cSld name="Blank">
+    <p:spTree>
+      <p:nvGrpSpPr>
+        <p:cNvPr id="1" name=""/>
+        <p:cNvGrpSpPr/>
+        <p:nvPr/>
+      </p:nvGrpSpPr>
+      <p:grpSpPr>
+        <a:xfrm>
+          <a:off x="0" y="0"/>
+          <a:ext cx="0" cy="0"/>
+          <a:chOff x="0" y="0"/>
+          <a:chExt cx="0" cy="0"/>
+        </a:xfrm>
+      </p:grpSpPr>
+      <p:sp>
+        <p:nvSpPr>
+          <p:cNvPr id="2" name="Date Placeholder 1"/>
+          <p:cNvSpPr>
+            <a:spLocks noGrp="1"/>
+          </p:cNvSpPr>
+          <p:nvPr>
+            <p:ph type="dt" sz="half" idx="10"/>
+          </p:nvPr>
+        </p:nvSpPr>
+        <p:spPr/>
+        <p:txBody>
+          <a:bodyPr/>
+          <a:lstStyle/>
+          <a:p>
+            <a:fld id="{3737F87F-7A13-AB4F-816E-A50305B7DDDA}" type="datetimeFigureOut">
+              <a:rPr lang="en-US" smtClean="0"/>
+              <a:t>9/30/18</a:t>
+            </a:fld>
+            <a:endParaRPr lang="en-US"/>
+          </a:p>
+        </p:txBody>
+      </p:sp>
+      <p:sp>
+        <p:nvSpPr>
+          <p:cNvPr id="3" name="Footer Placeholder 2"/>
+          <p:cNvSpPr>
+            <a:spLocks noGrp="1"/>
+          </p:cNvSpPr>
+          <p:nvPr>
+            <p:ph type="ftr" sz="quarter" idx="11"/>
+          </p:nvPr>
+        </p:nvSpPr>
+        <p:spPr/>
+        <p:txBody>
+          <a:bodyPr/>
+          <a:lstStyle/>
+          <a:p>
+            <a:endParaRPr lang="en-US"/>
+          </a:p>
+        </p:txBody>
+      </p:sp>
+      <p:sp>
+        <p:nvSpPr>
+          <p:cNvPr id="4" name="Slide Number Placeholder 3"/>
+          <p:cNvSpPr>
+            <a:spLocks noGrp="1"/>
+          </p:cNvSpPr>
+          <p:nvPr>
+            <p:ph type="sldNum" sz="quarter" idx="12"/>
+          </p:nvPr>
+        </p:nvSpPr>
+        <p:spPr/>
+        <p:txBody>
+          <a:bodyPr/>
+          <a:lstStyle/>
+          <a:p>
+            <a:fld id="{4165CED2-2196-2D46-9A0E-77B7034BF2F8}" type="slidenum">
+              <a:rPr lang="en-US" smtClean="0"/>
+              <a:t>‹#›</a:t>
+            </a:fld>
+            <a:endParaRPr lang="en-US"/>
+          </a:p>
+        </p:txBody>
+      </p:sp>
+    </p:spTree>
+    <p:extLst>
+      <p:ext uri="{BB962C8B-B14F-4D97-AF65-F5344CB8AC3E}">
+        <p14:creationId xmlns:p14="http://schemas.microsoft.com/office/powerpoint/2010/main" val="3634164999"/>
+      </p:ext>
+    </p:extLst>
+  </p:cSld>
+  <p:clrMapOvr>
+    <a:masterClrMapping/>
+  </p:clrMapOvr>
+</p:sldLayout>
+</file>
+
+<file path=ppt/slideLayouts/slideLayout14.xml><?xml version="1.0" encoding="utf-8"?>
+<p:sldLayout xmlns:a="http://schemas.openxmlformats.org/drawingml/2006/main" xmlns:r="http://schemas.openxmlformats.org/officeDocument/2006/relationships" xmlns:p="http://schemas.openxmlformats.org/presentationml/2006/main" type="objTx" preserve="1">
+  <p:cSld name="Content with Caption">
+    <p:spTree>
+      <p:nvGrpSpPr>
+        <p:cNvPr id="1" name=""/>
+        <p:cNvGrpSpPr/>
+        <p:nvPr/>
+      </p:nvGrpSpPr>
+      <p:grpSpPr>
+        <a:xfrm>
+          <a:off x="0" y="0"/>
+          <a:ext cx="0" cy="0"/>
+          <a:chOff x="0" y="0"/>
+          <a:chExt cx="0" cy="0"/>
+        </a:xfrm>
+      </p:grpSpPr>
+      <p:sp>
+        <p:nvSpPr>
+          <p:cNvPr id="2" name="Title 1"/>
+          <p:cNvSpPr>
+            <a:spLocks noGrp="1"/>
+          </p:cNvSpPr>
+          <p:nvPr>
+            <p:ph type="title"/>
+          </p:nvPr>
+        </p:nvSpPr>
+        <p:spPr>
+          <a:xfrm>
+            <a:off x="457200" y="273050"/>
+            <a:ext cx="3008313" cy="1162050"/>
+          </a:xfrm>
+        </p:spPr>
+        <p:txBody>
+          <a:bodyPr anchor="b"/>
+          <a:lstStyle>
+            <a:lvl1pPr algn="l">
+              <a:defRPr sz="2000" b="1"/>
+            </a:lvl1pPr>
+          </a:lstStyle>
+          <a:p>
+            <a:r>
+              <a:rPr lang="en-US" smtClean="0"/>
+              <a:t>Click to edit Master title style</a:t>
+            </a:r>
+            <a:endParaRPr lang="en-US"/>
+          </a:p>
+        </p:txBody>
+      </p:sp>
+      <p:sp>
+        <p:nvSpPr>
+          <p:cNvPr id="3" name="Content Placeholder 2"/>
+          <p:cNvSpPr>
+            <a:spLocks noGrp="1"/>
+          </p:cNvSpPr>
+          <p:nvPr>
+            <p:ph idx="1"/>
+          </p:nvPr>
+        </p:nvSpPr>
+        <p:spPr>
+          <a:xfrm>
+            <a:off x="3575050" y="273050"/>
+            <a:ext cx="5111750" cy="5853113"/>
+          </a:xfrm>
+        </p:spPr>
+        <p:txBody>
+          <a:bodyPr/>
+          <a:lstStyle>
+            <a:lvl1pPr>
+              <a:defRPr sz="3200"/>
+            </a:lvl1pPr>
+            <a:lvl2pPr>
+              <a:defRPr sz="2800"/>
+            </a:lvl2pPr>
+            <a:lvl3pPr>
+              <a:defRPr sz="2400"/>
+            </a:lvl3pPr>
+            <a:lvl4pPr>
+              <a:defRPr sz="2000"/>
+            </a:lvl4pPr>
+            <a:lvl5pPr>
+              <a:defRPr sz="2000"/>
+            </a:lvl5pPr>
+            <a:lvl6pPr>
+              <a:defRPr sz="2000"/>
+            </a:lvl6pPr>
+            <a:lvl7pPr>
+              <a:defRPr sz="2000"/>
+            </a:lvl7pPr>
+            <a:lvl8pPr>
+              <a:defRPr sz="2000"/>
+            </a:lvl8pPr>
+            <a:lvl9pPr>
+              <a:defRPr sz="2000"/>
+            </a:lvl9pPr>
+          </a:lstStyle>
+          <a:p>
+            <a:pPr lvl="0"/>
+            <a:r>
+              <a:rPr lang="en-US" smtClean="0"/>
+              <a:t>Click to edit Master text styles</a:t>
+            </a:r>
+          </a:p>
+          <a:p>
+            <a:pPr lvl="1"/>
+            <a:r>
+              <a:rPr lang="en-US" smtClean="0"/>
+              <a:t>Second level</a:t>
+            </a:r>
+          </a:p>
+          <a:p>
+            <a:pPr lvl="2"/>
+            <a:r>
+              <a:rPr lang="en-US" smtClean="0"/>
+              <a:t>Third level</a:t>
+            </a:r>
+          </a:p>
+          <a:p>
+            <a:pPr lvl="3"/>
+            <a:r>
+              <a:rPr lang="en-US" smtClean="0"/>
+              <a:t>Fourth level</a:t>
+            </a:r>
+          </a:p>
+          <a:p>
+            <a:pPr lvl="4"/>
+            <a:r>
+              <a:rPr lang="en-US" smtClean="0"/>
+              <a:t>Fifth level</a:t>
+            </a:r>
+            <a:endParaRPr lang="en-US"/>
+          </a:p>
+        </p:txBody>
+      </p:sp>
+      <p:sp>
+        <p:nvSpPr>
+          <p:cNvPr id="4" name="Text Placeholder 3"/>
+          <p:cNvSpPr>
+            <a:spLocks noGrp="1"/>
+          </p:cNvSpPr>
+          <p:nvPr>
+            <p:ph type="body" sz="half" idx="2"/>
+          </p:nvPr>
+        </p:nvSpPr>
+        <p:spPr>
+          <a:xfrm>
+            <a:off x="457200" y="1435100"/>
+            <a:ext cx="3008313" cy="4691063"/>
+          </a:xfrm>
+        </p:spPr>
+        <p:txBody>
+          <a:bodyPr/>
+          <a:lstStyle>
+            <a:lvl1pPr marL="0" indent="0">
+              <a:buNone/>
+              <a:defRPr sz="1400"/>
+            </a:lvl1pPr>
+            <a:lvl2pPr marL="457200" indent="0">
+              <a:buNone/>
+              <a:defRPr sz="1200"/>
+            </a:lvl2pPr>
+            <a:lvl3pPr marL="914400" indent="0">
+              <a:buNone/>
+              <a:defRPr sz="1000"/>
+            </a:lvl3pPr>
+            <a:lvl4pPr marL="1371600" indent="0">
+              <a:buNone/>
+              <a:defRPr sz="900"/>
+            </a:lvl4pPr>
+            <a:lvl5pPr marL="1828800" indent="0">
+              <a:buNone/>
+              <a:defRPr sz="900"/>
+            </a:lvl5pPr>
+            <a:lvl6pPr marL="2286000" indent="0">
+              <a:buNone/>
+              <a:defRPr sz="900"/>
+            </a:lvl6pPr>
+            <a:lvl7pPr marL="2743200" indent="0">
+              <a:buNone/>
+              <a:defRPr sz="900"/>
+            </a:lvl7pPr>
+            <a:lvl8pPr marL="3200400" indent="0">
+              <a:buNone/>
+              <a:defRPr sz="900"/>
+            </a:lvl8pPr>
+            <a:lvl9pPr marL="3657600" indent="0">
+              <a:buNone/>
+              <a:defRPr sz="900"/>
+            </a:lvl9pPr>
+          </a:lstStyle>
+          <a:p>
+            <a:pPr lvl="0"/>
+            <a:r>
+              <a:rPr lang="en-US" smtClean="0"/>
+              <a:t>Click to edit Master text styles</a:t>
+            </a:r>
+          </a:p>
+        </p:txBody>
+      </p:sp>
+      <p:sp>
+        <p:nvSpPr>
+          <p:cNvPr id="5" name="Date Placeholder 4"/>
+          <p:cNvSpPr>
+            <a:spLocks noGrp="1"/>
+          </p:cNvSpPr>
+          <p:nvPr>
+            <p:ph type="dt" sz="half" idx="10"/>
+          </p:nvPr>
+        </p:nvSpPr>
+        <p:spPr/>
+        <p:txBody>
+          <a:bodyPr/>
+          <a:lstStyle/>
+          <a:p>
+            <a:fld id="{3737F87F-7A13-AB4F-816E-A50305B7DDDA}" type="datetimeFigureOut">
+              <a:rPr lang="en-US" smtClean="0"/>
+              <a:t>9/30/18</a:t>
+            </a:fld>
+            <a:endParaRPr lang="en-US"/>
+          </a:p>
+        </p:txBody>
+      </p:sp>
+      <p:sp>
+        <p:nvSpPr>
+          <p:cNvPr id="6" name="Footer Placeholder 5"/>
+          <p:cNvSpPr>
+            <a:spLocks noGrp="1"/>
+          </p:cNvSpPr>
+          <p:nvPr>
+            <p:ph type="ftr" sz="quarter" idx="11"/>
+          </p:nvPr>
+        </p:nvSpPr>
+        <p:spPr/>
+        <p:txBody>
+          <a:bodyPr/>
+          <a:lstStyle/>
+          <a:p>
+            <a:endParaRPr lang="en-US"/>
+          </a:p>
+        </p:txBody>
+      </p:sp>
+      <p:sp>
+        <p:nvSpPr>
+          <p:cNvPr id="7" name="Slide Number Placeholder 6"/>
+          <p:cNvSpPr>
+            <a:spLocks noGrp="1"/>
+          </p:cNvSpPr>
+          <p:nvPr>
+            <p:ph type="sldNum" sz="quarter" idx="12"/>
+          </p:nvPr>
+        </p:nvSpPr>
+        <p:spPr/>
+        <p:txBody>
+          <a:bodyPr/>
+          <a:lstStyle/>
+          <a:p>
+            <a:fld id="{4165CED2-2196-2D46-9A0E-77B7034BF2F8}" type="slidenum">
+              <a:rPr lang="en-US" smtClean="0"/>
+              <a:t>‹#›</a:t>
+            </a:fld>
+            <a:endParaRPr lang="en-US"/>
+          </a:p>
+        </p:txBody>
+      </p:sp>
+    </p:spTree>
+    <p:extLst>
+      <p:ext uri="{BB962C8B-B14F-4D97-AF65-F5344CB8AC3E}">
+        <p14:creationId xmlns:p14="http://schemas.microsoft.com/office/powerpoint/2010/main" val="2867268851"/>
+      </p:ext>
+    </p:extLst>
+  </p:cSld>
+  <p:clrMapOvr>
+    <a:masterClrMapping/>
+  </p:clrMapOvr>
+</p:sldLayout>
+</file>
+
+<file path=ppt/slideLayouts/slideLayout15.xml><?xml version="1.0" encoding="utf-8"?>
+<p:sldLayout xmlns:a="http://schemas.openxmlformats.org/drawingml/2006/main" xmlns:r="http://schemas.openxmlformats.org/officeDocument/2006/relationships" xmlns:p="http://schemas.openxmlformats.org/presentationml/2006/main" type="picTx" preserve="1">
+  <p:cSld name="Picture with Caption">
+    <p:spTree>
+      <p:nvGrpSpPr>
+        <p:cNvPr id="1" name=""/>
+        <p:cNvGrpSpPr/>
+        <p:nvPr/>
+      </p:nvGrpSpPr>
+      <p:grpSpPr>
+        <a:xfrm>
+          <a:off x="0" y="0"/>
+          <a:ext cx="0" cy="0"/>
+          <a:chOff x="0" y="0"/>
+          <a:chExt cx="0" cy="0"/>
+        </a:xfrm>
+      </p:grpSpPr>
+      <p:sp>
+        <p:nvSpPr>
+          <p:cNvPr id="2" name="Title 1"/>
+          <p:cNvSpPr>
+            <a:spLocks noGrp="1"/>
+          </p:cNvSpPr>
+          <p:nvPr>
+            <p:ph type="title"/>
+          </p:nvPr>
+        </p:nvSpPr>
+        <p:spPr>
+          <a:xfrm>
+            <a:off x="1792288" y="4800600"/>
+            <a:ext cx="5486400" cy="566738"/>
+          </a:xfrm>
+        </p:spPr>
+        <p:txBody>
+          <a:bodyPr anchor="b"/>
+          <a:lstStyle>
+            <a:lvl1pPr algn="l">
+              <a:defRPr sz="2000" b="1"/>
+            </a:lvl1pPr>
+          </a:lstStyle>
+          <a:p>
+            <a:r>
+              <a:rPr lang="en-US" smtClean="0"/>
+              <a:t>Click to edit Master title style</a:t>
+            </a:r>
+            <a:endParaRPr lang="en-US"/>
+          </a:p>
+        </p:txBody>
+      </p:sp>
+      <p:sp>
+        <p:nvSpPr>
+          <p:cNvPr id="3" name="Picture Placeholder 2"/>
+          <p:cNvSpPr>
+            <a:spLocks noGrp="1"/>
+          </p:cNvSpPr>
+          <p:nvPr>
+            <p:ph type="pic" idx="1"/>
+          </p:nvPr>
+        </p:nvSpPr>
+        <p:spPr>
+          <a:xfrm>
+            <a:off x="1792288" y="612775"/>
+            <a:ext cx="5486400" cy="4114800"/>
+          </a:xfrm>
+        </p:spPr>
+        <p:txBody>
+          <a:bodyPr/>
+          <a:lstStyle>
+            <a:lvl1pPr marL="0" indent="0">
+              <a:buNone/>
+              <a:defRPr sz="3200"/>
+            </a:lvl1pPr>
+            <a:lvl2pPr marL="457200" indent="0">
+              <a:buNone/>
+              <a:defRPr sz="2800"/>
+            </a:lvl2pPr>
+            <a:lvl3pPr marL="914400" indent="0">
+              <a:buNone/>
+              <a:defRPr sz="2400"/>
+            </a:lvl3pPr>
+            <a:lvl4pPr marL="1371600" indent="0">
+              <a:buNone/>
+              <a:defRPr sz="2000"/>
+            </a:lvl4pPr>
+            <a:lvl5pPr marL="1828800" indent="0">
+              <a:buNone/>
+              <a:defRPr sz="2000"/>
+            </a:lvl5pPr>
+            <a:lvl6pPr marL="2286000" indent="0">
+              <a:buNone/>
+              <a:defRPr sz="2000"/>
+            </a:lvl6pPr>
+            <a:lvl7pPr marL="2743200" indent="0">
+              <a:buNone/>
+              <a:defRPr sz="2000"/>
+            </a:lvl7pPr>
+            <a:lvl8pPr marL="3200400" indent="0">
+              <a:buNone/>
+              <a:defRPr sz="2000"/>
+            </a:lvl8pPr>
+            <a:lvl9pPr marL="3657600" indent="0">
+              <a:buNone/>
+              <a:defRPr sz="2000"/>
+            </a:lvl9pPr>
+          </a:lstStyle>
+          <a:p>
+            <a:endParaRPr lang="en-US"/>
+          </a:p>
+        </p:txBody>
+      </p:sp>
+      <p:sp>
+        <p:nvSpPr>
+          <p:cNvPr id="4" name="Text Placeholder 3"/>
+          <p:cNvSpPr>
+            <a:spLocks noGrp="1"/>
+          </p:cNvSpPr>
+          <p:nvPr>
+            <p:ph type="body" sz="half" idx="2"/>
+          </p:nvPr>
+        </p:nvSpPr>
+        <p:spPr>
+          <a:xfrm>
+            <a:off x="1792288" y="5367338"/>
+            <a:ext cx="5486400" cy="804862"/>
+          </a:xfrm>
+        </p:spPr>
+        <p:txBody>
+          <a:bodyPr/>
+          <a:lstStyle>
+            <a:lvl1pPr marL="0" indent="0">
+              <a:buNone/>
+              <a:defRPr sz="1400"/>
+            </a:lvl1pPr>
+            <a:lvl2pPr marL="457200" indent="0">
+              <a:buNone/>
+              <a:defRPr sz="1200"/>
+            </a:lvl2pPr>
+            <a:lvl3pPr marL="914400" indent="0">
+              <a:buNone/>
+              <a:defRPr sz="1000"/>
+            </a:lvl3pPr>
+            <a:lvl4pPr marL="1371600" indent="0">
+              <a:buNone/>
+              <a:defRPr sz="900"/>
+            </a:lvl4pPr>
+            <a:lvl5pPr marL="1828800" indent="0">
+              <a:buNone/>
+              <a:defRPr sz="900"/>
+            </a:lvl5pPr>
+            <a:lvl6pPr marL="2286000" indent="0">
+              <a:buNone/>
+              <a:defRPr sz="900"/>
+            </a:lvl6pPr>
+            <a:lvl7pPr marL="2743200" indent="0">
+              <a:buNone/>
+              <a:defRPr sz="900"/>
+            </a:lvl7pPr>
+            <a:lvl8pPr marL="3200400" indent="0">
+              <a:buNone/>
+              <a:defRPr sz="900"/>
+            </a:lvl8pPr>
+            <a:lvl9pPr marL="3657600" indent="0">
+              <a:buNone/>
+              <a:defRPr sz="900"/>
+            </a:lvl9pPr>
+          </a:lstStyle>
+          <a:p>
+            <a:pPr lvl="0"/>
+            <a:r>
+              <a:rPr lang="en-US" smtClean="0"/>
+              <a:t>Click to edit Master text styles</a:t>
+            </a:r>
+          </a:p>
+        </p:txBody>
+      </p:sp>
+      <p:sp>
+        <p:nvSpPr>
+          <p:cNvPr id="5" name="Date Placeholder 4"/>
+          <p:cNvSpPr>
+            <a:spLocks noGrp="1"/>
+          </p:cNvSpPr>
+          <p:nvPr>
+            <p:ph type="dt" sz="half" idx="10"/>
+          </p:nvPr>
+        </p:nvSpPr>
+        <p:spPr/>
+        <p:txBody>
+          <a:bodyPr/>
+          <a:lstStyle/>
+          <a:p>
+            <a:fld id="{3737F87F-7A13-AB4F-816E-A50305B7DDDA}" type="datetimeFigureOut">
+              <a:rPr lang="en-US" smtClean="0"/>
+              <a:t>9/30/18</a:t>
+            </a:fld>
+            <a:endParaRPr lang="en-US"/>
+          </a:p>
+        </p:txBody>
+      </p:sp>
+      <p:sp>
+        <p:nvSpPr>
+          <p:cNvPr id="6" name="Footer Placeholder 5"/>
+          <p:cNvSpPr>
+            <a:spLocks noGrp="1"/>
+          </p:cNvSpPr>
+          <p:nvPr>
+            <p:ph type="ftr" sz="quarter" idx="11"/>
+          </p:nvPr>
+        </p:nvSpPr>
+        <p:spPr/>
+        <p:txBody>
+          <a:bodyPr/>
+          <a:lstStyle/>
+          <a:p>
+            <a:endParaRPr lang="en-US"/>
+          </a:p>
+        </p:txBody>
+      </p:sp>
+      <p:sp>
+        <p:nvSpPr>
+          <p:cNvPr id="7" name="Slide Number Placeholder 6"/>
+          <p:cNvSpPr>
+            <a:spLocks noGrp="1"/>
+          </p:cNvSpPr>
+          <p:nvPr>
+            <p:ph type="sldNum" sz="quarter" idx="12"/>
+          </p:nvPr>
+        </p:nvSpPr>
+        <p:spPr/>
+        <p:txBody>
+          <a:bodyPr/>
+          <a:lstStyle/>
+          <a:p>
+            <a:fld id="{4165CED2-2196-2D46-9A0E-77B7034BF2F8}" type="slidenum">
+              <a:rPr lang="en-US" smtClean="0"/>
+              <a:t>‹#›</a:t>
+            </a:fld>
+            <a:endParaRPr lang="en-US"/>
+          </a:p>
+        </p:txBody>
+      </p:sp>
+    </p:spTree>
+    <p:extLst>
+      <p:ext uri="{BB962C8B-B14F-4D97-AF65-F5344CB8AC3E}">
+        <p14:creationId xmlns:p14="http://schemas.microsoft.com/office/powerpoint/2010/main" val="1337242453"/>
+      </p:ext>
+    </p:extLst>
+  </p:cSld>
+  <p:clrMapOvr>
+    <a:masterClrMapping/>
+  </p:clrMapOvr>
+</p:sldLayout>
+</file>
+
+<file path=ppt/slideLayouts/slideLayout16.xml><?xml version="1.0" encoding="utf-8"?>
 <p:sldLayout xmlns:a="http://schemas.openxmlformats.org/drawingml/2006/main" xmlns:r="http://schemas.openxmlformats.org/officeDocument/2006/relationships" xmlns:p="http://schemas.openxmlformats.org/presentationml/2006/main" type="vertTx" preserve="1">
   <p:cSld name="Title and Vertical Text">
     <p:spTree>
@@ -1000,7 +3314,7 @@
           <a:p>
             <a:fld id="{3737F87F-7A13-AB4F-816E-A50305B7DDDA}" type="datetimeFigureOut">
               <a:rPr lang="en-US" smtClean="0"/>
-              <a:t>9/27/18</a:t>
+              <a:t>9/30/18</a:t>
             </a:fld>
             <a:endParaRPr lang="en-US"/>
           </a:p>
@@ -1061,7 +3375,7 @@
 </p:sldLayout>
 </file>
 
-<file path=ppt/slideLayouts/slideLayout11.xml><?xml version="1.0" encoding="utf-8"?>
+<file path=ppt/slideLayouts/slideLayout17.xml><?xml version="1.0" encoding="utf-8"?>
 <p:sldLayout xmlns:a="http://schemas.openxmlformats.org/drawingml/2006/main" xmlns:r="http://schemas.openxmlformats.org/officeDocument/2006/relationships" xmlns:p="http://schemas.openxmlformats.org/presentationml/2006/main" type="vertTitleAndTx" preserve="1">
   <p:cSld name="Vertical Title and Text">
     <p:spTree>
@@ -1180,7 +3494,7 @@
           <a:p>
             <a:fld id="{3737F87F-7A13-AB4F-816E-A50305B7DDDA}" type="datetimeFigureOut">
               <a:rPr lang="en-US" smtClean="0"/>
-              <a:t>9/27/18</a:t>
+              <a:t>9/30/18</a:t>
             </a:fld>
             <a:endParaRPr lang="en-US"/>
           </a:p>
@@ -1366,7 +3680,7 @@
           <a:p>
             <a:fld id="{3737F87F-7A13-AB4F-816E-A50305B7DDDA}" type="datetimeFigureOut">
               <a:rPr lang="en-US" smtClean="0"/>
-              <a:t>9/27/18</a:t>
+              <a:t>9/30/18</a:t>
             </a:fld>
             <a:endParaRPr lang="en-US" dirty="0"/>
           </a:p>
@@ -1492,7 +3806,15 @@
                   <a:schemeClr val="bg1"/>
                 </a:solidFill>
               </a:rPr>
-              <a:t>[ Background</a:t>
+              <a:t>[ </a:t>
+            </a:r>
+            <a:r>
+              <a:rPr lang="en-US" sz="1400" dirty="0" smtClean="0">
+                <a:solidFill>
+                  <a:srgbClr val="FFFF00"/>
+                </a:solidFill>
+              </a:rPr>
+              <a:t>Background</a:t>
             </a:r>
             <a:r>
               <a:rPr lang="en-US" sz="1400" baseline="0" dirty="0" smtClean="0">
@@ -1524,6 +3846,1794 @@
 </file>
 
 <file path=ppt/slideLayouts/slideLayout3.xml><?xml version="1.0" encoding="utf-8"?>
+<p:sldLayout xmlns:a="http://schemas.openxmlformats.org/drawingml/2006/main" xmlns:r="http://schemas.openxmlformats.org/officeDocument/2006/relationships" xmlns:p="http://schemas.openxmlformats.org/presentationml/2006/main" preserve="1" userDrawn="1">
+  <p:cSld name="1_Title and Content">
+    <p:spTree>
+      <p:nvGrpSpPr>
+        <p:cNvPr id="1" name=""/>
+        <p:cNvGrpSpPr/>
+        <p:nvPr/>
+      </p:nvGrpSpPr>
+      <p:grpSpPr>
+        <a:xfrm>
+          <a:off x="0" y="0"/>
+          <a:ext cx="0" cy="0"/>
+          <a:chOff x="0" y="0"/>
+          <a:chExt cx="0" cy="0"/>
+        </a:xfrm>
+      </p:grpSpPr>
+      <p:sp>
+        <p:nvSpPr>
+          <p:cNvPr id="3" name="Content Placeholder 2"/>
+          <p:cNvSpPr>
+            <a:spLocks noGrp="1"/>
+          </p:cNvSpPr>
+          <p:nvPr>
+            <p:ph idx="1"/>
+          </p:nvPr>
+        </p:nvSpPr>
+        <p:spPr>
+          <a:ln>
+            <a:solidFill>
+              <a:srgbClr val="000000"/>
+            </a:solidFill>
+          </a:ln>
+        </p:spPr>
+        <p:txBody>
+          <a:bodyPr>
+            <a:normAutofit/>
+          </a:bodyPr>
+          <a:lstStyle>
+            <a:lvl1pPr>
+              <a:defRPr sz="2000">
+                <a:latin typeface="Helvetica"/>
+                <a:cs typeface="Helvetica"/>
+              </a:defRPr>
+            </a:lvl1pPr>
+            <a:lvl2pPr>
+              <a:defRPr sz="2000">
+                <a:latin typeface="Helvetica"/>
+                <a:cs typeface="Helvetica"/>
+              </a:defRPr>
+            </a:lvl2pPr>
+            <a:lvl3pPr>
+              <a:defRPr sz="1600">
+                <a:latin typeface="Helvetica"/>
+                <a:cs typeface="Helvetica"/>
+              </a:defRPr>
+            </a:lvl3pPr>
+            <a:lvl4pPr>
+              <a:defRPr sz="1600">
+                <a:latin typeface="Helvetica"/>
+                <a:cs typeface="Helvetica"/>
+              </a:defRPr>
+            </a:lvl4pPr>
+            <a:lvl5pPr>
+              <a:defRPr sz="1600">
+                <a:latin typeface="Helvetica"/>
+                <a:cs typeface="Helvetica"/>
+              </a:defRPr>
+            </a:lvl5pPr>
+          </a:lstStyle>
+          <a:p>
+            <a:pPr lvl="0"/>
+            <a:r>
+              <a:rPr lang="en-US" dirty="0" smtClean="0"/>
+              <a:t>Click to edit Master text styles</a:t>
+            </a:r>
+          </a:p>
+          <a:p>
+            <a:pPr lvl="1"/>
+            <a:r>
+              <a:rPr lang="en-US" dirty="0" smtClean="0"/>
+              <a:t>Second level</a:t>
+            </a:r>
+          </a:p>
+          <a:p>
+            <a:pPr lvl="2"/>
+            <a:r>
+              <a:rPr lang="en-US" dirty="0" smtClean="0"/>
+              <a:t>Third level</a:t>
+            </a:r>
+          </a:p>
+          <a:p>
+            <a:pPr lvl="3"/>
+            <a:r>
+              <a:rPr lang="en-US" dirty="0" smtClean="0"/>
+              <a:t>Fourth level</a:t>
+            </a:r>
+          </a:p>
+          <a:p>
+            <a:pPr lvl="4"/>
+            <a:r>
+              <a:rPr lang="en-US" dirty="0" smtClean="0"/>
+              <a:t>Fifth level</a:t>
+            </a:r>
+            <a:endParaRPr lang="en-US" dirty="0"/>
+          </a:p>
+        </p:txBody>
+      </p:sp>
+      <p:sp>
+        <p:nvSpPr>
+          <p:cNvPr id="4" name="Date Placeholder 3"/>
+          <p:cNvSpPr>
+            <a:spLocks noGrp="1"/>
+          </p:cNvSpPr>
+          <p:nvPr>
+            <p:ph type="dt" sz="half" idx="10"/>
+          </p:nvPr>
+        </p:nvSpPr>
+        <p:spPr/>
+        <p:txBody>
+          <a:bodyPr/>
+          <a:lstStyle/>
+          <a:p>
+            <a:fld id="{3737F87F-7A13-AB4F-816E-A50305B7DDDA}" type="datetimeFigureOut">
+              <a:rPr lang="en-US" smtClean="0"/>
+              <a:t>9/30/18</a:t>
+            </a:fld>
+            <a:endParaRPr lang="en-US" dirty="0"/>
+          </a:p>
+        </p:txBody>
+      </p:sp>
+      <p:sp>
+        <p:nvSpPr>
+          <p:cNvPr id="5" name="Footer Placeholder 4"/>
+          <p:cNvSpPr>
+            <a:spLocks noGrp="1"/>
+          </p:cNvSpPr>
+          <p:nvPr>
+            <p:ph type="ftr" sz="quarter" idx="11"/>
+          </p:nvPr>
+        </p:nvSpPr>
+        <p:spPr/>
+        <p:txBody>
+          <a:bodyPr/>
+          <a:lstStyle/>
+          <a:p>
+            <a:endParaRPr lang="en-US" dirty="0"/>
+          </a:p>
+        </p:txBody>
+      </p:sp>
+      <p:sp>
+        <p:nvSpPr>
+          <p:cNvPr id="6" name="Slide Number Placeholder 5"/>
+          <p:cNvSpPr>
+            <a:spLocks noGrp="1"/>
+          </p:cNvSpPr>
+          <p:nvPr>
+            <p:ph type="sldNum" sz="quarter" idx="12"/>
+          </p:nvPr>
+        </p:nvSpPr>
+        <p:spPr/>
+        <p:txBody>
+          <a:bodyPr/>
+          <a:lstStyle/>
+          <a:p>
+            <a:fld id="{4165CED2-2196-2D46-9A0E-77B7034BF2F8}" type="slidenum">
+              <a:rPr lang="en-US" smtClean="0"/>
+              <a:t>‹#›</a:t>
+            </a:fld>
+            <a:endParaRPr lang="en-US" dirty="0"/>
+          </a:p>
+        </p:txBody>
+      </p:sp>
+      <p:sp>
+        <p:nvSpPr>
+          <p:cNvPr id="7" name="Title 6"/>
+          <p:cNvSpPr>
+            <a:spLocks noGrp="1"/>
+          </p:cNvSpPr>
+          <p:nvPr>
+            <p:ph type="title" hasCustomPrompt="1"/>
+          </p:nvPr>
+        </p:nvSpPr>
+        <p:spPr>
+          <a:xfrm>
+            <a:off x="45527" y="344527"/>
+            <a:ext cx="4193644" cy="487365"/>
+          </a:xfrm>
+          <a:ln w="38100" cmpd="sng">
+            <a:solidFill>
+              <a:srgbClr val="000000"/>
+            </a:solidFill>
+          </a:ln>
+        </p:spPr>
+        <p:txBody>
+          <a:bodyPr>
+            <a:normAutofit/>
+          </a:bodyPr>
+          <a:lstStyle>
+            <a:lvl1pPr algn="l">
+              <a:defRPr sz="2400" baseline="0">
+                <a:latin typeface="Helvetica"/>
+                <a:cs typeface="Helvetica"/>
+              </a:defRPr>
+            </a:lvl1pPr>
+          </a:lstStyle>
+          <a:p>
+            <a:r>
+              <a:rPr lang="en-US" dirty="0" smtClean="0"/>
+              <a:t>Text here</a:t>
+            </a:r>
+            <a:endParaRPr lang="en-US" dirty="0"/>
+          </a:p>
+        </p:txBody>
+      </p:sp>
+      <p:sp>
+        <p:nvSpPr>
+          <p:cNvPr id="8" name="TextBox 7"/>
+          <p:cNvSpPr txBox="1"/>
+          <p:nvPr userDrawn="1"/>
+        </p:nvSpPr>
+        <p:spPr>
+          <a:xfrm>
+            <a:off x="0" y="0"/>
+            <a:ext cx="9144000" cy="307777"/>
+          </a:xfrm>
+          <a:prstGeom prst="rect">
+            <a:avLst/>
+          </a:prstGeom>
+          <a:solidFill>
+            <a:schemeClr val="tx1"/>
+          </a:solidFill>
+          <a:ln>
+            <a:solidFill>
+              <a:schemeClr val="tx1"/>
+            </a:solidFill>
+          </a:ln>
+        </p:spPr>
+        <p:txBody>
+          <a:bodyPr wrap="square" rtlCol="0">
+            <a:spAutoFit/>
+          </a:bodyPr>
+          <a:lstStyle/>
+          <a:p>
+            <a:pPr algn="r"/>
+            <a:r>
+              <a:rPr lang="en-US" sz="1400" dirty="0" smtClean="0">
+                <a:solidFill>
+                  <a:schemeClr val="bg1"/>
+                </a:solidFill>
+              </a:rPr>
+              <a:t>[ Background</a:t>
+            </a:r>
+            <a:r>
+              <a:rPr lang="en-US" sz="1400" baseline="0" dirty="0" smtClean="0">
+                <a:solidFill>
+                  <a:schemeClr val="bg1"/>
+                </a:solidFill>
+              </a:rPr>
+              <a:t> | </a:t>
+            </a:r>
+            <a:r>
+              <a:rPr lang="en-US" sz="1400" baseline="0" dirty="0" smtClean="0">
+                <a:solidFill>
+                  <a:srgbClr val="FFFF00"/>
+                </a:solidFill>
+              </a:rPr>
+              <a:t>Chapter I </a:t>
+            </a:r>
+            <a:r>
+              <a:rPr lang="en-US" sz="1400" baseline="0" dirty="0" smtClean="0">
+                <a:solidFill>
+                  <a:schemeClr val="bg1"/>
+                </a:solidFill>
+              </a:rPr>
+              <a:t>| Chapter II | Chapter III | Chapter IV | Timeline | Conclusions ]</a:t>
+            </a:r>
+            <a:endParaRPr lang="en-US" sz="1400" dirty="0">
+              <a:solidFill>
+                <a:schemeClr val="bg1"/>
+              </a:solidFill>
+            </a:endParaRPr>
+          </a:p>
+        </p:txBody>
+      </p:sp>
+    </p:spTree>
+    <p:extLst>
+      <p:ext uri="{BB962C8B-B14F-4D97-AF65-F5344CB8AC3E}">
+        <p14:creationId xmlns:p14="http://schemas.microsoft.com/office/powerpoint/2010/main" val="2313826188"/>
+      </p:ext>
+    </p:extLst>
+  </p:cSld>
+  <p:clrMapOvr>
+    <a:masterClrMapping/>
+  </p:clrMapOvr>
+</p:sldLayout>
+</file>
+
+<file path=ppt/slideLayouts/slideLayout4.xml><?xml version="1.0" encoding="utf-8"?>
+<p:sldLayout xmlns:a="http://schemas.openxmlformats.org/drawingml/2006/main" xmlns:r="http://schemas.openxmlformats.org/officeDocument/2006/relationships" xmlns:p="http://schemas.openxmlformats.org/presentationml/2006/main" preserve="1" userDrawn="1">
+  <p:cSld name="2_Title and Content">
+    <p:spTree>
+      <p:nvGrpSpPr>
+        <p:cNvPr id="1" name=""/>
+        <p:cNvGrpSpPr/>
+        <p:nvPr/>
+      </p:nvGrpSpPr>
+      <p:grpSpPr>
+        <a:xfrm>
+          <a:off x="0" y="0"/>
+          <a:ext cx="0" cy="0"/>
+          <a:chOff x="0" y="0"/>
+          <a:chExt cx="0" cy="0"/>
+        </a:xfrm>
+      </p:grpSpPr>
+      <p:sp>
+        <p:nvSpPr>
+          <p:cNvPr id="3" name="Content Placeholder 2"/>
+          <p:cNvSpPr>
+            <a:spLocks noGrp="1"/>
+          </p:cNvSpPr>
+          <p:nvPr>
+            <p:ph idx="1"/>
+          </p:nvPr>
+        </p:nvSpPr>
+        <p:spPr>
+          <a:ln>
+            <a:solidFill>
+              <a:srgbClr val="000000"/>
+            </a:solidFill>
+          </a:ln>
+        </p:spPr>
+        <p:txBody>
+          <a:bodyPr>
+            <a:normAutofit/>
+          </a:bodyPr>
+          <a:lstStyle>
+            <a:lvl1pPr>
+              <a:defRPr sz="2000">
+                <a:latin typeface="Helvetica"/>
+                <a:cs typeface="Helvetica"/>
+              </a:defRPr>
+            </a:lvl1pPr>
+            <a:lvl2pPr>
+              <a:defRPr sz="2000">
+                <a:latin typeface="Helvetica"/>
+                <a:cs typeface="Helvetica"/>
+              </a:defRPr>
+            </a:lvl2pPr>
+            <a:lvl3pPr>
+              <a:defRPr sz="1600">
+                <a:latin typeface="Helvetica"/>
+                <a:cs typeface="Helvetica"/>
+              </a:defRPr>
+            </a:lvl3pPr>
+            <a:lvl4pPr>
+              <a:defRPr sz="1600">
+                <a:latin typeface="Helvetica"/>
+                <a:cs typeface="Helvetica"/>
+              </a:defRPr>
+            </a:lvl4pPr>
+            <a:lvl5pPr>
+              <a:defRPr sz="1600">
+                <a:latin typeface="Helvetica"/>
+                <a:cs typeface="Helvetica"/>
+              </a:defRPr>
+            </a:lvl5pPr>
+          </a:lstStyle>
+          <a:p>
+            <a:pPr lvl="0"/>
+            <a:r>
+              <a:rPr lang="en-US" dirty="0" smtClean="0"/>
+              <a:t>Click to edit Master text styles</a:t>
+            </a:r>
+          </a:p>
+          <a:p>
+            <a:pPr lvl="1"/>
+            <a:r>
+              <a:rPr lang="en-US" dirty="0" smtClean="0"/>
+              <a:t>Second level</a:t>
+            </a:r>
+          </a:p>
+          <a:p>
+            <a:pPr lvl="2"/>
+            <a:r>
+              <a:rPr lang="en-US" dirty="0" smtClean="0"/>
+              <a:t>Third level</a:t>
+            </a:r>
+          </a:p>
+          <a:p>
+            <a:pPr lvl="3"/>
+            <a:r>
+              <a:rPr lang="en-US" dirty="0" smtClean="0"/>
+              <a:t>Fourth level</a:t>
+            </a:r>
+          </a:p>
+          <a:p>
+            <a:pPr lvl="4"/>
+            <a:r>
+              <a:rPr lang="en-US" dirty="0" smtClean="0"/>
+              <a:t>Fifth level</a:t>
+            </a:r>
+            <a:endParaRPr lang="en-US" dirty="0"/>
+          </a:p>
+        </p:txBody>
+      </p:sp>
+      <p:sp>
+        <p:nvSpPr>
+          <p:cNvPr id="4" name="Date Placeholder 3"/>
+          <p:cNvSpPr>
+            <a:spLocks noGrp="1"/>
+          </p:cNvSpPr>
+          <p:nvPr>
+            <p:ph type="dt" sz="half" idx="10"/>
+          </p:nvPr>
+        </p:nvSpPr>
+        <p:spPr/>
+        <p:txBody>
+          <a:bodyPr/>
+          <a:lstStyle/>
+          <a:p>
+            <a:fld id="{3737F87F-7A13-AB4F-816E-A50305B7DDDA}" type="datetimeFigureOut">
+              <a:rPr lang="en-US" smtClean="0"/>
+              <a:t>9/30/18</a:t>
+            </a:fld>
+            <a:endParaRPr lang="en-US" dirty="0"/>
+          </a:p>
+        </p:txBody>
+      </p:sp>
+      <p:sp>
+        <p:nvSpPr>
+          <p:cNvPr id="5" name="Footer Placeholder 4"/>
+          <p:cNvSpPr>
+            <a:spLocks noGrp="1"/>
+          </p:cNvSpPr>
+          <p:nvPr>
+            <p:ph type="ftr" sz="quarter" idx="11"/>
+          </p:nvPr>
+        </p:nvSpPr>
+        <p:spPr/>
+        <p:txBody>
+          <a:bodyPr/>
+          <a:lstStyle/>
+          <a:p>
+            <a:endParaRPr lang="en-US" dirty="0"/>
+          </a:p>
+        </p:txBody>
+      </p:sp>
+      <p:sp>
+        <p:nvSpPr>
+          <p:cNvPr id="6" name="Slide Number Placeholder 5"/>
+          <p:cNvSpPr>
+            <a:spLocks noGrp="1"/>
+          </p:cNvSpPr>
+          <p:nvPr>
+            <p:ph type="sldNum" sz="quarter" idx="12"/>
+          </p:nvPr>
+        </p:nvSpPr>
+        <p:spPr/>
+        <p:txBody>
+          <a:bodyPr/>
+          <a:lstStyle/>
+          <a:p>
+            <a:fld id="{4165CED2-2196-2D46-9A0E-77B7034BF2F8}" type="slidenum">
+              <a:rPr lang="en-US" smtClean="0"/>
+              <a:t>‹#›</a:t>
+            </a:fld>
+            <a:endParaRPr lang="en-US" dirty="0"/>
+          </a:p>
+        </p:txBody>
+      </p:sp>
+      <p:sp>
+        <p:nvSpPr>
+          <p:cNvPr id="7" name="Title 6"/>
+          <p:cNvSpPr>
+            <a:spLocks noGrp="1"/>
+          </p:cNvSpPr>
+          <p:nvPr>
+            <p:ph type="title" hasCustomPrompt="1"/>
+          </p:nvPr>
+        </p:nvSpPr>
+        <p:spPr>
+          <a:xfrm>
+            <a:off x="45527" y="344527"/>
+            <a:ext cx="4193644" cy="487365"/>
+          </a:xfrm>
+          <a:ln w="38100" cmpd="sng">
+            <a:solidFill>
+              <a:srgbClr val="000000"/>
+            </a:solidFill>
+          </a:ln>
+        </p:spPr>
+        <p:txBody>
+          <a:bodyPr>
+            <a:normAutofit/>
+          </a:bodyPr>
+          <a:lstStyle>
+            <a:lvl1pPr algn="l">
+              <a:defRPr sz="2400" baseline="0">
+                <a:latin typeface="Helvetica"/>
+                <a:cs typeface="Helvetica"/>
+              </a:defRPr>
+            </a:lvl1pPr>
+          </a:lstStyle>
+          <a:p>
+            <a:r>
+              <a:rPr lang="en-US" dirty="0" smtClean="0"/>
+              <a:t>Text here</a:t>
+            </a:r>
+            <a:endParaRPr lang="en-US" dirty="0"/>
+          </a:p>
+        </p:txBody>
+      </p:sp>
+      <p:sp>
+        <p:nvSpPr>
+          <p:cNvPr id="8" name="TextBox 7"/>
+          <p:cNvSpPr txBox="1"/>
+          <p:nvPr userDrawn="1"/>
+        </p:nvSpPr>
+        <p:spPr>
+          <a:xfrm>
+            <a:off x="0" y="0"/>
+            <a:ext cx="9144000" cy="307777"/>
+          </a:xfrm>
+          <a:prstGeom prst="rect">
+            <a:avLst/>
+          </a:prstGeom>
+          <a:solidFill>
+            <a:schemeClr val="tx1"/>
+          </a:solidFill>
+          <a:ln>
+            <a:solidFill>
+              <a:schemeClr val="tx1"/>
+            </a:solidFill>
+          </a:ln>
+        </p:spPr>
+        <p:txBody>
+          <a:bodyPr wrap="square" rtlCol="0">
+            <a:spAutoFit/>
+          </a:bodyPr>
+          <a:lstStyle/>
+          <a:p>
+            <a:pPr algn="r"/>
+            <a:r>
+              <a:rPr lang="en-US" sz="1400" dirty="0" smtClean="0">
+                <a:solidFill>
+                  <a:schemeClr val="bg1"/>
+                </a:solidFill>
+              </a:rPr>
+              <a:t>[ Background</a:t>
+            </a:r>
+            <a:r>
+              <a:rPr lang="en-US" sz="1400" baseline="0" dirty="0" smtClean="0">
+                <a:solidFill>
+                  <a:schemeClr val="bg1"/>
+                </a:solidFill>
+              </a:rPr>
+              <a:t> | Chapter I | </a:t>
+            </a:r>
+            <a:r>
+              <a:rPr lang="en-US" sz="1400" baseline="0" dirty="0" smtClean="0">
+                <a:solidFill>
+                  <a:srgbClr val="FFFF00"/>
+                </a:solidFill>
+              </a:rPr>
+              <a:t>Chapter II </a:t>
+            </a:r>
+            <a:r>
+              <a:rPr lang="en-US" sz="1400" baseline="0" dirty="0" smtClean="0">
+                <a:solidFill>
+                  <a:schemeClr val="bg1"/>
+                </a:solidFill>
+              </a:rPr>
+              <a:t>| Chapter III | Chapter IV | Timeline | Conclusions ]</a:t>
+            </a:r>
+            <a:endParaRPr lang="en-US" sz="1400" dirty="0">
+              <a:solidFill>
+                <a:schemeClr val="bg1"/>
+              </a:solidFill>
+            </a:endParaRPr>
+          </a:p>
+        </p:txBody>
+      </p:sp>
+    </p:spTree>
+    <p:extLst>
+      <p:ext uri="{BB962C8B-B14F-4D97-AF65-F5344CB8AC3E}">
+        <p14:creationId xmlns:p14="http://schemas.microsoft.com/office/powerpoint/2010/main" val="2313826188"/>
+      </p:ext>
+    </p:extLst>
+  </p:cSld>
+  <p:clrMapOvr>
+    <a:masterClrMapping/>
+  </p:clrMapOvr>
+</p:sldLayout>
+</file>
+
+<file path=ppt/slideLayouts/slideLayout5.xml><?xml version="1.0" encoding="utf-8"?>
+<p:sldLayout xmlns:a="http://schemas.openxmlformats.org/drawingml/2006/main" xmlns:r="http://schemas.openxmlformats.org/officeDocument/2006/relationships" xmlns:p="http://schemas.openxmlformats.org/presentationml/2006/main" preserve="1" userDrawn="1">
+  <p:cSld name="3_Title and Content">
+    <p:spTree>
+      <p:nvGrpSpPr>
+        <p:cNvPr id="1" name=""/>
+        <p:cNvGrpSpPr/>
+        <p:nvPr/>
+      </p:nvGrpSpPr>
+      <p:grpSpPr>
+        <a:xfrm>
+          <a:off x="0" y="0"/>
+          <a:ext cx="0" cy="0"/>
+          <a:chOff x="0" y="0"/>
+          <a:chExt cx="0" cy="0"/>
+        </a:xfrm>
+      </p:grpSpPr>
+      <p:sp>
+        <p:nvSpPr>
+          <p:cNvPr id="3" name="Content Placeholder 2"/>
+          <p:cNvSpPr>
+            <a:spLocks noGrp="1"/>
+          </p:cNvSpPr>
+          <p:nvPr>
+            <p:ph idx="1"/>
+          </p:nvPr>
+        </p:nvSpPr>
+        <p:spPr>
+          <a:ln>
+            <a:solidFill>
+              <a:srgbClr val="000000"/>
+            </a:solidFill>
+          </a:ln>
+        </p:spPr>
+        <p:txBody>
+          <a:bodyPr>
+            <a:normAutofit/>
+          </a:bodyPr>
+          <a:lstStyle>
+            <a:lvl1pPr>
+              <a:defRPr sz="2000">
+                <a:latin typeface="Helvetica"/>
+                <a:cs typeface="Helvetica"/>
+              </a:defRPr>
+            </a:lvl1pPr>
+            <a:lvl2pPr>
+              <a:defRPr sz="2000">
+                <a:latin typeface="Helvetica"/>
+                <a:cs typeface="Helvetica"/>
+              </a:defRPr>
+            </a:lvl2pPr>
+            <a:lvl3pPr>
+              <a:defRPr sz="1600">
+                <a:latin typeface="Helvetica"/>
+                <a:cs typeface="Helvetica"/>
+              </a:defRPr>
+            </a:lvl3pPr>
+            <a:lvl4pPr>
+              <a:defRPr sz="1600">
+                <a:latin typeface="Helvetica"/>
+                <a:cs typeface="Helvetica"/>
+              </a:defRPr>
+            </a:lvl4pPr>
+            <a:lvl5pPr>
+              <a:defRPr sz="1600">
+                <a:latin typeface="Helvetica"/>
+                <a:cs typeface="Helvetica"/>
+              </a:defRPr>
+            </a:lvl5pPr>
+          </a:lstStyle>
+          <a:p>
+            <a:pPr lvl="0"/>
+            <a:r>
+              <a:rPr lang="en-US" dirty="0" smtClean="0"/>
+              <a:t>Click to edit Master text styles</a:t>
+            </a:r>
+          </a:p>
+          <a:p>
+            <a:pPr lvl="1"/>
+            <a:r>
+              <a:rPr lang="en-US" dirty="0" smtClean="0"/>
+              <a:t>Second level</a:t>
+            </a:r>
+          </a:p>
+          <a:p>
+            <a:pPr lvl="2"/>
+            <a:r>
+              <a:rPr lang="en-US" dirty="0" smtClean="0"/>
+              <a:t>Third level</a:t>
+            </a:r>
+          </a:p>
+          <a:p>
+            <a:pPr lvl="3"/>
+            <a:r>
+              <a:rPr lang="en-US" dirty="0" smtClean="0"/>
+              <a:t>Fourth level</a:t>
+            </a:r>
+          </a:p>
+          <a:p>
+            <a:pPr lvl="4"/>
+            <a:r>
+              <a:rPr lang="en-US" dirty="0" smtClean="0"/>
+              <a:t>Fifth level</a:t>
+            </a:r>
+            <a:endParaRPr lang="en-US" dirty="0"/>
+          </a:p>
+        </p:txBody>
+      </p:sp>
+      <p:sp>
+        <p:nvSpPr>
+          <p:cNvPr id="4" name="Date Placeholder 3"/>
+          <p:cNvSpPr>
+            <a:spLocks noGrp="1"/>
+          </p:cNvSpPr>
+          <p:nvPr>
+            <p:ph type="dt" sz="half" idx="10"/>
+          </p:nvPr>
+        </p:nvSpPr>
+        <p:spPr/>
+        <p:txBody>
+          <a:bodyPr/>
+          <a:lstStyle/>
+          <a:p>
+            <a:fld id="{3737F87F-7A13-AB4F-816E-A50305B7DDDA}" type="datetimeFigureOut">
+              <a:rPr lang="en-US" smtClean="0"/>
+              <a:t>9/30/18</a:t>
+            </a:fld>
+            <a:endParaRPr lang="en-US" dirty="0"/>
+          </a:p>
+        </p:txBody>
+      </p:sp>
+      <p:sp>
+        <p:nvSpPr>
+          <p:cNvPr id="5" name="Footer Placeholder 4"/>
+          <p:cNvSpPr>
+            <a:spLocks noGrp="1"/>
+          </p:cNvSpPr>
+          <p:nvPr>
+            <p:ph type="ftr" sz="quarter" idx="11"/>
+          </p:nvPr>
+        </p:nvSpPr>
+        <p:spPr/>
+        <p:txBody>
+          <a:bodyPr/>
+          <a:lstStyle/>
+          <a:p>
+            <a:endParaRPr lang="en-US" dirty="0"/>
+          </a:p>
+        </p:txBody>
+      </p:sp>
+      <p:sp>
+        <p:nvSpPr>
+          <p:cNvPr id="6" name="Slide Number Placeholder 5"/>
+          <p:cNvSpPr>
+            <a:spLocks noGrp="1"/>
+          </p:cNvSpPr>
+          <p:nvPr>
+            <p:ph type="sldNum" sz="quarter" idx="12"/>
+          </p:nvPr>
+        </p:nvSpPr>
+        <p:spPr/>
+        <p:txBody>
+          <a:bodyPr/>
+          <a:lstStyle/>
+          <a:p>
+            <a:fld id="{4165CED2-2196-2D46-9A0E-77B7034BF2F8}" type="slidenum">
+              <a:rPr lang="en-US" smtClean="0"/>
+              <a:t>‹#›</a:t>
+            </a:fld>
+            <a:endParaRPr lang="en-US" dirty="0"/>
+          </a:p>
+        </p:txBody>
+      </p:sp>
+      <p:sp>
+        <p:nvSpPr>
+          <p:cNvPr id="7" name="Title 6"/>
+          <p:cNvSpPr>
+            <a:spLocks noGrp="1"/>
+          </p:cNvSpPr>
+          <p:nvPr>
+            <p:ph type="title" hasCustomPrompt="1"/>
+          </p:nvPr>
+        </p:nvSpPr>
+        <p:spPr>
+          <a:xfrm>
+            <a:off x="45527" y="344527"/>
+            <a:ext cx="4193644" cy="487365"/>
+          </a:xfrm>
+          <a:ln w="38100" cmpd="sng">
+            <a:solidFill>
+              <a:srgbClr val="000000"/>
+            </a:solidFill>
+          </a:ln>
+        </p:spPr>
+        <p:txBody>
+          <a:bodyPr>
+            <a:normAutofit/>
+          </a:bodyPr>
+          <a:lstStyle>
+            <a:lvl1pPr algn="l">
+              <a:defRPr sz="2400" baseline="0">
+                <a:latin typeface="Helvetica"/>
+                <a:cs typeface="Helvetica"/>
+              </a:defRPr>
+            </a:lvl1pPr>
+          </a:lstStyle>
+          <a:p>
+            <a:r>
+              <a:rPr lang="en-US" dirty="0" smtClean="0"/>
+              <a:t>Text here</a:t>
+            </a:r>
+            <a:endParaRPr lang="en-US" dirty="0"/>
+          </a:p>
+        </p:txBody>
+      </p:sp>
+      <p:sp>
+        <p:nvSpPr>
+          <p:cNvPr id="8" name="TextBox 7"/>
+          <p:cNvSpPr txBox="1"/>
+          <p:nvPr userDrawn="1"/>
+        </p:nvSpPr>
+        <p:spPr>
+          <a:xfrm>
+            <a:off x="0" y="0"/>
+            <a:ext cx="9144000" cy="307777"/>
+          </a:xfrm>
+          <a:prstGeom prst="rect">
+            <a:avLst/>
+          </a:prstGeom>
+          <a:solidFill>
+            <a:schemeClr val="tx1"/>
+          </a:solidFill>
+          <a:ln>
+            <a:solidFill>
+              <a:schemeClr val="tx1"/>
+            </a:solidFill>
+          </a:ln>
+        </p:spPr>
+        <p:txBody>
+          <a:bodyPr wrap="square" rtlCol="0">
+            <a:spAutoFit/>
+          </a:bodyPr>
+          <a:lstStyle/>
+          <a:p>
+            <a:pPr algn="r"/>
+            <a:r>
+              <a:rPr lang="en-US" sz="1400" dirty="0" smtClean="0">
+                <a:solidFill>
+                  <a:schemeClr val="bg1"/>
+                </a:solidFill>
+              </a:rPr>
+              <a:t>[ Background</a:t>
+            </a:r>
+            <a:r>
+              <a:rPr lang="en-US" sz="1400" baseline="0" dirty="0" smtClean="0">
+                <a:solidFill>
+                  <a:schemeClr val="bg1"/>
+                </a:solidFill>
+              </a:rPr>
+              <a:t> | Chapter I | Chapter II | </a:t>
+            </a:r>
+            <a:r>
+              <a:rPr lang="en-US" sz="1400" baseline="0" dirty="0" smtClean="0">
+                <a:solidFill>
+                  <a:srgbClr val="FFFF00"/>
+                </a:solidFill>
+              </a:rPr>
+              <a:t>Chapter III </a:t>
+            </a:r>
+            <a:r>
+              <a:rPr lang="en-US" sz="1400" baseline="0" dirty="0" smtClean="0">
+                <a:solidFill>
+                  <a:schemeClr val="bg1"/>
+                </a:solidFill>
+              </a:rPr>
+              <a:t>| Chapter IV | Timeline | Conclusions ]</a:t>
+            </a:r>
+            <a:endParaRPr lang="en-US" sz="1400" dirty="0">
+              <a:solidFill>
+                <a:schemeClr val="bg1"/>
+              </a:solidFill>
+            </a:endParaRPr>
+          </a:p>
+        </p:txBody>
+      </p:sp>
+    </p:spTree>
+    <p:extLst>
+      <p:ext uri="{BB962C8B-B14F-4D97-AF65-F5344CB8AC3E}">
+        <p14:creationId xmlns:p14="http://schemas.microsoft.com/office/powerpoint/2010/main" val="2313826188"/>
+      </p:ext>
+    </p:extLst>
+  </p:cSld>
+  <p:clrMapOvr>
+    <a:masterClrMapping/>
+  </p:clrMapOvr>
+</p:sldLayout>
+</file>
+
+<file path=ppt/slideLayouts/slideLayout6.xml><?xml version="1.0" encoding="utf-8"?>
+<p:sldLayout xmlns:a="http://schemas.openxmlformats.org/drawingml/2006/main" xmlns:r="http://schemas.openxmlformats.org/officeDocument/2006/relationships" xmlns:p="http://schemas.openxmlformats.org/presentationml/2006/main" preserve="1" userDrawn="1">
+  <p:cSld name="4_Title and Content">
+    <p:spTree>
+      <p:nvGrpSpPr>
+        <p:cNvPr id="1" name=""/>
+        <p:cNvGrpSpPr/>
+        <p:nvPr/>
+      </p:nvGrpSpPr>
+      <p:grpSpPr>
+        <a:xfrm>
+          <a:off x="0" y="0"/>
+          <a:ext cx="0" cy="0"/>
+          <a:chOff x="0" y="0"/>
+          <a:chExt cx="0" cy="0"/>
+        </a:xfrm>
+      </p:grpSpPr>
+      <p:sp>
+        <p:nvSpPr>
+          <p:cNvPr id="3" name="Content Placeholder 2"/>
+          <p:cNvSpPr>
+            <a:spLocks noGrp="1"/>
+          </p:cNvSpPr>
+          <p:nvPr>
+            <p:ph idx="1"/>
+          </p:nvPr>
+        </p:nvSpPr>
+        <p:spPr>
+          <a:ln>
+            <a:solidFill>
+              <a:srgbClr val="000000"/>
+            </a:solidFill>
+          </a:ln>
+        </p:spPr>
+        <p:txBody>
+          <a:bodyPr>
+            <a:normAutofit/>
+          </a:bodyPr>
+          <a:lstStyle>
+            <a:lvl1pPr>
+              <a:defRPr sz="2000">
+                <a:latin typeface="Helvetica"/>
+                <a:cs typeface="Helvetica"/>
+              </a:defRPr>
+            </a:lvl1pPr>
+            <a:lvl2pPr>
+              <a:defRPr sz="2000">
+                <a:latin typeface="Helvetica"/>
+                <a:cs typeface="Helvetica"/>
+              </a:defRPr>
+            </a:lvl2pPr>
+            <a:lvl3pPr>
+              <a:defRPr sz="1600">
+                <a:latin typeface="Helvetica"/>
+                <a:cs typeface="Helvetica"/>
+              </a:defRPr>
+            </a:lvl3pPr>
+            <a:lvl4pPr>
+              <a:defRPr sz="1600">
+                <a:latin typeface="Helvetica"/>
+                <a:cs typeface="Helvetica"/>
+              </a:defRPr>
+            </a:lvl4pPr>
+            <a:lvl5pPr>
+              <a:defRPr sz="1600">
+                <a:latin typeface="Helvetica"/>
+                <a:cs typeface="Helvetica"/>
+              </a:defRPr>
+            </a:lvl5pPr>
+          </a:lstStyle>
+          <a:p>
+            <a:pPr lvl="0"/>
+            <a:r>
+              <a:rPr lang="en-US" dirty="0" smtClean="0"/>
+              <a:t>Click to edit Master text styles</a:t>
+            </a:r>
+          </a:p>
+          <a:p>
+            <a:pPr lvl="1"/>
+            <a:r>
+              <a:rPr lang="en-US" dirty="0" smtClean="0"/>
+              <a:t>Second level</a:t>
+            </a:r>
+          </a:p>
+          <a:p>
+            <a:pPr lvl="2"/>
+            <a:r>
+              <a:rPr lang="en-US" dirty="0" smtClean="0"/>
+              <a:t>Third level</a:t>
+            </a:r>
+          </a:p>
+          <a:p>
+            <a:pPr lvl="3"/>
+            <a:r>
+              <a:rPr lang="en-US" dirty="0" smtClean="0"/>
+              <a:t>Fourth level</a:t>
+            </a:r>
+          </a:p>
+          <a:p>
+            <a:pPr lvl="4"/>
+            <a:r>
+              <a:rPr lang="en-US" dirty="0" smtClean="0"/>
+              <a:t>Fifth level</a:t>
+            </a:r>
+            <a:endParaRPr lang="en-US" dirty="0"/>
+          </a:p>
+        </p:txBody>
+      </p:sp>
+      <p:sp>
+        <p:nvSpPr>
+          <p:cNvPr id="4" name="Date Placeholder 3"/>
+          <p:cNvSpPr>
+            <a:spLocks noGrp="1"/>
+          </p:cNvSpPr>
+          <p:nvPr>
+            <p:ph type="dt" sz="half" idx="10"/>
+          </p:nvPr>
+        </p:nvSpPr>
+        <p:spPr/>
+        <p:txBody>
+          <a:bodyPr/>
+          <a:lstStyle/>
+          <a:p>
+            <a:fld id="{3737F87F-7A13-AB4F-816E-A50305B7DDDA}" type="datetimeFigureOut">
+              <a:rPr lang="en-US" smtClean="0"/>
+              <a:t>9/30/18</a:t>
+            </a:fld>
+            <a:endParaRPr lang="en-US" dirty="0"/>
+          </a:p>
+        </p:txBody>
+      </p:sp>
+      <p:sp>
+        <p:nvSpPr>
+          <p:cNvPr id="5" name="Footer Placeholder 4"/>
+          <p:cNvSpPr>
+            <a:spLocks noGrp="1"/>
+          </p:cNvSpPr>
+          <p:nvPr>
+            <p:ph type="ftr" sz="quarter" idx="11"/>
+          </p:nvPr>
+        </p:nvSpPr>
+        <p:spPr/>
+        <p:txBody>
+          <a:bodyPr/>
+          <a:lstStyle/>
+          <a:p>
+            <a:endParaRPr lang="en-US" dirty="0"/>
+          </a:p>
+        </p:txBody>
+      </p:sp>
+      <p:sp>
+        <p:nvSpPr>
+          <p:cNvPr id="6" name="Slide Number Placeholder 5"/>
+          <p:cNvSpPr>
+            <a:spLocks noGrp="1"/>
+          </p:cNvSpPr>
+          <p:nvPr>
+            <p:ph type="sldNum" sz="quarter" idx="12"/>
+          </p:nvPr>
+        </p:nvSpPr>
+        <p:spPr/>
+        <p:txBody>
+          <a:bodyPr/>
+          <a:lstStyle/>
+          <a:p>
+            <a:fld id="{4165CED2-2196-2D46-9A0E-77B7034BF2F8}" type="slidenum">
+              <a:rPr lang="en-US" smtClean="0"/>
+              <a:t>‹#›</a:t>
+            </a:fld>
+            <a:endParaRPr lang="en-US" dirty="0"/>
+          </a:p>
+        </p:txBody>
+      </p:sp>
+      <p:sp>
+        <p:nvSpPr>
+          <p:cNvPr id="7" name="Title 6"/>
+          <p:cNvSpPr>
+            <a:spLocks noGrp="1"/>
+          </p:cNvSpPr>
+          <p:nvPr>
+            <p:ph type="title" hasCustomPrompt="1"/>
+          </p:nvPr>
+        </p:nvSpPr>
+        <p:spPr>
+          <a:xfrm>
+            <a:off x="45527" y="344527"/>
+            <a:ext cx="4193644" cy="487365"/>
+          </a:xfrm>
+          <a:ln w="38100" cmpd="sng">
+            <a:solidFill>
+              <a:srgbClr val="000000"/>
+            </a:solidFill>
+          </a:ln>
+        </p:spPr>
+        <p:txBody>
+          <a:bodyPr>
+            <a:normAutofit/>
+          </a:bodyPr>
+          <a:lstStyle>
+            <a:lvl1pPr algn="l">
+              <a:defRPr sz="2400" baseline="0">
+                <a:latin typeface="Helvetica"/>
+                <a:cs typeface="Helvetica"/>
+              </a:defRPr>
+            </a:lvl1pPr>
+          </a:lstStyle>
+          <a:p>
+            <a:r>
+              <a:rPr lang="en-US" dirty="0" smtClean="0"/>
+              <a:t>Text here</a:t>
+            </a:r>
+            <a:endParaRPr lang="en-US" dirty="0"/>
+          </a:p>
+        </p:txBody>
+      </p:sp>
+      <p:sp>
+        <p:nvSpPr>
+          <p:cNvPr id="8" name="TextBox 7"/>
+          <p:cNvSpPr txBox="1"/>
+          <p:nvPr userDrawn="1"/>
+        </p:nvSpPr>
+        <p:spPr>
+          <a:xfrm>
+            <a:off x="0" y="0"/>
+            <a:ext cx="9144000" cy="307777"/>
+          </a:xfrm>
+          <a:prstGeom prst="rect">
+            <a:avLst/>
+          </a:prstGeom>
+          <a:solidFill>
+            <a:schemeClr val="tx1"/>
+          </a:solidFill>
+          <a:ln>
+            <a:solidFill>
+              <a:schemeClr val="tx1"/>
+            </a:solidFill>
+          </a:ln>
+        </p:spPr>
+        <p:txBody>
+          <a:bodyPr wrap="square" rtlCol="0">
+            <a:spAutoFit/>
+          </a:bodyPr>
+          <a:lstStyle/>
+          <a:p>
+            <a:pPr algn="r"/>
+            <a:r>
+              <a:rPr lang="en-US" sz="1400" dirty="0" smtClean="0">
+                <a:solidFill>
+                  <a:schemeClr val="bg1"/>
+                </a:solidFill>
+              </a:rPr>
+              <a:t>[ Background</a:t>
+            </a:r>
+            <a:r>
+              <a:rPr lang="en-US" sz="1400" baseline="0" dirty="0" smtClean="0">
+                <a:solidFill>
+                  <a:schemeClr val="bg1"/>
+                </a:solidFill>
+              </a:rPr>
+              <a:t> | Chapter I | Chapter II | Chapter III | </a:t>
+            </a:r>
+            <a:r>
+              <a:rPr lang="en-US" sz="1400" baseline="0" dirty="0" smtClean="0">
+                <a:solidFill>
+                  <a:srgbClr val="FFFF00"/>
+                </a:solidFill>
+              </a:rPr>
+              <a:t>Chapter IV </a:t>
+            </a:r>
+            <a:r>
+              <a:rPr lang="en-US" sz="1400" baseline="0" dirty="0" smtClean="0">
+                <a:solidFill>
+                  <a:schemeClr val="bg1"/>
+                </a:solidFill>
+              </a:rPr>
+              <a:t>| Timeline | Conclusions ]</a:t>
+            </a:r>
+            <a:endParaRPr lang="en-US" sz="1400" dirty="0">
+              <a:solidFill>
+                <a:schemeClr val="bg1"/>
+              </a:solidFill>
+            </a:endParaRPr>
+          </a:p>
+        </p:txBody>
+      </p:sp>
+    </p:spTree>
+    <p:extLst>
+      <p:ext uri="{BB962C8B-B14F-4D97-AF65-F5344CB8AC3E}">
+        <p14:creationId xmlns:p14="http://schemas.microsoft.com/office/powerpoint/2010/main" val="2313826188"/>
+      </p:ext>
+    </p:extLst>
+  </p:cSld>
+  <p:clrMapOvr>
+    <a:masterClrMapping/>
+  </p:clrMapOvr>
+</p:sldLayout>
+</file>
+
+<file path=ppt/slideLayouts/slideLayout7.xml><?xml version="1.0" encoding="utf-8"?>
+<p:sldLayout xmlns:a="http://schemas.openxmlformats.org/drawingml/2006/main" xmlns:r="http://schemas.openxmlformats.org/officeDocument/2006/relationships" xmlns:p="http://schemas.openxmlformats.org/presentationml/2006/main" preserve="1" userDrawn="1">
+  <p:cSld name="5_Title and Content">
+    <p:spTree>
+      <p:nvGrpSpPr>
+        <p:cNvPr id="1" name=""/>
+        <p:cNvGrpSpPr/>
+        <p:nvPr/>
+      </p:nvGrpSpPr>
+      <p:grpSpPr>
+        <a:xfrm>
+          <a:off x="0" y="0"/>
+          <a:ext cx="0" cy="0"/>
+          <a:chOff x="0" y="0"/>
+          <a:chExt cx="0" cy="0"/>
+        </a:xfrm>
+      </p:grpSpPr>
+      <p:sp>
+        <p:nvSpPr>
+          <p:cNvPr id="3" name="Content Placeholder 2"/>
+          <p:cNvSpPr>
+            <a:spLocks noGrp="1"/>
+          </p:cNvSpPr>
+          <p:nvPr>
+            <p:ph idx="1"/>
+          </p:nvPr>
+        </p:nvSpPr>
+        <p:spPr>
+          <a:ln>
+            <a:solidFill>
+              <a:srgbClr val="000000"/>
+            </a:solidFill>
+          </a:ln>
+        </p:spPr>
+        <p:txBody>
+          <a:bodyPr>
+            <a:normAutofit/>
+          </a:bodyPr>
+          <a:lstStyle>
+            <a:lvl1pPr>
+              <a:defRPr sz="2000">
+                <a:latin typeface="Helvetica"/>
+                <a:cs typeface="Helvetica"/>
+              </a:defRPr>
+            </a:lvl1pPr>
+            <a:lvl2pPr>
+              <a:defRPr sz="2000">
+                <a:latin typeface="Helvetica"/>
+                <a:cs typeface="Helvetica"/>
+              </a:defRPr>
+            </a:lvl2pPr>
+            <a:lvl3pPr>
+              <a:defRPr sz="1600">
+                <a:latin typeface="Helvetica"/>
+                <a:cs typeface="Helvetica"/>
+              </a:defRPr>
+            </a:lvl3pPr>
+            <a:lvl4pPr>
+              <a:defRPr sz="1600">
+                <a:latin typeface="Helvetica"/>
+                <a:cs typeface="Helvetica"/>
+              </a:defRPr>
+            </a:lvl4pPr>
+            <a:lvl5pPr>
+              <a:defRPr sz="1600">
+                <a:latin typeface="Helvetica"/>
+                <a:cs typeface="Helvetica"/>
+              </a:defRPr>
+            </a:lvl5pPr>
+          </a:lstStyle>
+          <a:p>
+            <a:pPr lvl="0"/>
+            <a:r>
+              <a:rPr lang="en-US" dirty="0" smtClean="0"/>
+              <a:t>Click to edit Master text styles</a:t>
+            </a:r>
+          </a:p>
+          <a:p>
+            <a:pPr lvl="1"/>
+            <a:r>
+              <a:rPr lang="en-US" dirty="0" smtClean="0"/>
+              <a:t>Second level</a:t>
+            </a:r>
+          </a:p>
+          <a:p>
+            <a:pPr lvl="2"/>
+            <a:r>
+              <a:rPr lang="en-US" dirty="0" smtClean="0"/>
+              <a:t>Third level</a:t>
+            </a:r>
+          </a:p>
+          <a:p>
+            <a:pPr lvl="3"/>
+            <a:r>
+              <a:rPr lang="en-US" dirty="0" smtClean="0"/>
+              <a:t>Fourth level</a:t>
+            </a:r>
+          </a:p>
+          <a:p>
+            <a:pPr lvl="4"/>
+            <a:r>
+              <a:rPr lang="en-US" dirty="0" smtClean="0"/>
+              <a:t>Fifth level</a:t>
+            </a:r>
+            <a:endParaRPr lang="en-US" dirty="0"/>
+          </a:p>
+        </p:txBody>
+      </p:sp>
+      <p:sp>
+        <p:nvSpPr>
+          <p:cNvPr id="4" name="Date Placeholder 3"/>
+          <p:cNvSpPr>
+            <a:spLocks noGrp="1"/>
+          </p:cNvSpPr>
+          <p:nvPr>
+            <p:ph type="dt" sz="half" idx="10"/>
+          </p:nvPr>
+        </p:nvSpPr>
+        <p:spPr/>
+        <p:txBody>
+          <a:bodyPr/>
+          <a:lstStyle/>
+          <a:p>
+            <a:fld id="{3737F87F-7A13-AB4F-816E-A50305B7DDDA}" type="datetimeFigureOut">
+              <a:rPr lang="en-US" smtClean="0"/>
+              <a:t>9/30/18</a:t>
+            </a:fld>
+            <a:endParaRPr lang="en-US" dirty="0"/>
+          </a:p>
+        </p:txBody>
+      </p:sp>
+      <p:sp>
+        <p:nvSpPr>
+          <p:cNvPr id="5" name="Footer Placeholder 4"/>
+          <p:cNvSpPr>
+            <a:spLocks noGrp="1"/>
+          </p:cNvSpPr>
+          <p:nvPr>
+            <p:ph type="ftr" sz="quarter" idx="11"/>
+          </p:nvPr>
+        </p:nvSpPr>
+        <p:spPr/>
+        <p:txBody>
+          <a:bodyPr/>
+          <a:lstStyle/>
+          <a:p>
+            <a:endParaRPr lang="en-US" dirty="0"/>
+          </a:p>
+        </p:txBody>
+      </p:sp>
+      <p:sp>
+        <p:nvSpPr>
+          <p:cNvPr id="6" name="Slide Number Placeholder 5"/>
+          <p:cNvSpPr>
+            <a:spLocks noGrp="1"/>
+          </p:cNvSpPr>
+          <p:nvPr>
+            <p:ph type="sldNum" sz="quarter" idx="12"/>
+          </p:nvPr>
+        </p:nvSpPr>
+        <p:spPr/>
+        <p:txBody>
+          <a:bodyPr/>
+          <a:lstStyle/>
+          <a:p>
+            <a:fld id="{4165CED2-2196-2D46-9A0E-77B7034BF2F8}" type="slidenum">
+              <a:rPr lang="en-US" smtClean="0"/>
+              <a:t>‹#›</a:t>
+            </a:fld>
+            <a:endParaRPr lang="en-US" dirty="0"/>
+          </a:p>
+        </p:txBody>
+      </p:sp>
+      <p:sp>
+        <p:nvSpPr>
+          <p:cNvPr id="7" name="Title 6"/>
+          <p:cNvSpPr>
+            <a:spLocks noGrp="1"/>
+          </p:cNvSpPr>
+          <p:nvPr>
+            <p:ph type="title" hasCustomPrompt="1"/>
+          </p:nvPr>
+        </p:nvSpPr>
+        <p:spPr>
+          <a:xfrm>
+            <a:off x="45527" y="344527"/>
+            <a:ext cx="4193644" cy="487365"/>
+          </a:xfrm>
+          <a:ln w="38100" cmpd="sng">
+            <a:solidFill>
+              <a:srgbClr val="000000"/>
+            </a:solidFill>
+          </a:ln>
+        </p:spPr>
+        <p:txBody>
+          <a:bodyPr>
+            <a:normAutofit/>
+          </a:bodyPr>
+          <a:lstStyle>
+            <a:lvl1pPr algn="l">
+              <a:defRPr sz="2400" baseline="0">
+                <a:latin typeface="Helvetica"/>
+                <a:cs typeface="Helvetica"/>
+              </a:defRPr>
+            </a:lvl1pPr>
+          </a:lstStyle>
+          <a:p>
+            <a:r>
+              <a:rPr lang="en-US" dirty="0" smtClean="0"/>
+              <a:t>Text here</a:t>
+            </a:r>
+            <a:endParaRPr lang="en-US" dirty="0"/>
+          </a:p>
+        </p:txBody>
+      </p:sp>
+      <p:sp>
+        <p:nvSpPr>
+          <p:cNvPr id="8" name="TextBox 7"/>
+          <p:cNvSpPr txBox="1"/>
+          <p:nvPr userDrawn="1"/>
+        </p:nvSpPr>
+        <p:spPr>
+          <a:xfrm>
+            <a:off x="0" y="0"/>
+            <a:ext cx="9144000" cy="307777"/>
+          </a:xfrm>
+          <a:prstGeom prst="rect">
+            <a:avLst/>
+          </a:prstGeom>
+          <a:solidFill>
+            <a:schemeClr val="tx1"/>
+          </a:solidFill>
+          <a:ln>
+            <a:solidFill>
+              <a:schemeClr val="tx1"/>
+            </a:solidFill>
+          </a:ln>
+        </p:spPr>
+        <p:txBody>
+          <a:bodyPr wrap="square" rtlCol="0">
+            <a:spAutoFit/>
+          </a:bodyPr>
+          <a:lstStyle/>
+          <a:p>
+            <a:pPr algn="r"/>
+            <a:r>
+              <a:rPr lang="en-US" sz="1400" dirty="0" smtClean="0">
+                <a:solidFill>
+                  <a:schemeClr val="bg1"/>
+                </a:solidFill>
+              </a:rPr>
+              <a:t>[ Background</a:t>
+            </a:r>
+            <a:r>
+              <a:rPr lang="en-US" sz="1400" baseline="0" dirty="0" smtClean="0">
+                <a:solidFill>
+                  <a:schemeClr val="bg1"/>
+                </a:solidFill>
+              </a:rPr>
+              <a:t> | Chapter I | Chapter II | Chapter III | Chapter IV | </a:t>
+            </a:r>
+            <a:r>
+              <a:rPr lang="en-US" sz="1400" baseline="0" dirty="0" smtClean="0">
+                <a:solidFill>
+                  <a:srgbClr val="FFFF00"/>
+                </a:solidFill>
+              </a:rPr>
+              <a:t>Timeline</a:t>
+            </a:r>
+            <a:r>
+              <a:rPr lang="en-US" sz="1400" baseline="0" dirty="0" smtClean="0">
+                <a:solidFill>
+                  <a:schemeClr val="bg1"/>
+                </a:solidFill>
+              </a:rPr>
+              <a:t> | Conclusions ]</a:t>
+            </a:r>
+            <a:endParaRPr lang="en-US" sz="1400" dirty="0">
+              <a:solidFill>
+                <a:schemeClr val="bg1"/>
+              </a:solidFill>
+            </a:endParaRPr>
+          </a:p>
+        </p:txBody>
+      </p:sp>
+    </p:spTree>
+    <p:extLst>
+      <p:ext uri="{BB962C8B-B14F-4D97-AF65-F5344CB8AC3E}">
+        <p14:creationId xmlns:p14="http://schemas.microsoft.com/office/powerpoint/2010/main" val="2313826188"/>
+      </p:ext>
+    </p:extLst>
+  </p:cSld>
+  <p:clrMapOvr>
+    <a:masterClrMapping/>
+  </p:clrMapOvr>
+</p:sldLayout>
+</file>
+
+<file path=ppt/slideLayouts/slideLayout8.xml><?xml version="1.0" encoding="utf-8"?>
+<p:sldLayout xmlns:a="http://schemas.openxmlformats.org/drawingml/2006/main" xmlns:r="http://schemas.openxmlformats.org/officeDocument/2006/relationships" xmlns:p="http://schemas.openxmlformats.org/presentationml/2006/main" preserve="1" userDrawn="1">
+  <p:cSld name="6_Title and Content">
+    <p:spTree>
+      <p:nvGrpSpPr>
+        <p:cNvPr id="1" name=""/>
+        <p:cNvGrpSpPr/>
+        <p:nvPr/>
+      </p:nvGrpSpPr>
+      <p:grpSpPr>
+        <a:xfrm>
+          <a:off x="0" y="0"/>
+          <a:ext cx="0" cy="0"/>
+          <a:chOff x="0" y="0"/>
+          <a:chExt cx="0" cy="0"/>
+        </a:xfrm>
+      </p:grpSpPr>
+      <p:sp>
+        <p:nvSpPr>
+          <p:cNvPr id="3" name="Content Placeholder 2"/>
+          <p:cNvSpPr>
+            <a:spLocks noGrp="1"/>
+          </p:cNvSpPr>
+          <p:nvPr>
+            <p:ph idx="1"/>
+          </p:nvPr>
+        </p:nvSpPr>
+        <p:spPr>
+          <a:ln>
+            <a:solidFill>
+              <a:srgbClr val="000000"/>
+            </a:solidFill>
+          </a:ln>
+        </p:spPr>
+        <p:txBody>
+          <a:bodyPr>
+            <a:normAutofit/>
+          </a:bodyPr>
+          <a:lstStyle>
+            <a:lvl1pPr>
+              <a:defRPr sz="2000">
+                <a:latin typeface="Helvetica"/>
+                <a:cs typeface="Helvetica"/>
+              </a:defRPr>
+            </a:lvl1pPr>
+            <a:lvl2pPr>
+              <a:defRPr sz="2000">
+                <a:latin typeface="Helvetica"/>
+                <a:cs typeface="Helvetica"/>
+              </a:defRPr>
+            </a:lvl2pPr>
+            <a:lvl3pPr>
+              <a:defRPr sz="1600">
+                <a:latin typeface="Helvetica"/>
+                <a:cs typeface="Helvetica"/>
+              </a:defRPr>
+            </a:lvl3pPr>
+            <a:lvl4pPr>
+              <a:defRPr sz="1600">
+                <a:latin typeface="Helvetica"/>
+                <a:cs typeface="Helvetica"/>
+              </a:defRPr>
+            </a:lvl4pPr>
+            <a:lvl5pPr>
+              <a:defRPr sz="1600">
+                <a:latin typeface="Helvetica"/>
+                <a:cs typeface="Helvetica"/>
+              </a:defRPr>
+            </a:lvl5pPr>
+          </a:lstStyle>
+          <a:p>
+            <a:pPr lvl="0"/>
+            <a:r>
+              <a:rPr lang="en-US" dirty="0" smtClean="0"/>
+              <a:t>Click to edit Master text styles</a:t>
+            </a:r>
+          </a:p>
+          <a:p>
+            <a:pPr lvl="1"/>
+            <a:r>
+              <a:rPr lang="en-US" dirty="0" smtClean="0"/>
+              <a:t>Second level</a:t>
+            </a:r>
+          </a:p>
+          <a:p>
+            <a:pPr lvl="2"/>
+            <a:r>
+              <a:rPr lang="en-US" dirty="0" smtClean="0"/>
+              <a:t>Third level</a:t>
+            </a:r>
+          </a:p>
+          <a:p>
+            <a:pPr lvl="3"/>
+            <a:r>
+              <a:rPr lang="en-US" dirty="0" smtClean="0"/>
+              <a:t>Fourth level</a:t>
+            </a:r>
+          </a:p>
+          <a:p>
+            <a:pPr lvl="4"/>
+            <a:r>
+              <a:rPr lang="en-US" dirty="0" smtClean="0"/>
+              <a:t>Fifth level</a:t>
+            </a:r>
+            <a:endParaRPr lang="en-US" dirty="0"/>
+          </a:p>
+        </p:txBody>
+      </p:sp>
+      <p:sp>
+        <p:nvSpPr>
+          <p:cNvPr id="4" name="Date Placeholder 3"/>
+          <p:cNvSpPr>
+            <a:spLocks noGrp="1"/>
+          </p:cNvSpPr>
+          <p:nvPr>
+            <p:ph type="dt" sz="half" idx="10"/>
+          </p:nvPr>
+        </p:nvSpPr>
+        <p:spPr/>
+        <p:txBody>
+          <a:bodyPr/>
+          <a:lstStyle/>
+          <a:p>
+            <a:fld id="{3737F87F-7A13-AB4F-816E-A50305B7DDDA}" type="datetimeFigureOut">
+              <a:rPr lang="en-US" smtClean="0"/>
+              <a:t>9/30/18</a:t>
+            </a:fld>
+            <a:endParaRPr lang="en-US" dirty="0"/>
+          </a:p>
+        </p:txBody>
+      </p:sp>
+      <p:sp>
+        <p:nvSpPr>
+          <p:cNvPr id="5" name="Footer Placeholder 4"/>
+          <p:cNvSpPr>
+            <a:spLocks noGrp="1"/>
+          </p:cNvSpPr>
+          <p:nvPr>
+            <p:ph type="ftr" sz="quarter" idx="11"/>
+          </p:nvPr>
+        </p:nvSpPr>
+        <p:spPr/>
+        <p:txBody>
+          <a:bodyPr/>
+          <a:lstStyle/>
+          <a:p>
+            <a:endParaRPr lang="en-US" dirty="0"/>
+          </a:p>
+        </p:txBody>
+      </p:sp>
+      <p:sp>
+        <p:nvSpPr>
+          <p:cNvPr id="6" name="Slide Number Placeholder 5"/>
+          <p:cNvSpPr>
+            <a:spLocks noGrp="1"/>
+          </p:cNvSpPr>
+          <p:nvPr>
+            <p:ph type="sldNum" sz="quarter" idx="12"/>
+          </p:nvPr>
+        </p:nvSpPr>
+        <p:spPr/>
+        <p:txBody>
+          <a:bodyPr/>
+          <a:lstStyle/>
+          <a:p>
+            <a:fld id="{4165CED2-2196-2D46-9A0E-77B7034BF2F8}" type="slidenum">
+              <a:rPr lang="en-US" smtClean="0"/>
+              <a:t>‹#›</a:t>
+            </a:fld>
+            <a:endParaRPr lang="en-US" dirty="0"/>
+          </a:p>
+        </p:txBody>
+      </p:sp>
+      <p:sp>
+        <p:nvSpPr>
+          <p:cNvPr id="7" name="Title 6"/>
+          <p:cNvSpPr>
+            <a:spLocks noGrp="1"/>
+          </p:cNvSpPr>
+          <p:nvPr>
+            <p:ph type="title" hasCustomPrompt="1"/>
+          </p:nvPr>
+        </p:nvSpPr>
+        <p:spPr>
+          <a:xfrm>
+            <a:off x="45527" y="344527"/>
+            <a:ext cx="4193644" cy="487365"/>
+          </a:xfrm>
+          <a:ln w="38100" cmpd="sng">
+            <a:solidFill>
+              <a:srgbClr val="000000"/>
+            </a:solidFill>
+          </a:ln>
+        </p:spPr>
+        <p:txBody>
+          <a:bodyPr>
+            <a:normAutofit/>
+          </a:bodyPr>
+          <a:lstStyle>
+            <a:lvl1pPr algn="l">
+              <a:defRPr sz="2400" baseline="0">
+                <a:latin typeface="Helvetica"/>
+                <a:cs typeface="Helvetica"/>
+              </a:defRPr>
+            </a:lvl1pPr>
+          </a:lstStyle>
+          <a:p>
+            <a:r>
+              <a:rPr lang="en-US" dirty="0" smtClean="0"/>
+              <a:t>Text here</a:t>
+            </a:r>
+            <a:endParaRPr lang="en-US" dirty="0"/>
+          </a:p>
+        </p:txBody>
+      </p:sp>
+      <p:sp>
+        <p:nvSpPr>
+          <p:cNvPr id="8" name="TextBox 7"/>
+          <p:cNvSpPr txBox="1"/>
+          <p:nvPr userDrawn="1"/>
+        </p:nvSpPr>
+        <p:spPr>
+          <a:xfrm>
+            <a:off x="0" y="0"/>
+            <a:ext cx="9144000" cy="307777"/>
+          </a:xfrm>
+          <a:prstGeom prst="rect">
+            <a:avLst/>
+          </a:prstGeom>
+          <a:solidFill>
+            <a:schemeClr val="tx1"/>
+          </a:solidFill>
+          <a:ln>
+            <a:solidFill>
+              <a:schemeClr val="tx1"/>
+            </a:solidFill>
+          </a:ln>
+        </p:spPr>
+        <p:txBody>
+          <a:bodyPr wrap="square" rtlCol="0">
+            <a:spAutoFit/>
+          </a:bodyPr>
+          <a:lstStyle/>
+          <a:p>
+            <a:pPr algn="r"/>
+            <a:r>
+              <a:rPr lang="en-US" sz="1400" dirty="0" smtClean="0">
+                <a:solidFill>
+                  <a:schemeClr val="bg1"/>
+                </a:solidFill>
+              </a:rPr>
+              <a:t>[ Background</a:t>
+            </a:r>
+            <a:r>
+              <a:rPr lang="en-US" sz="1400" baseline="0" dirty="0" smtClean="0">
+                <a:solidFill>
+                  <a:schemeClr val="bg1"/>
+                </a:solidFill>
+              </a:rPr>
+              <a:t> | Chapter I | Chapter II | Chapter III | Chapter IV | Timeline | </a:t>
+            </a:r>
+            <a:r>
+              <a:rPr lang="en-US" sz="1400" baseline="0" dirty="0" smtClean="0">
+                <a:solidFill>
+                  <a:srgbClr val="FFFF00"/>
+                </a:solidFill>
+              </a:rPr>
+              <a:t>Conclusions</a:t>
+            </a:r>
+            <a:r>
+              <a:rPr lang="en-US" sz="1400" baseline="0" dirty="0" smtClean="0">
+                <a:solidFill>
+                  <a:schemeClr val="bg1"/>
+                </a:solidFill>
+              </a:rPr>
+              <a:t> ]</a:t>
+            </a:r>
+            <a:endParaRPr lang="en-US" sz="1400" dirty="0">
+              <a:solidFill>
+                <a:schemeClr val="bg1"/>
+              </a:solidFill>
+            </a:endParaRPr>
+          </a:p>
+        </p:txBody>
+      </p:sp>
+    </p:spTree>
+    <p:extLst>
+      <p:ext uri="{BB962C8B-B14F-4D97-AF65-F5344CB8AC3E}">
+        <p14:creationId xmlns:p14="http://schemas.microsoft.com/office/powerpoint/2010/main" val="2313826188"/>
+      </p:ext>
+    </p:extLst>
+  </p:cSld>
+  <p:clrMapOvr>
+    <a:masterClrMapping/>
+  </p:clrMapOvr>
+</p:sldLayout>
+</file>
+
+<file path=ppt/slideLayouts/slideLayout9.xml><?xml version="1.0" encoding="utf-8"?>
 <p:sldLayout xmlns:a="http://schemas.openxmlformats.org/drawingml/2006/main" xmlns:r="http://schemas.openxmlformats.org/officeDocument/2006/relationships" xmlns:p="http://schemas.openxmlformats.org/presentationml/2006/main" type="secHead" preserve="1">
   <p:cSld name="Section Header">
     <p:spTree>
@@ -1709,7 +5819,7 @@
           <a:p>
             <a:fld id="{3737F87F-7A13-AB4F-816E-A50305B7DDDA}" type="datetimeFigureOut">
               <a:rPr lang="en-US" smtClean="0"/>
-              <a:t>9/27/18</a:t>
+              <a:t>9/30/18</a:t>
             </a:fld>
             <a:endParaRPr lang="en-US"/>
           </a:p>
@@ -1761,1459 +5871,6 @@
     <p:extLst>
       <p:ext uri="{BB962C8B-B14F-4D97-AF65-F5344CB8AC3E}">
         <p14:creationId xmlns:p14="http://schemas.microsoft.com/office/powerpoint/2010/main" val="2148736187"/>
-      </p:ext>
-    </p:extLst>
-  </p:cSld>
-  <p:clrMapOvr>
-    <a:masterClrMapping/>
-  </p:clrMapOvr>
-</p:sldLayout>
-</file>
-
-<file path=ppt/slideLayouts/slideLayout4.xml><?xml version="1.0" encoding="utf-8"?>
-<p:sldLayout xmlns:a="http://schemas.openxmlformats.org/drawingml/2006/main" xmlns:r="http://schemas.openxmlformats.org/officeDocument/2006/relationships" xmlns:p="http://schemas.openxmlformats.org/presentationml/2006/main" type="twoObj" preserve="1">
-  <p:cSld name="Two Content">
-    <p:spTree>
-      <p:nvGrpSpPr>
-        <p:cNvPr id="1" name=""/>
-        <p:cNvGrpSpPr/>
-        <p:nvPr/>
-      </p:nvGrpSpPr>
-      <p:grpSpPr>
-        <a:xfrm>
-          <a:off x="0" y="0"/>
-          <a:ext cx="0" cy="0"/>
-          <a:chOff x="0" y="0"/>
-          <a:chExt cx="0" cy="0"/>
-        </a:xfrm>
-      </p:grpSpPr>
-      <p:sp>
-        <p:nvSpPr>
-          <p:cNvPr id="2" name="Title 1"/>
-          <p:cNvSpPr>
-            <a:spLocks noGrp="1"/>
-          </p:cNvSpPr>
-          <p:nvPr>
-            <p:ph type="title"/>
-          </p:nvPr>
-        </p:nvSpPr>
-        <p:spPr/>
-        <p:txBody>
-          <a:bodyPr/>
-          <a:lstStyle/>
-          <a:p>
-            <a:r>
-              <a:rPr lang="en-US" smtClean="0"/>
-              <a:t>Click to edit Master title style</a:t>
-            </a:r>
-            <a:endParaRPr lang="en-US"/>
-          </a:p>
-        </p:txBody>
-      </p:sp>
-      <p:sp>
-        <p:nvSpPr>
-          <p:cNvPr id="3" name="Content Placeholder 2"/>
-          <p:cNvSpPr>
-            <a:spLocks noGrp="1"/>
-          </p:cNvSpPr>
-          <p:nvPr>
-            <p:ph sz="half" idx="1"/>
-          </p:nvPr>
-        </p:nvSpPr>
-        <p:spPr>
-          <a:xfrm>
-            <a:off x="457200" y="1600200"/>
-            <a:ext cx="4038600" cy="4525963"/>
-          </a:xfrm>
-        </p:spPr>
-        <p:txBody>
-          <a:bodyPr/>
-          <a:lstStyle>
-            <a:lvl1pPr>
-              <a:defRPr sz="2800"/>
-            </a:lvl1pPr>
-            <a:lvl2pPr>
-              <a:defRPr sz="2400"/>
-            </a:lvl2pPr>
-            <a:lvl3pPr>
-              <a:defRPr sz="2000"/>
-            </a:lvl3pPr>
-            <a:lvl4pPr>
-              <a:defRPr sz="1800"/>
-            </a:lvl4pPr>
-            <a:lvl5pPr>
-              <a:defRPr sz="1800"/>
-            </a:lvl5pPr>
-            <a:lvl6pPr>
-              <a:defRPr sz="1800"/>
-            </a:lvl6pPr>
-            <a:lvl7pPr>
-              <a:defRPr sz="1800"/>
-            </a:lvl7pPr>
-            <a:lvl8pPr>
-              <a:defRPr sz="1800"/>
-            </a:lvl8pPr>
-            <a:lvl9pPr>
-              <a:defRPr sz="1800"/>
-            </a:lvl9pPr>
-          </a:lstStyle>
-          <a:p>
-            <a:pPr lvl="0"/>
-            <a:r>
-              <a:rPr lang="en-US" smtClean="0"/>
-              <a:t>Click to edit Master text styles</a:t>
-            </a:r>
-          </a:p>
-          <a:p>
-            <a:pPr lvl="1"/>
-            <a:r>
-              <a:rPr lang="en-US" smtClean="0"/>
-              <a:t>Second level</a:t>
-            </a:r>
-          </a:p>
-          <a:p>
-            <a:pPr lvl="2"/>
-            <a:r>
-              <a:rPr lang="en-US" smtClean="0"/>
-              <a:t>Third level</a:t>
-            </a:r>
-          </a:p>
-          <a:p>
-            <a:pPr lvl="3"/>
-            <a:r>
-              <a:rPr lang="en-US" smtClean="0"/>
-              <a:t>Fourth level</a:t>
-            </a:r>
-          </a:p>
-          <a:p>
-            <a:pPr lvl="4"/>
-            <a:r>
-              <a:rPr lang="en-US" smtClean="0"/>
-              <a:t>Fifth level</a:t>
-            </a:r>
-            <a:endParaRPr lang="en-US"/>
-          </a:p>
-        </p:txBody>
-      </p:sp>
-      <p:sp>
-        <p:nvSpPr>
-          <p:cNvPr id="4" name="Content Placeholder 3"/>
-          <p:cNvSpPr>
-            <a:spLocks noGrp="1"/>
-          </p:cNvSpPr>
-          <p:nvPr>
-            <p:ph sz="half" idx="2"/>
-          </p:nvPr>
-        </p:nvSpPr>
-        <p:spPr>
-          <a:xfrm>
-            <a:off x="4648200" y="1600200"/>
-            <a:ext cx="4038600" cy="4525963"/>
-          </a:xfrm>
-        </p:spPr>
-        <p:txBody>
-          <a:bodyPr/>
-          <a:lstStyle>
-            <a:lvl1pPr>
-              <a:defRPr sz="2800"/>
-            </a:lvl1pPr>
-            <a:lvl2pPr>
-              <a:defRPr sz="2400"/>
-            </a:lvl2pPr>
-            <a:lvl3pPr>
-              <a:defRPr sz="2000"/>
-            </a:lvl3pPr>
-            <a:lvl4pPr>
-              <a:defRPr sz="1800"/>
-            </a:lvl4pPr>
-            <a:lvl5pPr>
-              <a:defRPr sz="1800"/>
-            </a:lvl5pPr>
-            <a:lvl6pPr>
-              <a:defRPr sz="1800"/>
-            </a:lvl6pPr>
-            <a:lvl7pPr>
-              <a:defRPr sz="1800"/>
-            </a:lvl7pPr>
-            <a:lvl8pPr>
-              <a:defRPr sz="1800"/>
-            </a:lvl8pPr>
-            <a:lvl9pPr>
-              <a:defRPr sz="1800"/>
-            </a:lvl9pPr>
-          </a:lstStyle>
-          <a:p>
-            <a:pPr lvl="0"/>
-            <a:r>
-              <a:rPr lang="en-US" smtClean="0"/>
-              <a:t>Click to edit Master text styles</a:t>
-            </a:r>
-          </a:p>
-          <a:p>
-            <a:pPr lvl="1"/>
-            <a:r>
-              <a:rPr lang="en-US" smtClean="0"/>
-              <a:t>Second level</a:t>
-            </a:r>
-          </a:p>
-          <a:p>
-            <a:pPr lvl="2"/>
-            <a:r>
-              <a:rPr lang="en-US" smtClean="0"/>
-              <a:t>Third level</a:t>
-            </a:r>
-          </a:p>
-          <a:p>
-            <a:pPr lvl="3"/>
-            <a:r>
-              <a:rPr lang="en-US" smtClean="0"/>
-              <a:t>Fourth level</a:t>
-            </a:r>
-          </a:p>
-          <a:p>
-            <a:pPr lvl="4"/>
-            <a:r>
-              <a:rPr lang="en-US" smtClean="0"/>
-              <a:t>Fifth level</a:t>
-            </a:r>
-            <a:endParaRPr lang="en-US"/>
-          </a:p>
-        </p:txBody>
-      </p:sp>
-      <p:sp>
-        <p:nvSpPr>
-          <p:cNvPr id="5" name="Date Placeholder 4"/>
-          <p:cNvSpPr>
-            <a:spLocks noGrp="1"/>
-          </p:cNvSpPr>
-          <p:nvPr>
-            <p:ph type="dt" sz="half" idx="10"/>
-          </p:nvPr>
-        </p:nvSpPr>
-        <p:spPr/>
-        <p:txBody>
-          <a:bodyPr/>
-          <a:lstStyle/>
-          <a:p>
-            <a:fld id="{3737F87F-7A13-AB4F-816E-A50305B7DDDA}" type="datetimeFigureOut">
-              <a:rPr lang="en-US" smtClean="0"/>
-              <a:t>9/27/18</a:t>
-            </a:fld>
-            <a:endParaRPr lang="en-US"/>
-          </a:p>
-        </p:txBody>
-      </p:sp>
-      <p:sp>
-        <p:nvSpPr>
-          <p:cNvPr id="6" name="Footer Placeholder 5"/>
-          <p:cNvSpPr>
-            <a:spLocks noGrp="1"/>
-          </p:cNvSpPr>
-          <p:nvPr>
-            <p:ph type="ftr" sz="quarter" idx="11"/>
-          </p:nvPr>
-        </p:nvSpPr>
-        <p:spPr/>
-        <p:txBody>
-          <a:bodyPr/>
-          <a:lstStyle/>
-          <a:p>
-            <a:endParaRPr lang="en-US"/>
-          </a:p>
-        </p:txBody>
-      </p:sp>
-      <p:sp>
-        <p:nvSpPr>
-          <p:cNvPr id="7" name="Slide Number Placeholder 6"/>
-          <p:cNvSpPr>
-            <a:spLocks noGrp="1"/>
-          </p:cNvSpPr>
-          <p:nvPr>
-            <p:ph type="sldNum" sz="quarter" idx="12"/>
-          </p:nvPr>
-        </p:nvSpPr>
-        <p:spPr/>
-        <p:txBody>
-          <a:bodyPr/>
-          <a:lstStyle/>
-          <a:p>
-            <a:fld id="{4165CED2-2196-2D46-9A0E-77B7034BF2F8}" type="slidenum">
-              <a:rPr lang="en-US" smtClean="0"/>
-              <a:t>‹#›</a:t>
-            </a:fld>
-            <a:endParaRPr lang="en-US"/>
-          </a:p>
-        </p:txBody>
-      </p:sp>
-    </p:spTree>
-    <p:extLst>
-      <p:ext uri="{BB962C8B-B14F-4D97-AF65-F5344CB8AC3E}">
-        <p14:creationId xmlns:p14="http://schemas.microsoft.com/office/powerpoint/2010/main" val="736218230"/>
-      </p:ext>
-    </p:extLst>
-  </p:cSld>
-  <p:clrMapOvr>
-    <a:masterClrMapping/>
-  </p:clrMapOvr>
-</p:sldLayout>
-</file>
-
-<file path=ppt/slideLayouts/slideLayout5.xml><?xml version="1.0" encoding="utf-8"?>
-<p:sldLayout xmlns:a="http://schemas.openxmlformats.org/drawingml/2006/main" xmlns:r="http://schemas.openxmlformats.org/officeDocument/2006/relationships" xmlns:p="http://schemas.openxmlformats.org/presentationml/2006/main" type="twoTxTwoObj" preserve="1">
-  <p:cSld name="Comparison">
-    <p:spTree>
-      <p:nvGrpSpPr>
-        <p:cNvPr id="1" name=""/>
-        <p:cNvGrpSpPr/>
-        <p:nvPr/>
-      </p:nvGrpSpPr>
-      <p:grpSpPr>
-        <a:xfrm>
-          <a:off x="0" y="0"/>
-          <a:ext cx="0" cy="0"/>
-          <a:chOff x="0" y="0"/>
-          <a:chExt cx="0" cy="0"/>
-        </a:xfrm>
-      </p:grpSpPr>
-      <p:sp>
-        <p:nvSpPr>
-          <p:cNvPr id="2" name="Title 1"/>
-          <p:cNvSpPr>
-            <a:spLocks noGrp="1"/>
-          </p:cNvSpPr>
-          <p:nvPr>
-            <p:ph type="title"/>
-          </p:nvPr>
-        </p:nvSpPr>
-        <p:spPr/>
-        <p:txBody>
-          <a:bodyPr/>
-          <a:lstStyle>
-            <a:lvl1pPr>
-              <a:defRPr/>
-            </a:lvl1pPr>
-          </a:lstStyle>
-          <a:p>
-            <a:r>
-              <a:rPr lang="en-US" smtClean="0"/>
-              <a:t>Click to edit Master title style</a:t>
-            </a:r>
-            <a:endParaRPr lang="en-US"/>
-          </a:p>
-        </p:txBody>
-      </p:sp>
-      <p:sp>
-        <p:nvSpPr>
-          <p:cNvPr id="3" name="Text Placeholder 2"/>
-          <p:cNvSpPr>
-            <a:spLocks noGrp="1"/>
-          </p:cNvSpPr>
-          <p:nvPr>
-            <p:ph type="body" idx="1"/>
-          </p:nvPr>
-        </p:nvSpPr>
-        <p:spPr>
-          <a:xfrm>
-            <a:off x="457200" y="1535113"/>
-            <a:ext cx="4040188" cy="639762"/>
-          </a:xfrm>
-        </p:spPr>
-        <p:txBody>
-          <a:bodyPr anchor="b"/>
-          <a:lstStyle>
-            <a:lvl1pPr marL="0" indent="0">
-              <a:buNone/>
-              <a:defRPr sz="2400" b="1"/>
-            </a:lvl1pPr>
-            <a:lvl2pPr marL="457200" indent="0">
-              <a:buNone/>
-              <a:defRPr sz="2000" b="1"/>
-            </a:lvl2pPr>
-            <a:lvl3pPr marL="914400" indent="0">
-              <a:buNone/>
-              <a:defRPr sz="1800" b="1"/>
-            </a:lvl3pPr>
-            <a:lvl4pPr marL="1371600" indent="0">
-              <a:buNone/>
-              <a:defRPr sz="1600" b="1"/>
-            </a:lvl4pPr>
-            <a:lvl5pPr marL="1828800" indent="0">
-              <a:buNone/>
-              <a:defRPr sz="1600" b="1"/>
-            </a:lvl5pPr>
-            <a:lvl6pPr marL="2286000" indent="0">
-              <a:buNone/>
-              <a:defRPr sz="1600" b="1"/>
-            </a:lvl6pPr>
-            <a:lvl7pPr marL="2743200" indent="0">
-              <a:buNone/>
-              <a:defRPr sz="1600" b="1"/>
-            </a:lvl7pPr>
-            <a:lvl8pPr marL="3200400" indent="0">
-              <a:buNone/>
-              <a:defRPr sz="1600" b="1"/>
-            </a:lvl8pPr>
-            <a:lvl9pPr marL="3657600" indent="0">
-              <a:buNone/>
-              <a:defRPr sz="1600" b="1"/>
-            </a:lvl9pPr>
-          </a:lstStyle>
-          <a:p>
-            <a:pPr lvl="0"/>
-            <a:r>
-              <a:rPr lang="en-US" smtClean="0"/>
-              <a:t>Click to edit Master text styles</a:t>
-            </a:r>
-          </a:p>
-        </p:txBody>
-      </p:sp>
-      <p:sp>
-        <p:nvSpPr>
-          <p:cNvPr id="4" name="Content Placeholder 3"/>
-          <p:cNvSpPr>
-            <a:spLocks noGrp="1"/>
-          </p:cNvSpPr>
-          <p:nvPr>
-            <p:ph sz="half" idx="2"/>
-          </p:nvPr>
-        </p:nvSpPr>
-        <p:spPr>
-          <a:xfrm>
-            <a:off x="457200" y="2174875"/>
-            <a:ext cx="4040188" cy="3951288"/>
-          </a:xfrm>
-        </p:spPr>
-        <p:txBody>
-          <a:bodyPr/>
-          <a:lstStyle>
-            <a:lvl1pPr>
-              <a:defRPr sz="2400"/>
-            </a:lvl1pPr>
-            <a:lvl2pPr>
-              <a:defRPr sz="2000"/>
-            </a:lvl2pPr>
-            <a:lvl3pPr>
-              <a:defRPr sz="1800"/>
-            </a:lvl3pPr>
-            <a:lvl4pPr>
-              <a:defRPr sz="1600"/>
-            </a:lvl4pPr>
-            <a:lvl5pPr>
-              <a:defRPr sz="1600"/>
-            </a:lvl5pPr>
-            <a:lvl6pPr>
-              <a:defRPr sz="1600"/>
-            </a:lvl6pPr>
-            <a:lvl7pPr>
-              <a:defRPr sz="1600"/>
-            </a:lvl7pPr>
-            <a:lvl8pPr>
-              <a:defRPr sz="1600"/>
-            </a:lvl8pPr>
-            <a:lvl9pPr>
-              <a:defRPr sz="1600"/>
-            </a:lvl9pPr>
-          </a:lstStyle>
-          <a:p>
-            <a:pPr lvl="0"/>
-            <a:r>
-              <a:rPr lang="en-US" smtClean="0"/>
-              <a:t>Click to edit Master text styles</a:t>
-            </a:r>
-          </a:p>
-          <a:p>
-            <a:pPr lvl="1"/>
-            <a:r>
-              <a:rPr lang="en-US" smtClean="0"/>
-              <a:t>Second level</a:t>
-            </a:r>
-          </a:p>
-          <a:p>
-            <a:pPr lvl="2"/>
-            <a:r>
-              <a:rPr lang="en-US" smtClean="0"/>
-              <a:t>Third level</a:t>
-            </a:r>
-          </a:p>
-          <a:p>
-            <a:pPr lvl="3"/>
-            <a:r>
-              <a:rPr lang="en-US" smtClean="0"/>
-              <a:t>Fourth level</a:t>
-            </a:r>
-          </a:p>
-          <a:p>
-            <a:pPr lvl="4"/>
-            <a:r>
-              <a:rPr lang="en-US" smtClean="0"/>
-              <a:t>Fifth level</a:t>
-            </a:r>
-            <a:endParaRPr lang="en-US"/>
-          </a:p>
-        </p:txBody>
-      </p:sp>
-      <p:sp>
-        <p:nvSpPr>
-          <p:cNvPr id="5" name="Text Placeholder 4"/>
-          <p:cNvSpPr>
-            <a:spLocks noGrp="1"/>
-          </p:cNvSpPr>
-          <p:nvPr>
-            <p:ph type="body" sz="quarter" idx="3"/>
-          </p:nvPr>
-        </p:nvSpPr>
-        <p:spPr>
-          <a:xfrm>
-            <a:off x="4645025" y="1535113"/>
-            <a:ext cx="4041775" cy="639762"/>
-          </a:xfrm>
-        </p:spPr>
-        <p:txBody>
-          <a:bodyPr anchor="b"/>
-          <a:lstStyle>
-            <a:lvl1pPr marL="0" indent="0">
-              <a:buNone/>
-              <a:defRPr sz="2400" b="1"/>
-            </a:lvl1pPr>
-            <a:lvl2pPr marL="457200" indent="0">
-              <a:buNone/>
-              <a:defRPr sz="2000" b="1"/>
-            </a:lvl2pPr>
-            <a:lvl3pPr marL="914400" indent="0">
-              <a:buNone/>
-              <a:defRPr sz="1800" b="1"/>
-            </a:lvl3pPr>
-            <a:lvl4pPr marL="1371600" indent="0">
-              <a:buNone/>
-              <a:defRPr sz="1600" b="1"/>
-            </a:lvl4pPr>
-            <a:lvl5pPr marL="1828800" indent="0">
-              <a:buNone/>
-              <a:defRPr sz="1600" b="1"/>
-            </a:lvl5pPr>
-            <a:lvl6pPr marL="2286000" indent="0">
-              <a:buNone/>
-              <a:defRPr sz="1600" b="1"/>
-            </a:lvl6pPr>
-            <a:lvl7pPr marL="2743200" indent="0">
-              <a:buNone/>
-              <a:defRPr sz="1600" b="1"/>
-            </a:lvl7pPr>
-            <a:lvl8pPr marL="3200400" indent="0">
-              <a:buNone/>
-              <a:defRPr sz="1600" b="1"/>
-            </a:lvl8pPr>
-            <a:lvl9pPr marL="3657600" indent="0">
-              <a:buNone/>
-              <a:defRPr sz="1600" b="1"/>
-            </a:lvl9pPr>
-          </a:lstStyle>
-          <a:p>
-            <a:pPr lvl="0"/>
-            <a:r>
-              <a:rPr lang="en-US" smtClean="0"/>
-              <a:t>Click to edit Master text styles</a:t>
-            </a:r>
-          </a:p>
-        </p:txBody>
-      </p:sp>
-      <p:sp>
-        <p:nvSpPr>
-          <p:cNvPr id="6" name="Content Placeholder 5"/>
-          <p:cNvSpPr>
-            <a:spLocks noGrp="1"/>
-          </p:cNvSpPr>
-          <p:nvPr>
-            <p:ph sz="quarter" idx="4"/>
-          </p:nvPr>
-        </p:nvSpPr>
-        <p:spPr>
-          <a:xfrm>
-            <a:off x="4645025" y="2174875"/>
-            <a:ext cx="4041775" cy="3951288"/>
-          </a:xfrm>
-        </p:spPr>
-        <p:txBody>
-          <a:bodyPr/>
-          <a:lstStyle>
-            <a:lvl1pPr>
-              <a:defRPr sz="2400"/>
-            </a:lvl1pPr>
-            <a:lvl2pPr>
-              <a:defRPr sz="2000"/>
-            </a:lvl2pPr>
-            <a:lvl3pPr>
-              <a:defRPr sz="1800"/>
-            </a:lvl3pPr>
-            <a:lvl4pPr>
-              <a:defRPr sz="1600"/>
-            </a:lvl4pPr>
-            <a:lvl5pPr>
-              <a:defRPr sz="1600"/>
-            </a:lvl5pPr>
-            <a:lvl6pPr>
-              <a:defRPr sz="1600"/>
-            </a:lvl6pPr>
-            <a:lvl7pPr>
-              <a:defRPr sz="1600"/>
-            </a:lvl7pPr>
-            <a:lvl8pPr>
-              <a:defRPr sz="1600"/>
-            </a:lvl8pPr>
-            <a:lvl9pPr>
-              <a:defRPr sz="1600"/>
-            </a:lvl9pPr>
-          </a:lstStyle>
-          <a:p>
-            <a:pPr lvl="0"/>
-            <a:r>
-              <a:rPr lang="en-US" smtClean="0"/>
-              <a:t>Click to edit Master text styles</a:t>
-            </a:r>
-          </a:p>
-          <a:p>
-            <a:pPr lvl="1"/>
-            <a:r>
-              <a:rPr lang="en-US" smtClean="0"/>
-              <a:t>Second level</a:t>
-            </a:r>
-          </a:p>
-          <a:p>
-            <a:pPr lvl="2"/>
-            <a:r>
-              <a:rPr lang="en-US" smtClean="0"/>
-              <a:t>Third level</a:t>
-            </a:r>
-          </a:p>
-          <a:p>
-            <a:pPr lvl="3"/>
-            <a:r>
-              <a:rPr lang="en-US" smtClean="0"/>
-              <a:t>Fourth level</a:t>
-            </a:r>
-          </a:p>
-          <a:p>
-            <a:pPr lvl="4"/>
-            <a:r>
-              <a:rPr lang="en-US" smtClean="0"/>
-              <a:t>Fifth level</a:t>
-            </a:r>
-            <a:endParaRPr lang="en-US"/>
-          </a:p>
-        </p:txBody>
-      </p:sp>
-      <p:sp>
-        <p:nvSpPr>
-          <p:cNvPr id="7" name="Date Placeholder 6"/>
-          <p:cNvSpPr>
-            <a:spLocks noGrp="1"/>
-          </p:cNvSpPr>
-          <p:nvPr>
-            <p:ph type="dt" sz="half" idx="10"/>
-          </p:nvPr>
-        </p:nvSpPr>
-        <p:spPr/>
-        <p:txBody>
-          <a:bodyPr/>
-          <a:lstStyle/>
-          <a:p>
-            <a:fld id="{3737F87F-7A13-AB4F-816E-A50305B7DDDA}" type="datetimeFigureOut">
-              <a:rPr lang="en-US" smtClean="0"/>
-              <a:t>9/27/18</a:t>
-            </a:fld>
-            <a:endParaRPr lang="en-US"/>
-          </a:p>
-        </p:txBody>
-      </p:sp>
-      <p:sp>
-        <p:nvSpPr>
-          <p:cNvPr id="8" name="Footer Placeholder 7"/>
-          <p:cNvSpPr>
-            <a:spLocks noGrp="1"/>
-          </p:cNvSpPr>
-          <p:nvPr>
-            <p:ph type="ftr" sz="quarter" idx="11"/>
-          </p:nvPr>
-        </p:nvSpPr>
-        <p:spPr/>
-        <p:txBody>
-          <a:bodyPr/>
-          <a:lstStyle/>
-          <a:p>
-            <a:endParaRPr lang="en-US"/>
-          </a:p>
-        </p:txBody>
-      </p:sp>
-      <p:sp>
-        <p:nvSpPr>
-          <p:cNvPr id="9" name="Slide Number Placeholder 8"/>
-          <p:cNvSpPr>
-            <a:spLocks noGrp="1"/>
-          </p:cNvSpPr>
-          <p:nvPr>
-            <p:ph type="sldNum" sz="quarter" idx="12"/>
-          </p:nvPr>
-        </p:nvSpPr>
-        <p:spPr/>
-        <p:txBody>
-          <a:bodyPr/>
-          <a:lstStyle/>
-          <a:p>
-            <a:fld id="{4165CED2-2196-2D46-9A0E-77B7034BF2F8}" type="slidenum">
-              <a:rPr lang="en-US" smtClean="0"/>
-              <a:t>‹#›</a:t>
-            </a:fld>
-            <a:endParaRPr lang="en-US"/>
-          </a:p>
-        </p:txBody>
-      </p:sp>
-    </p:spTree>
-    <p:extLst>
-      <p:ext uri="{BB962C8B-B14F-4D97-AF65-F5344CB8AC3E}">
-        <p14:creationId xmlns:p14="http://schemas.microsoft.com/office/powerpoint/2010/main" val="2175358744"/>
-      </p:ext>
-    </p:extLst>
-  </p:cSld>
-  <p:clrMapOvr>
-    <a:masterClrMapping/>
-  </p:clrMapOvr>
-</p:sldLayout>
-</file>
-
-<file path=ppt/slideLayouts/slideLayout6.xml><?xml version="1.0" encoding="utf-8"?>
-<p:sldLayout xmlns:a="http://schemas.openxmlformats.org/drawingml/2006/main" xmlns:r="http://schemas.openxmlformats.org/officeDocument/2006/relationships" xmlns:p="http://schemas.openxmlformats.org/presentationml/2006/main" type="titleOnly" preserve="1">
-  <p:cSld name="Title Only">
-    <p:spTree>
-      <p:nvGrpSpPr>
-        <p:cNvPr id="1" name=""/>
-        <p:cNvGrpSpPr/>
-        <p:nvPr/>
-      </p:nvGrpSpPr>
-      <p:grpSpPr>
-        <a:xfrm>
-          <a:off x="0" y="0"/>
-          <a:ext cx="0" cy="0"/>
-          <a:chOff x="0" y="0"/>
-          <a:chExt cx="0" cy="0"/>
-        </a:xfrm>
-      </p:grpSpPr>
-      <p:sp>
-        <p:nvSpPr>
-          <p:cNvPr id="2" name="Title 1"/>
-          <p:cNvSpPr>
-            <a:spLocks noGrp="1"/>
-          </p:cNvSpPr>
-          <p:nvPr>
-            <p:ph type="title"/>
-          </p:nvPr>
-        </p:nvSpPr>
-        <p:spPr/>
-        <p:txBody>
-          <a:bodyPr/>
-          <a:lstStyle/>
-          <a:p>
-            <a:r>
-              <a:rPr lang="en-US" smtClean="0"/>
-              <a:t>Click to edit Master title style</a:t>
-            </a:r>
-            <a:endParaRPr lang="en-US"/>
-          </a:p>
-        </p:txBody>
-      </p:sp>
-      <p:sp>
-        <p:nvSpPr>
-          <p:cNvPr id="3" name="Date Placeholder 2"/>
-          <p:cNvSpPr>
-            <a:spLocks noGrp="1"/>
-          </p:cNvSpPr>
-          <p:nvPr>
-            <p:ph type="dt" sz="half" idx="10"/>
-          </p:nvPr>
-        </p:nvSpPr>
-        <p:spPr/>
-        <p:txBody>
-          <a:bodyPr/>
-          <a:lstStyle/>
-          <a:p>
-            <a:fld id="{3737F87F-7A13-AB4F-816E-A50305B7DDDA}" type="datetimeFigureOut">
-              <a:rPr lang="en-US" smtClean="0"/>
-              <a:t>9/27/18</a:t>
-            </a:fld>
-            <a:endParaRPr lang="en-US"/>
-          </a:p>
-        </p:txBody>
-      </p:sp>
-      <p:sp>
-        <p:nvSpPr>
-          <p:cNvPr id="4" name="Footer Placeholder 3"/>
-          <p:cNvSpPr>
-            <a:spLocks noGrp="1"/>
-          </p:cNvSpPr>
-          <p:nvPr>
-            <p:ph type="ftr" sz="quarter" idx="11"/>
-          </p:nvPr>
-        </p:nvSpPr>
-        <p:spPr/>
-        <p:txBody>
-          <a:bodyPr/>
-          <a:lstStyle/>
-          <a:p>
-            <a:endParaRPr lang="en-US"/>
-          </a:p>
-        </p:txBody>
-      </p:sp>
-      <p:sp>
-        <p:nvSpPr>
-          <p:cNvPr id="5" name="Slide Number Placeholder 4"/>
-          <p:cNvSpPr>
-            <a:spLocks noGrp="1"/>
-          </p:cNvSpPr>
-          <p:nvPr>
-            <p:ph type="sldNum" sz="quarter" idx="12"/>
-          </p:nvPr>
-        </p:nvSpPr>
-        <p:spPr/>
-        <p:txBody>
-          <a:bodyPr/>
-          <a:lstStyle/>
-          <a:p>
-            <a:fld id="{4165CED2-2196-2D46-9A0E-77B7034BF2F8}" type="slidenum">
-              <a:rPr lang="en-US" smtClean="0"/>
-              <a:t>‹#›</a:t>
-            </a:fld>
-            <a:endParaRPr lang="en-US"/>
-          </a:p>
-        </p:txBody>
-      </p:sp>
-    </p:spTree>
-    <p:extLst>
-      <p:ext uri="{BB962C8B-B14F-4D97-AF65-F5344CB8AC3E}">
-        <p14:creationId xmlns:p14="http://schemas.microsoft.com/office/powerpoint/2010/main" val="78212547"/>
-      </p:ext>
-    </p:extLst>
-  </p:cSld>
-  <p:clrMapOvr>
-    <a:masterClrMapping/>
-  </p:clrMapOvr>
-</p:sldLayout>
-</file>
-
-<file path=ppt/slideLayouts/slideLayout7.xml><?xml version="1.0" encoding="utf-8"?>
-<p:sldLayout xmlns:a="http://schemas.openxmlformats.org/drawingml/2006/main" xmlns:r="http://schemas.openxmlformats.org/officeDocument/2006/relationships" xmlns:p="http://schemas.openxmlformats.org/presentationml/2006/main" type="blank" preserve="1">
-  <p:cSld name="Blank">
-    <p:spTree>
-      <p:nvGrpSpPr>
-        <p:cNvPr id="1" name=""/>
-        <p:cNvGrpSpPr/>
-        <p:nvPr/>
-      </p:nvGrpSpPr>
-      <p:grpSpPr>
-        <a:xfrm>
-          <a:off x="0" y="0"/>
-          <a:ext cx="0" cy="0"/>
-          <a:chOff x="0" y="0"/>
-          <a:chExt cx="0" cy="0"/>
-        </a:xfrm>
-      </p:grpSpPr>
-      <p:sp>
-        <p:nvSpPr>
-          <p:cNvPr id="2" name="Date Placeholder 1"/>
-          <p:cNvSpPr>
-            <a:spLocks noGrp="1"/>
-          </p:cNvSpPr>
-          <p:nvPr>
-            <p:ph type="dt" sz="half" idx="10"/>
-          </p:nvPr>
-        </p:nvSpPr>
-        <p:spPr/>
-        <p:txBody>
-          <a:bodyPr/>
-          <a:lstStyle/>
-          <a:p>
-            <a:fld id="{3737F87F-7A13-AB4F-816E-A50305B7DDDA}" type="datetimeFigureOut">
-              <a:rPr lang="en-US" smtClean="0"/>
-              <a:t>9/27/18</a:t>
-            </a:fld>
-            <a:endParaRPr lang="en-US"/>
-          </a:p>
-        </p:txBody>
-      </p:sp>
-      <p:sp>
-        <p:nvSpPr>
-          <p:cNvPr id="3" name="Footer Placeholder 2"/>
-          <p:cNvSpPr>
-            <a:spLocks noGrp="1"/>
-          </p:cNvSpPr>
-          <p:nvPr>
-            <p:ph type="ftr" sz="quarter" idx="11"/>
-          </p:nvPr>
-        </p:nvSpPr>
-        <p:spPr/>
-        <p:txBody>
-          <a:bodyPr/>
-          <a:lstStyle/>
-          <a:p>
-            <a:endParaRPr lang="en-US"/>
-          </a:p>
-        </p:txBody>
-      </p:sp>
-      <p:sp>
-        <p:nvSpPr>
-          <p:cNvPr id="4" name="Slide Number Placeholder 3"/>
-          <p:cNvSpPr>
-            <a:spLocks noGrp="1"/>
-          </p:cNvSpPr>
-          <p:nvPr>
-            <p:ph type="sldNum" sz="quarter" idx="12"/>
-          </p:nvPr>
-        </p:nvSpPr>
-        <p:spPr/>
-        <p:txBody>
-          <a:bodyPr/>
-          <a:lstStyle/>
-          <a:p>
-            <a:fld id="{4165CED2-2196-2D46-9A0E-77B7034BF2F8}" type="slidenum">
-              <a:rPr lang="en-US" smtClean="0"/>
-              <a:t>‹#›</a:t>
-            </a:fld>
-            <a:endParaRPr lang="en-US"/>
-          </a:p>
-        </p:txBody>
-      </p:sp>
-    </p:spTree>
-    <p:extLst>
-      <p:ext uri="{BB962C8B-B14F-4D97-AF65-F5344CB8AC3E}">
-        <p14:creationId xmlns:p14="http://schemas.microsoft.com/office/powerpoint/2010/main" val="3634164999"/>
-      </p:ext>
-    </p:extLst>
-  </p:cSld>
-  <p:clrMapOvr>
-    <a:masterClrMapping/>
-  </p:clrMapOvr>
-</p:sldLayout>
-</file>
-
-<file path=ppt/slideLayouts/slideLayout8.xml><?xml version="1.0" encoding="utf-8"?>
-<p:sldLayout xmlns:a="http://schemas.openxmlformats.org/drawingml/2006/main" xmlns:r="http://schemas.openxmlformats.org/officeDocument/2006/relationships" xmlns:p="http://schemas.openxmlformats.org/presentationml/2006/main" type="objTx" preserve="1">
-  <p:cSld name="Content with Caption">
-    <p:spTree>
-      <p:nvGrpSpPr>
-        <p:cNvPr id="1" name=""/>
-        <p:cNvGrpSpPr/>
-        <p:nvPr/>
-      </p:nvGrpSpPr>
-      <p:grpSpPr>
-        <a:xfrm>
-          <a:off x="0" y="0"/>
-          <a:ext cx="0" cy="0"/>
-          <a:chOff x="0" y="0"/>
-          <a:chExt cx="0" cy="0"/>
-        </a:xfrm>
-      </p:grpSpPr>
-      <p:sp>
-        <p:nvSpPr>
-          <p:cNvPr id="2" name="Title 1"/>
-          <p:cNvSpPr>
-            <a:spLocks noGrp="1"/>
-          </p:cNvSpPr>
-          <p:nvPr>
-            <p:ph type="title"/>
-          </p:nvPr>
-        </p:nvSpPr>
-        <p:spPr>
-          <a:xfrm>
-            <a:off x="457200" y="273050"/>
-            <a:ext cx="3008313" cy="1162050"/>
-          </a:xfrm>
-        </p:spPr>
-        <p:txBody>
-          <a:bodyPr anchor="b"/>
-          <a:lstStyle>
-            <a:lvl1pPr algn="l">
-              <a:defRPr sz="2000" b="1"/>
-            </a:lvl1pPr>
-          </a:lstStyle>
-          <a:p>
-            <a:r>
-              <a:rPr lang="en-US" smtClean="0"/>
-              <a:t>Click to edit Master title style</a:t>
-            </a:r>
-            <a:endParaRPr lang="en-US"/>
-          </a:p>
-        </p:txBody>
-      </p:sp>
-      <p:sp>
-        <p:nvSpPr>
-          <p:cNvPr id="3" name="Content Placeholder 2"/>
-          <p:cNvSpPr>
-            <a:spLocks noGrp="1"/>
-          </p:cNvSpPr>
-          <p:nvPr>
-            <p:ph idx="1"/>
-          </p:nvPr>
-        </p:nvSpPr>
-        <p:spPr>
-          <a:xfrm>
-            <a:off x="3575050" y="273050"/>
-            <a:ext cx="5111750" cy="5853113"/>
-          </a:xfrm>
-        </p:spPr>
-        <p:txBody>
-          <a:bodyPr/>
-          <a:lstStyle>
-            <a:lvl1pPr>
-              <a:defRPr sz="3200"/>
-            </a:lvl1pPr>
-            <a:lvl2pPr>
-              <a:defRPr sz="2800"/>
-            </a:lvl2pPr>
-            <a:lvl3pPr>
-              <a:defRPr sz="2400"/>
-            </a:lvl3pPr>
-            <a:lvl4pPr>
-              <a:defRPr sz="2000"/>
-            </a:lvl4pPr>
-            <a:lvl5pPr>
-              <a:defRPr sz="2000"/>
-            </a:lvl5pPr>
-            <a:lvl6pPr>
-              <a:defRPr sz="2000"/>
-            </a:lvl6pPr>
-            <a:lvl7pPr>
-              <a:defRPr sz="2000"/>
-            </a:lvl7pPr>
-            <a:lvl8pPr>
-              <a:defRPr sz="2000"/>
-            </a:lvl8pPr>
-            <a:lvl9pPr>
-              <a:defRPr sz="2000"/>
-            </a:lvl9pPr>
-          </a:lstStyle>
-          <a:p>
-            <a:pPr lvl="0"/>
-            <a:r>
-              <a:rPr lang="en-US" smtClean="0"/>
-              <a:t>Click to edit Master text styles</a:t>
-            </a:r>
-          </a:p>
-          <a:p>
-            <a:pPr lvl="1"/>
-            <a:r>
-              <a:rPr lang="en-US" smtClean="0"/>
-              <a:t>Second level</a:t>
-            </a:r>
-          </a:p>
-          <a:p>
-            <a:pPr lvl="2"/>
-            <a:r>
-              <a:rPr lang="en-US" smtClean="0"/>
-              <a:t>Third level</a:t>
-            </a:r>
-          </a:p>
-          <a:p>
-            <a:pPr lvl="3"/>
-            <a:r>
-              <a:rPr lang="en-US" smtClean="0"/>
-              <a:t>Fourth level</a:t>
-            </a:r>
-          </a:p>
-          <a:p>
-            <a:pPr lvl="4"/>
-            <a:r>
-              <a:rPr lang="en-US" smtClean="0"/>
-              <a:t>Fifth level</a:t>
-            </a:r>
-            <a:endParaRPr lang="en-US"/>
-          </a:p>
-        </p:txBody>
-      </p:sp>
-      <p:sp>
-        <p:nvSpPr>
-          <p:cNvPr id="4" name="Text Placeholder 3"/>
-          <p:cNvSpPr>
-            <a:spLocks noGrp="1"/>
-          </p:cNvSpPr>
-          <p:nvPr>
-            <p:ph type="body" sz="half" idx="2"/>
-          </p:nvPr>
-        </p:nvSpPr>
-        <p:spPr>
-          <a:xfrm>
-            <a:off x="457200" y="1435100"/>
-            <a:ext cx="3008313" cy="4691063"/>
-          </a:xfrm>
-        </p:spPr>
-        <p:txBody>
-          <a:bodyPr/>
-          <a:lstStyle>
-            <a:lvl1pPr marL="0" indent="0">
-              <a:buNone/>
-              <a:defRPr sz="1400"/>
-            </a:lvl1pPr>
-            <a:lvl2pPr marL="457200" indent="0">
-              <a:buNone/>
-              <a:defRPr sz="1200"/>
-            </a:lvl2pPr>
-            <a:lvl3pPr marL="914400" indent="0">
-              <a:buNone/>
-              <a:defRPr sz="1000"/>
-            </a:lvl3pPr>
-            <a:lvl4pPr marL="1371600" indent="0">
-              <a:buNone/>
-              <a:defRPr sz="900"/>
-            </a:lvl4pPr>
-            <a:lvl5pPr marL="1828800" indent="0">
-              <a:buNone/>
-              <a:defRPr sz="900"/>
-            </a:lvl5pPr>
-            <a:lvl6pPr marL="2286000" indent="0">
-              <a:buNone/>
-              <a:defRPr sz="900"/>
-            </a:lvl6pPr>
-            <a:lvl7pPr marL="2743200" indent="0">
-              <a:buNone/>
-              <a:defRPr sz="900"/>
-            </a:lvl7pPr>
-            <a:lvl8pPr marL="3200400" indent="0">
-              <a:buNone/>
-              <a:defRPr sz="900"/>
-            </a:lvl8pPr>
-            <a:lvl9pPr marL="3657600" indent="0">
-              <a:buNone/>
-              <a:defRPr sz="900"/>
-            </a:lvl9pPr>
-          </a:lstStyle>
-          <a:p>
-            <a:pPr lvl="0"/>
-            <a:r>
-              <a:rPr lang="en-US" smtClean="0"/>
-              <a:t>Click to edit Master text styles</a:t>
-            </a:r>
-          </a:p>
-        </p:txBody>
-      </p:sp>
-      <p:sp>
-        <p:nvSpPr>
-          <p:cNvPr id="5" name="Date Placeholder 4"/>
-          <p:cNvSpPr>
-            <a:spLocks noGrp="1"/>
-          </p:cNvSpPr>
-          <p:nvPr>
-            <p:ph type="dt" sz="half" idx="10"/>
-          </p:nvPr>
-        </p:nvSpPr>
-        <p:spPr/>
-        <p:txBody>
-          <a:bodyPr/>
-          <a:lstStyle/>
-          <a:p>
-            <a:fld id="{3737F87F-7A13-AB4F-816E-A50305B7DDDA}" type="datetimeFigureOut">
-              <a:rPr lang="en-US" smtClean="0"/>
-              <a:t>9/27/18</a:t>
-            </a:fld>
-            <a:endParaRPr lang="en-US"/>
-          </a:p>
-        </p:txBody>
-      </p:sp>
-      <p:sp>
-        <p:nvSpPr>
-          <p:cNvPr id="6" name="Footer Placeholder 5"/>
-          <p:cNvSpPr>
-            <a:spLocks noGrp="1"/>
-          </p:cNvSpPr>
-          <p:nvPr>
-            <p:ph type="ftr" sz="quarter" idx="11"/>
-          </p:nvPr>
-        </p:nvSpPr>
-        <p:spPr/>
-        <p:txBody>
-          <a:bodyPr/>
-          <a:lstStyle/>
-          <a:p>
-            <a:endParaRPr lang="en-US"/>
-          </a:p>
-        </p:txBody>
-      </p:sp>
-      <p:sp>
-        <p:nvSpPr>
-          <p:cNvPr id="7" name="Slide Number Placeholder 6"/>
-          <p:cNvSpPr>
-            <a:spLocks noGrp="1"/>
-          </p:cNvSpPr>
-          <p:nvPr>
-            <p:ph type="sldNum" sz="quarter" idx="12"/>
-          </p:nvPr>
-        </p:nvSpPr>
-        <p:spPr/>
-        <p:txBody>
-          <a:bodyPr/>
-          <a:lstStyle/>
-          <a:p>
-            <a:fld id="{4165CED2-2196-2D46-9A0E-77B7034BF2F8}" type="slidenum">
-              <a:rPr lang="en-US" smtClean="0"/>
-              <a:t>‹#›</a:t>
-            </a:fld>
-            <a:endParaRPr lang="en-US"/>
-          </a:p>
-        </p:txBody>
-      </p:sp>
-    </p:spTree>
-    <p:extLst>
-      <p:ext uri="{BB962C8B-B14F-4D97-AF65-F5344CB8AC3E}">
-        <p14:creationId xmlns:p14="http://schemas.microsoft.com/office/powerpoint/2010/main" val="2867268851"/>
-      </p:ext>
-    </p:extLst>
-  </p:cSld>
-  <p:clrMapOvr>
-    <a:masterClrMapping/>
-  </p:clrMapOvr>
-</p:sldLayout>
-</file>
-
-<file path=ppt/slideLayouts/slideLayout9.xml><?xml version="1.0" encoding="utf-8"?>
-<p:sldLayout xmlns:a="http://schemas.openxmlformats.org/drawingml/2006/main" xmlns:r="http://schemas.openxmlformats.org/officeDocument/2006/relationships" xmlns:p="http://schemas.openxmlformats.org/presentationml/2006/main" type="picTx" preserve="1">
-  <p:cSld name="Picture with Caption">
-    <p:spTree>
-      <p:nvGrpSpPr>
-        <p:cNvPr id="1" name=""/>
-        <p:cNvGrpSpPr/>
-        <p:nvPr/>
-      </p:nvGrpSpPr>
-      <p:grpSpPr>
-        <a:xfrm>
-          <a:off x="0" y="0"/>
-          <a:ext cx="0" cy="0"/>
-          <a:chOff x="0" y="0"/>
-          <a:chExt cx="0" cy="0"/>
-        </a:xfrm>
-      </p:grpSpPr>
-      <p:sp>
-        <p:nvSpPr>
-          <p:cNvPr id="2" name="Title 1"/>
-          <p:cNvSpPr>
-            <a:spLocks noGrp="1"/>
-          </p:cNvSpPr>
-          <p:nvPr>
-            <p:ph type="title"/>
-          </p:nvPr>
-        </p:nvSpPr>
-        <p:spPr>
-          <a:xfrm>
-            <a:off x="1792288" y="4800600"/>
-            <a:ext cx="5486400" cy="566738"/>
-          </a:xfrm>
-        </p:spPr>
-        <p:txBody>
-          <a:bodyPr anchor="b"/>
-          <a:lstStyle>
-            <a:lvl1pPr algn="l">
-              <a:defRPr sz="2000" b="1"/>
-            </a:lvl1pPr>
-          </a:lstStyle>
-          <a:p>
-            <a:r>
-              <a:rPr lang="en-US" smtClean="0"/>
-              <a:t>Click to edit Master title style</a:t>
-            </a:r>
-            <a:endParaRPr lang="en-US"/>
-          </a:p>
-        </p:txBody>
-      </p:sp>
-      <p:sp>
-        <p:nvSpPr>
-          <p:cNvPr id="3" name="Picture Placeholder 2"/>
-          <p:cNvSpPr>
-            <a:spLocks noGrp="1"/>
-          </p:cNvSpPr>
-          <p:nvPr>
-            <p:ph type="pic" idx="1"/>
-          </p:nvPr>
-        </p:nvSpPr>
-        <p:spPr>
-          <a:xfrm>
-            <a:off x="1792288" y="612775"/>
-            <a:ext cx="5486400" cy="4114800"/>
-          </a:xfrm>
-        </p:spPr>
-        <p:txBody>
-          <a:bodyPr/>
-          <a:lstStyle>
-            <a:lvl1pPr marL="0" indent="0">
-              <a:buNone/>
-              <a:defRPr sz="3200"/>
-            </a:lvl1pPr>
-            <a:lvl2pPr marL="457200" indent="0">
-              <a:buNone/>
-              <a:defRPr sz="2800"/>
-            </a:lvl2pPr>
-            <a:lvl3pPr marL="914400" indent="0">
-              <a:buNone/>
-              <a:defRPr sz="2400"/>
-            </a:lvl3pPr>
-            <a:lvl4pPr marL="1371600" indent="0">
-              <a:buNone/>
-              <a:defRPr sz="2000"/>
-            </a:lvl4pPr>
-            <a:lvl5pPr marL="1828800" indent="0">
-              <a:buNone/>
-              <a:defRPr sz="2000"/>
-            </a:lvl5pPr>
-            <a:lvl6pPr marL="2286000" indent="0">
-              <a:buNone/>
-              <a:defRPr sz="2000"/>
-            </a:lvl6pPr>
-            <a:lvl7pPr marL="2743200" indent="0">
-              <a:buNone/>
-              <a:defRPr sz="2000"/>
-            </a:lvl7pPr>
-            <a:lvl8pPr marL="3200400" indent="0">
-              <a:buNone/>
-              <a:defRPr sz="2000"/>
-            </a:lvl8pPr>
-            <a:lvl9pPr marL="3657600" indent="0">
-              <a:buNone/>
-              <a:defRPr sz="2000"/>
-            </a:lvl9pPr>
-          </a:lstStyle>
-          <a:p>
-            <a:endParaRPr lang="en-US"/>
-          </a:p>
-        </p:txBody>
-      </p:sp>
-      <p:sp>
-        <p:nvSpPr>
-          <p:cNvPr id="4" name="Text Placeholder 3"/>
-          <p:cNvSpPr>
-            <a:spLocks noGrp="1"/>
-          </p:cNvSpPr>
-          <p:nvPr>
-            <p:ph type="body" sz="half" idx="2"/>
-          </p:nvPr>
-        </p:nvSpPr>
-        <p:spPr>
-          <a:xfrm>
-            <a:off x="1792288" y="5367338"/>
-            <a:ext cx="5486400" cy="804862"/>
-          </a:xfrm>
-        </p:spPr>
-        <p:txBody>
-          <a:bodyPr/>
-          <a:lstStyle>
-            <a:lvl1pPr marL="0" indent="0">
-              <a:buNone/>
-              <a:defRPr sz="1400"/>
-            </a:lvl1pPr>
-            <a:lvl2pPr marL="457200" indent="0">
-              <a:buNone/>
-              <a:defRPr sz="1200"/>
-            </a:lvl2pPr>
-            <a:lvl3pPr marL="914400" indent="0">
-              <a:buNone/>
-              <a:defRPr sz="1000"/>
-            </a:lvl3pPr>
-            <a:lvl4pPr marL="1371600" indent="0">
-              <a:buNone/>
-              <a:defRPr sz="900"/>
-            </a:lvl4pPr>
-            <a:lvl5pPr marL="1828800" indent="0">
-              <a:buNone/>
-              <a:defRPr sz="900"/>
-            </a:lvl5pPr>
-            <a:lvl6pPr marL="2286000" indent="0">
-              <a:buNone/>
-              <a:defRPr sz="900"/>
-            </a:lvl6pPr>
-            <a:lvl7pPr marL="2743200" indent="0">
-              <a:buNone/>
-              <a:defRPr sz="900"/>
-            </a:lvl7pPr>
-            <a:lvl8pPr marL="3200400" indent="0">
-              <a:buNone/>
-              <a:defRPr sz="900"/>
-            </a:lvl8pPr>
-            <a:lvl9pPr marL="3657600" indent="0">
-              <a:buNone/>
-              <a:defRPr sz="900"/>
-            </a:lvl9pPr>
-          </a:lstStyle>
-          <a:p>
-            <a:pPr lvl="0"/>
-            <a:r>
-              <a:rPr lang="en-US" smtClean="0"/>
-              <a:t>Click to edit Master text styles</a:t>
-            </a:r>
-          </a:p>
-        </p:txBody>
-      </p:sp>
-      <p:sp>
-        <p:nvSpPr>
-          <p:cNvPr id="5" name="Date Placeholder 4"/>
-          <p:cNvSpPr>
-            <a:spLocks noGrp="1"/>
-          </p:cNvSpPr>
-          <p:nvPr>
-            <p:ph type="dt" sz="half" idx="10"/>
-          </p:nvPr>
-        </p:nvSpPr>
-        <p:spPr/>
-        <p:txBody>
-          <a:bodyPr/>
-          <a:lstStyle/>
-          <a:p>
-            <a:fld id="{3737F87F-7A13-AB4F-816E-A50305B7DDDA}" type="datetimeFigureOut">
-              <a:rPr lang="en-US" smtClean="0"/>
-              <a:t>9/27/18</a:t>
-            </a:fld>
-            <a:endParaRPr lang="en-US"/>
-          </a:p>
-        </p:txBody>
-      </p:sp>
-      <p:sp>
-        <p:nvSpPr>
-          <p:cNvPr id="6" name="Footer Placeholder 5"/>
-          <p:cNvSpPr>
-            <a:spLocks noGrp="1"/>
-          </p:cNvSpPr>
-          <p:nvPr>
-            <p:ph type="ftr" sz="quarter" idx="11"/>
-          </p:nvPr>
-        </p:nvSpPr>
-        <p:spPr/>
-        <p:txBody>
-          <a:bodyPr/>
-          <a:lstStyle/>
-          <a:p>
-            <a:endParaRPr lang="en-US"/>
-          </a:p>
-        </p:txBody>
-      </p:sp>
-      <p:sp>
-        <p:nvSpPr>
-          <p:cNvPr id="7" name="Slide Number Placeholder 6"/>
-          <p:cNvSpPr>
-            <a:spLocks noGrp="1"/>
-          </p:cNvSpPr>
-          <p:nvPr>
-            <p:ph type="sldNum" sz="quarter" idx="12"/>
-          </p:nvPr>
-        </p:nvSpPr>
-        <p:spPr/>
-        <p:txBody>
-          <a:bodyPr/>
-          <a:lstStyle/>
-          <a:p>
-            <a:fld id="{4165CED2-2196-2D46-9A0E-77B7034BF2F8}" type="slidenum">
-              <a:rPr lang="en-US" smtClean="0"/>
-              <a:t>‹#›</a:t>
-            </a:fld>
-            <a:endParaRPr lang="en-US"/>
-          </a:p>
-        </p:txBody>
-      </p:sp>
-    </p:spTree>
-    <p:extLst>
-      <p:ext uri="{BB962C8B-B14F-4D97-AF65-F5344CB8AC3E}">
-        <p14:creationId xmlns:p14="http://schemas.microsoft.com/office/powerpoint/2010/main" val="1337242453"/>
       </p:ext>
     </p:extLst>
   </p:cSld>
@@ -3375,7 +6032,7 @@
           <a:p>
             <a:fld id="{3737F87F-7A13-AB4F-816E-A50305B7DDDA}" type="datetimeFigureOut">
               <a:rPr lang="en-US" smtClean="0"/>
-              <a:t>9/27/18</a:t>
+              <a:t>9/30/18</a:t>
             </a:fld>
             <a:endParaRPr lang="en-US"/>
           </a:p>
@@ -3470,15 +6127,21 @@
   <p:sldLayoutIdLst>
     <p:sldLayoutId id="2147483649" r:id="rId1"/>
     <p:sldLayoutId id="2147483650" r:id="rId2"/>
-    <p:sldLayoutId id="2147483651" r:id="rId3"/>
-    <p:sldLayoutId id="2147483652" r:id="rId4"/>
-    <p:sldLayoutId id="2147483653" r:id="rId5"/>
-    <p:sldLayoutId id="2147483654" r:id="rId6"/>
-    <p:sldLayoutId id="2147483655" r:id="rId7"/>
-    <p:sldLayoutId id="2147483656" r:id="rId8"/>
-    <p:sldLayoutId id="2147483657" r:id="rId9"/>
-    <p:sldLayoutId id="2147483658" r:id="rId10"/>
-    <p:sldLayoutId id="2147483659" r:id="rId11"/>
+    <p:sldLayoutId id="2147483660" r:id="rId3"/>
+    <p:sldLayoutId id="2147483661" r:id="rId4"/>
+    <p:sldLayoutId id="2147483662" r:id="rId5"/>
+    <p:sldLayoutId id="2147483663" r:id="rId6"/>
+    <p:sldLayoutId id="2147483664" r:id="rId7"/>
+    <p:sldLayoutId id="2147483665" r:id="rId8"/>
+    <p:sldLayoutId id="2147483651" r:id="rId9"/>
+    <p:sldLayoutId id="2147483652" r:id="rId10"/>
+    <p:sldLayoutId id="2147483653" r:id="rId11"/>
+    <p:sldLayoutId id="2147483654" r:id="rId12"/>
+    <p:sldLayoutId id="2147483655" r:id="rId13"/>
+    <p:sldLayoutId id="2147483656" r:id="rId14"/>
+    <p:sldLayoutId id="2147483657" r:id="rId15"/>
+    <p:sldLayoutId id="2147483658" r:id="rId16"/>
+    <p:sldLayoutId id="2147483659" r:id="rId17"/>
   </p:sldLayoutIdLst>
   <p:txStyles>
     <p:titleStyle>
@@ -3792,6 +6455,2361 @@
     <p:extLst>
       <p:ext uri="{BB962C8B-B14F-4D97-AF65-F5344CB8AC3E}">
         <p14:creationId xmlns:p14="http://schemas.microsoft.com/office/powerpoint/2010/main" val="3598584128"/>
+      </p:ext>
+    </p:extLst>
+  </p:cSld>
+  <p:clrMapOvr>
+    <a:masterClrMapping/>
+  </p:clrMapOvr>
+</p:sld>
+</file>
+
+<file path=ppt/slides/slide10.xml><?xml version="1.0" encoding="utf-8"?>
+<p:sld xmlns:a="http://schemas.openxmlformats.org/drawingml/2006/main" xmlns:r="http://schemas.openxmlformats.org/officeDocument/2006/relationships" xmlns:p="http://schemas.openxmlformats.org/presentationml/2006/main">
+  <p:cSld>
+    <p:spTree>
+      <p:nvGrpSpPr>
+        <p:cNvPr id="1" name=""/>
+        <p:cNvGrpSpPr/>
+        <p:nvPr/>
+      </p:nvGrpSpPr>
+      <p:grpSpPr>
+        <a:xfrm>
+          <a:off x="0" y="0"/>
+          <a:ext cx="0" cy="0"/>
+          <a:chOff x="0" y="0"/>
+          <a:chExt cx="0" cy="0"/>
+        </a:xfrm>
+      </p:grpSpPr>
+      <p:sp>
+        <p:nvSpPr>
+          <p:cNvPr id="2" name="Content Placeholder 1"/>
+          <p:cNvSpPr>
+            <a:spLocks noGrp="1"/>
+          </p:cNvSpPr>
+          <p:nvPr>
+            <p:ph idx="1"/>
+          </p:nvPr>
+        </p:nvSpPr>
+        <p:spPr/>
+        <p:txBody>
+          <a:bodyPr/>
+          <a:lstStyle/>
+          <a:p>
+            <a:endParaRPr lang="en-US"/>
+          </a:p>
+        </p:txBody>
+      </p:sp>
+      <p:sp>
+        <p:nvSpPr>
+          <p:cNvPr id="3" name="Title 2"/>
+          <p:cNvSpPr>
+            <a:spLocks noGrp="1"/>
+          </p:cNvSpPr>
+          <p:nvPr>
+            <p:ph type="title"/>
+          </p:nvPr>
+        </p:nvSpPr>
+        <p:spPr/>
+        <p:txBody>
+          <a:bodyPr>
+            <a:normAutofit/>
+          </a:bodyPr>
+          <a:lstStyle/>
+          <a:p>
+            <a:r>
+              <a:rPr lang="en-US" dirty="0" smtClean="0"/>
+              <a:t>Preliminary results</a:t>
+            </a:r>
+            <a:endParaRPr lang="en-US" dirty="0"/>
+          </a:p>
+        </p:txBody>
+      </p:sp>
+    </p:spTree>
+    <p:extLst>
+      <p:ext uri="{BB962C8B-B14F-4D97-AF65-F5344CB8AC3E}">
+        <p14:creationId xmlns:p14="http://schemas.microsoft.com/office/powerpoint/2010/main" val="3908672606"/>
+      </p:ext>
+    </p:extLst>
+  </p:cSld>
+  <p:clrMapOvr>
+    <a:masterClrMapping/>
+  </p:clrMapOvr>
+</p:sld>
+</file>
+
+<file path=ppt/slides/slide11.xml><?xml version="1.0" encoding="utf-8"?>
+<p:sld xmlns:a="http://schemas.openxmlformats.org/drawingml/2006/main" xmlns:r="http://schemas.openxmlformats.org/officeDocument/2006/relationships" xmlns:p="http://schemas.openxmlformats.org/presentationml/2006/main">
+  <p:cSld>
+    <p:spTree>
+      <p:nvGrpSpPr>
+        <p:cNvPr id="1" name=""/>
+        <p:cNvGrpSpPr/>
+        <p:nvPr/>
+      </p:nvGrpSpPr>
+      <p:grpSpPr>
+        <a:xfrm>
+          <a:off x="0" y="0"/>
+          <a:ext cx="0" cy="0"/>
+          <a:chOff x="0" y="0"/>
+          <a:chExt cx="0" cy="0"/>
+        </a:xfrm>
+      </p:grpSpPr>
+      <p:sp>
+        <p:nvSpPr>
+          <p:cNvPr id="2" name="Content Placeholder 1"/>
+          <p:cNvSpPr>
+            <a:spLocks noGrp="1"/>
+          </p:cNvSpPr>
+          <p:nvPr>
+            <p:ph idx="1"/>
+          </p:nvPr>
+        </p:nvSpPr>
+        <p:spPr/>
+        <p:txBody>
+          <a:bodyPr/>
+          <a:lstStyle/>
+          <a:p>
+            <a:endParaRPr lang="en-US"/>
+          </a:p>
+        </p:txBody>
+      </p:sp>
+      <p:sp>
+        <p:nvSpPr>
+          <p:cNvPr id="3" name="Title 2"/>
+          <p:cNvSpPr>
+            <a:spLocks noGrp="1"/>
+          </p:cNvSpPr>
+          <p:nvPr>
+            <p:ph type="title"/>
+          </p:nvPr>
+        </p:nvSpPr>
+        <p:spPr/>
+        <p:txBody>
+          <a:bodyPr/>
+          <a:lstStyle/>
+          <a:p>
+            <a:r>
+              <a:rPr lang="en-US" dirty="0" smtClean="0"/>
+              <a:t>Background and Question</a:t>
+            </a:r>
+            <a:endParaRPr lang="en-US" dirty="0"/>
+          </a:p>
+        </p:txBody>
+      </p:sp>
+    </p:spTree>
+    <p:extLst>
+      <p:ext uri="{BB962C8B-B14F-4D97-AF65-F5344CB8AC3E}">
+        <p14:creationId xmlns:p14="http://schemas.microsoft.com/office/powerpoint/2010/main" val="3118850952"/>
+      </p:ext>
+    </p:extLst>
+  </p:cSld>
+  <p:clrMapOvr>
+    <a:masterClrMapping/>
+  </p:clrMapOvr>
+</p:sld>
+</file>
+
+<file path=ppt/slides/slide12.xml><?xml version="1.0" encoding="utf-8"?>
+<p:sld xmlns:a="http://schemas.openxmlformats.org/drawingml/2006/main" xmlns:r="http://schemas.openxmlformats.org/officeDocument/2006/relationships" xmlns:p="http://schemas.openxmlformats.org/presentationml/2006/main">
+  <p:cSld>
+    <p:spTree>
+      <p:nvGrpSpPr>
+        <p:cNvPr id="1" name=""/>
+        <p:cNvGrpSpPr/>
+        <p:nvPr/>
+      </p:nvGrpSpPr>
+      <p:grpSpPr>
+        <a:xfrm>
+          <a:off x="0" y="0"/>
+          <a:ext cx="0" cy="0"/>
+          <a:chOff x="0" y="0"/>
+          <a:chExt cx="0" cy="0"/>
+        </a:xfrm>
+      </p:grpSpPr>
+      <p:sp>
+        <p:nvSpPr>
+          <p:cNvPr id="2" name="Content Placeholder 1"/>
+          <p:cNvSpPr>
+            <a:spLocks noGrp="1"/>
+          </p:cNvSpPr>
+          <p:nvPr>
+            <p:ph idx="1"/>
+          </p:nvPr>
+        </p:nvSpPr>
+        <p:spPr/>
+        <p:txBody>
+          <a:bodyPr/>
+          <a:lstStyle/>
+          <a:p>
+            <a:endParaRPr lang="en-US"/>
+          </a:p>
+        </p:txBody>
+      </p:sp>
+      <p:sp>
+        <p:nvSpPr>
+          <p:cNvPr id="3" name="Title 2"/>
+          <p:cNvSpPr>
+            <a:spLocks noGrp="1"/>
+          </p:cNvSpPr>
+          <p:nvPr>
+            <p:ph type="title"/>
+          </p:nvPr>
+        </p:nvSpPr>
+        <p:spPr/>
+        <p:txBody>
+          <a:bodyPr/>
+          <a:lstStyle/>
+          <a:p>
+            <a:r>
+              <a:rPr lang="en-US" dirty="0" smtClean="0"/>
+              <a:t>Hypotheses:</a:t>
+            </a:r>
+            <a:endParaRPr lang="en-US" dirty="0"/>
+          </a:p>
+        </p:txBody>
+      </p:sp>
+    </p:spTree>
+    <p:extLst>
+      <p:ext uri="{BB962C8B-B14F-4D97-AF65-F5344CB8AC3E}">
+        <p14:creationId xmlns:p14="http://schemas.microsoft.com/office/powerpoint/2010/main" val="2746520631"/>
+      </p:ext>
+    </p:extLst>
+  </p:cSld>
+  <p:clrMapOvr>
+    <a:masterClrMapping/>
+  </p:clrMapOvr>
+</p:sld>
+</file>
+
+<file path=ppt/slides/slide13.xml><?xml version="1.0" encoding="utf-8"?>
+<p:sld xmlns:a="http://schemas.openxmlformats.org/drawingml/2006/main" xmlns:r="http://schemas.openxmlformats.org/officeDocument/2006/relationships" xmlns:p="http://schemas.openxmlformats.org/presentationml/2006/main">
+  <p:cSld>
+    <p:spTree>
+      <p:nvGrpSpPr>
+        <p:cNvPr id="1" name=""/>
+        <p:cNvGrpSpPr/>
+        <p:nvPr/>
+      </p:nvGrpSpPr>
+      <p:grpSpPr>
+        <a:xfrm>
+          <a:off x="0" y="0"/>
+          <a:ext cx="0" cy="0"/>
+          <a:chOff x="0" y="0"/>
+          <a:chExt cx="0" cy="0"/>
+        </a:xfrm>
+      </p:grpSpPr>
+      <p:sp>
+        <p:nvSpPr>
+          <p:cNvPr id="2" name="Content Placeholder 1"/>
+          <p:cNvSpPr>
+            <a:spLocks noGrp="1"/>
+          </p:cNvSpPr>
+          <p:nvPr>
+            <p:ph idx="1"/>
+          </p:nvPr>
+        </p:nvSpPr>
+        <p:spPr/>
+        <p:txBody>
+          <a:bodyPr/>
+          <a:lstStyle/>
+          <a:p>
+            <a:endParaRPr lang="en-US"/>
+          </a:p>
+        </p:txBody>
+      </p:sp>
+      <p:sp>
+        <p:nvSpPr>
+          <p:cNvPr id="3" name="Title 2"/>
+          <p:cNvSpPr>
+            <a:spLocks noGrp="1"/>
+          </p:cNvSpPr>
+          <p:nvPr>
+            <p:ph type="title"/>
+          </p:nvPr>
+        </p:nvSpPr>
+        <p:spPr/>
+        <p:txBody>
+          <a:bodyPr/>
+          <a:lstStyle/>
+          <a:p>
+            <a:r>
+              <a:rPr lang="en-US" dirty="0" smtClean="0"/>
+              <a:t>Methods</a:t>
+            </a:r>
+            <a:endParaRPr lang="en-US" dirty="0"/>
+          </a:p>
+        </p:txBody>
+      </p:sp>
+    </p:spTree>
+    <p:extLst>
+      <p:ext uri="{BB962C8B-B14F-4D97-AF65-F5344CB8AC3E}">
+        <p14:creationId xmlns:p14="http://schemas.microsoft.com/office/powerpoint/2010/main" val="1043675855"/>
+      </p:ext>
+    </p:extLst>
+  </p:cSld>
+  <p:clrMapOvr>
+    <a:masterClrMapping/>
+  </p:clrMapOvr>
+</p:sld>
+</file>
+
+<file path=ppt/slides/slide14.xml><?xml version="1.0" encoding="utf-8"?>
+<p:sld xmlns:a="http://schemas.openxmlformats.org/drawingml/2006/main" xmlns:r="http://schemas.openxmlformats.org/officeDocument/2006/relationships" xmlns:p="http://schemas.openxmlformats.org/presentationml/2006/main">
+  <p:cSld>
+    <p:spTree>
+      <p:nvGrpSpPr>
+        <p:cNvPr id="1" name=""/>
+        <p:cNvGrpSpPr/>
+        <p:nvPr/>
+      </p:nvGrpSpPr>
+      <p:grpSpPr>
+        <a:xfrm>
+          <a:off x="0" y="0"/>
+          <a:ext cx="0" cy="0"/>
+          <a:chOff x="0" y="0"/>
+          <a:chExt cx="0" cy="0"/>
+        </a:xfrm>
+      </p:grpSpPr>
+      <p:sp>
+        <p:nvSpPr>
+          <p:cNvPr id="2" name="Content Placeholder 1"/>
+          <p:cNvSpPr>
+            <a:spLocks noGrp="1"/>
+          </p:cNvSpPr>
+          <p:nvPr>
+            <p:ph idx="1"/>
+          </p:nvPr>
+        </p:nvSpPr>
+        <p:spPr/>
+        <p:txBody>
+          <a:bodyPr/>
+          <a:lstStyle/>
+          <a:p>
+            <a:endParaRPr lang="en-US"/>
+          </a:p>
+        </p:txBody>
+      </p:sp>
+      <p:sp>
+        <p:nvSpPr>
+          <p:cNvPr id="3" name="Title 2"/>
+          <p:cNvSpPr>
+            <a:spLocks noGrp="1"/>
+          </p:cNvSpPr>
+          <p:nvPr>
+            <p:ph type="title"/>
+          </p:nvPr>
+        </p:nvSpPr>
+        <p:spPr/>
+        <p:txBody>
+          <a:bodyPr>
+            <a:normAutofit/>
+          </a:bodyPr>
+          <a:lstStyle/>
+          <a:p>
+            <a:r>
+              <a:rPr lang="en-US" dirty="0" smtClean="0"/>
+              <a:t>Current status</a:t>
+            </a:r>
+            <a:endParaRPr lang="en-US" dirty="0"/>
+          </a:p>
+        </p:txBody>
+      </p:sp>
+    </p:spTree>
+    <p:extLst>
+      <p:ext uri="{BB962C8B-B14F-4D97-AF65-F5344CB8AC3E}">
+        <p14:creationId xmlns:p14="http://schemas.microsoft.com/office/powerpoint/2010/main" val="2224277549"/>
+      </p:ext>
+    </p:extLst>
+  </p:cSld>
+  <p:clrMapOvr>
+    <a:masterClrMapping/>
+  </p:clrMapOvr>
+</p:sld>
+</file>
+
+<file path=ppt/slides/slide15.xml><?xml version="1.0" encoding="utf-8"?>
+<p:sld xmlns:a="http://schemas.openxmlformats.org/drawingml/2006/main" xmlns:r="http://schemas.openxmlformats.org/officeDocument/2006/relationships" xmlns:p="http://schemas.openxmlformats.org/presentationml/2006/main">
+  <p:cSld>
+    <p:spTree>
+      <p:nvGrpSpPr>
+        <p:cNvPr id="1" name=""/>
+        <p:cNvGrpSpPr/>
+        <p:nvPr/>
+      </p:nvGrpSpPr>
+      <p:grpSpPr>
+        <a:xfrm>
+          <a:off x="0" y="0"/>
+          <a:ext cx="0" cy="0"/>
+          <a:chOff x="0" y="0"/>
+          <a:chExt cx="0" cy="0"/>
+        </a:xfrm>
+      </p:grpSpPr>
+      <p:sp>
+        <p:nvSpPr>
+          <p:cNvPr id="2" name="Content Placeholder 1"/>
+          <p:cNvSpPr>
+            <a:spLocks noGrp="1"/>
+          </p:cNvSpPr>
+          <p:nvPr>
+            <p:ph idx="1"/>
+          </p:nvPr>
+        </p:nvSpPr>
+        <p:spPr/>
+        <p:txBody>
+          <a:bodyPr/>
+          <a:lstStyle/>
+          <a:p>
+            <a:r>
+              <a:rPr lang="en-US" dirty="0" smtClean="0"/>
+              <a:t>Figure with 1 stratification level</a:t>
+            </a:r>
+          </a:p>
+          <a:p>
+            <a:r>
+              <a:rPr lang="en-US" dirty="0" smtClean="0"/>
+              <a:t>Steadman figure</a:t>
+            </a:r>
+          </a:p>
+        </p:txBody>
+      </p:sp>
+      <p:sp>
+        <p:nvSpPr>
+          <p:cNvPr id="3" name="Title 2"/>
+          <p:cNvSpPr>
+            <a:spLocks noGrp="1"/>
+          </p:cNvSpPr>
+          <p:nvPr>
+            <p:ph type="title"/>
+          </p:nvPr>
+        </p:nvSpPr>
+        <p:spPr/>
+        <p:txBody>
+          <a:bodyPr/>
+          <a:lstStyle/>
+          <a:p>
+            <a:r>
+              <a:rPr lang="en-US" dirty="0" smtClean="0"/>
+              <a:t>Background and questions</a:t>
+            </a:r>
+            <a:endParaRPr lang="en-US" dirty="0"/>
+          </a:p>
+        </p:txBody>
+      </p:sp>
+    </p:spTree>
+    <p:extLst>
+      <p:ext uri="{BB962C8B-B14F-4D97-AF65-F5344CB8AC3E}">
+        <p14:creationId xmlns:p14="http://schemas.microsoft.com/office/powerpoint/2010/main" val="2247381547"/>
+      </p:ext>
+    </p:extLst>
+  </p:cSld>
+  <p:clrMapOvr>
+    <a:masterClrMapping/>
+  </p:clrMapOvr>
+</p:sld>
+</file>
+
+<file path=ppt/slides/slide16.xml><?xml version="1.0" encoding="utf-8"?>
+<p:sld xmlns:a="http://schemas.openxmlformats.org/drawingml/2006/main" xmlns:r="http://schemas.openxmlformats.org/officeDocument/2006/relationships" xmlns:p="http://schemas.openxmlformats.org/presentationml/2006/main">
+  <p:cSld>
+    <p:spTree>
+      <p:nvGrpSpPr>
+        <p:cNvPr id="1" name=""/>
+        <p:cNvGrpSpPr/>
+        <p:nvPr/>
+      </p:nvGrpSpPr>
+      <p:grpSpPr>
+        <a:xfrm>
+          <a:off x="0" y="0"/>
+          <a:ext cx="0" cy="0"/>
+          <a:chOff x="0" y="0"/>
+          <a:chExt cx="0" cy="0"/>
+        </a:xfrm>
+      </p:grpSpPr>
+      <p:sp>
+        <p:nvSpPr>
+          <p:cNvPr id="3" name="Title 2"/>
+          <p:cNvSpPr>
+            <a:spLocks noGrp="1"/>
+          </p:cNvSpPr>
+          <p:nvPr>
+            <p:ph type="title"/>
+          </p:nvPr>
+        </p:nvSpPr>
+        <p:spPr/>
+        <p:txBody>
+          <a:bodyPr/>
+          <a:lstStyle/>
+          <a:p>
+            <a:r>
+              <a:rPr lang="en-US" dirty="0" smtClean="0"/>
+              <a:t>Background and questions</a:t>
+            </a:r>
+            <a:endParaRPr lang="en-US" dirty="0"/>
+          </a:p>
+        </p:txBody>
+      </p:sp>
+      <p:pic>
+        <p:nvPicPr>
+          <p:cNvPr id="5" name="Picture 4"/>
+          <p:cNvPicPr>
+            <a:picLocks noChangeAspect="1" noChangeArrowheads="1"/>
+          </p:cNvPicPr>
+          <p:nvPr/>
+        </p:nvPicPr>
+        <p:blipFill>
+          <a:blip r:embed="rId3">
+            <a:extLst>
+              <a:ext uri="{28A0092B-C50C-407E-A947-70E740481C1C}">
+                <a14:useLocalDpi xmlns:a14="http://schemas.microsoft.com/office/drawing/2010/main" val="0"/>
+              </a:ext>
+            </a:extLst>
+          </a:blip>
+          <a:srcRect/>
+          <a:stretch>
+            <a:fillRect/>
+          </a:stretch>
+        </p:blipFill>
+        <p:spPr bwMode="auto">
+          <a:xfrm>
+            <a:off x="1422400" y="1239180"/>
+            <a:ext cx="6350000" cy="2762250"/>
+          </a:xfrm>
+          <a:prstGeom prst="rect">
+            <a:avLst/>
+          </a:prstGeom>
+          <a:noFill/>
+          <a:ln>
+            <a:noFill/>
+          </a:ln>
+          <a:effectLst/>
+          <a:extLst>
+            <a:ext uri="{909E8E84-426E-40dd-AFC4-6F175D3DCCD1}">
+              <a14:hiddenFill xmlns:a14="http://schemas.microsoft.com/office/drawing/2010/main">
+                <a:blipFill dpi="0" rotWithShape="0">
+                  <a:blip/>
+                  <a:srcRect/>
+                  <a:stretch>
+                    <a:fillRect/>
+                  </a:stretch>
+                </a:blipFill>
+              </a14:hiddenFill>
+            </a:ext>
+            <a:ext uri="{91240B29-F687-4f45-9708-019B960494DF}">
+              <a14:hiddenLine xmlns:a14="http://schemas.microsoft.com/office/drawing/2010/main" w="9525" cap="flat">
+                <a:solidFill>
+                  <a:srgbClr val="000000"/>
+                </a:solidFill>
+                <a:round/>
+                <a:headEnd/>
+                <a:tailEnd/>
+              </a14:hiddenLine>
+            </a:ext>
+            <a:ext uri="{AF507438-7753-43e0-B8FC-AC1667EBCBE1}">
+              <a14:hiddenEffects xmlns:a14="http://schemas.microsoft.com/office/drawing/2010/main">
+                <a:effectLst>
+                  <a:outerShdw blurRad="63500" dist="38099" dir="2700000" algn="ctr" rotWithShape="0">
+                    <a:srgbClr val="000000">
+                      <a:alpha val="74998"/>
+                    </a:srgbClr>
+                  </a:outerShdw>
+                </a:effectLst>
+              </a14:hiddenEffects>
+            </a:ext>
+          </a:extLst>
+        </p:spPr>
+      </p:pic>
+      <p:sp>
+        <p:nvSpPr>
+          <p:cNvPr id="6" name="TextBox 5"/>
+          <p:cNvSpPr txBox="1"/>
+          <p:nvPr/>
+        </p:nvSpPr>
+        <p:spPr>
+          <a:xfrm>
+            <a:off x="7885737" y="6211669"/>
+            <a:ext cx="1258263" cy="646331"/>
+          </a:xfrm>
+          <a:prstGeom prst="rect">
+            <a:avLst/>
+          </a:prstGeom>
+          <a:noFill/>
+        </p:spPr>
+        <p:txBody>
+          <a:bodyPr wrap="square" rtlCol="0">
+            <a:spAutoFit/>
+          </a:bodyPr>
+          <a:lstStyle/>
+          <a:p>
+            <a:r>
+              <a:rPr lang="en-US" dirty="0" err="1" smtClean="0"/>
+              <a:t>Walck</a:t>
+            </a:r>
+            <a:r>
+              <a:rPr lang="en-US" dirty="0" smtClean="0"/>
+              <a:t> 2011</a:t>
+            </a:r>
+          </a:p>
+          <a:p>
+            <a:endParaRPr lang="en-US" dirty="0"/>
+          </a:p>
+        </p:txBody>
+      </p:sp>
+    </p:spTree>
+    <p:extLst>
+      <p:ext uri="{BB962C8B-B14F-4D97-AF65-F5344CB8AC3E}">
+        <p14:creationId xmlns:p14="http://schemas.microsoft.com/office/powerpoint/2010/main" val="191027697"/>
+      </p:ext>
+    </p:extLst>
+  </p:cSld>
+  <p:clrMapOvr>
+    <a:masterClrMapping/>
+  </p:clrMapOvr>
+</p:sld>
+</file>
+
+<file path=ppt/slides/slide17.xml><?xml version="1.0" encoding="utf-8"?>
+<p:sld xmlns:a="http://schemas.openxmlformats.org/drawingml/2006/main" xmlns:r="http://schemas.openxmlformats.org/officeDocument/2006/relationships" xmlns:p="http://schemas.openxmlformats.org/presentationml/2006/main">
+  <p:cSld>
+    <p:spTree>
+      <p:nvGrpSpPr>
+        <p:cNvPr id="1" name=""/>
+        <p:cNvGrpSpPr/>
+        <p:nvPr/>
+      </p:nvGrpSpPr>
+      <p:grpSpPr>
+        <a:xfrm>
+          <a:off x="0" y="0"/>
+          <a:ext cx="0" cy="0"/>
+          <a:chOff x="0" y="0"/>
+          <a:chExt cx="0" cy="0"/>
+        </a:xfrm>
+      </p:grpSpPr>
+      <p:sp>
+        <p:nvSpPr>
+          <p:cNvPr id="2" name="Content Placeholder 1"/>
+          <p:cNvSpPr>
+            <a:spLocks noGrp="1"/>
+          </p:cNvSpPr>
+          <p:nvPr>
+            <p:ph idx="1"/>
+          </p:nvPr>
+        </p:nvSpPr>
+        <p:spPr/>
+        <p:txBody>
+          <a:bodyPr/>
+          <a:lstStyle/>
+          <a:p>
+            <a:r>
+              <a:rPr lang="en-US" dirty="0" smtClean="0"/>
+              <a:t>Write questions here</a:t>
+            </a:r>
+          </a:p>
+          <a:p>
+            <a:r>
+              <a:rPr lang="en-US" dirty="0" smtClean="0"/>
+              <a:t>With hypotheses</a:t>
+            </a:r>
+          </a:p>
+          <a:p>
+            <a:endParaRPr lang="en-US" dirty="0"/>
+          </a:p>
+        </p:txBody>
+      </p:sp>
+      <p:sp>
+        <p:nvSpPr>
+          <p:cNvPr id="3" name="Title 2"/>
+          <p:cNvSpPr>
+            <a:spLocks noGrp="1"/>
+          </p:cNvSpPr>
+          <p:nvPr>
+            <p:ph type="title"/>
+          </p:nvPr>
+        </p:nvSpPr>
+        <p:spPr/>
+        <p:txBody>
+          <a:bodyPr/>
+          <a:lstStyle/>
+          <a:p>
+            <a:r>
+              <a:rPr lang="en-US" dirty="0" smtClean="0"/>
+              <a:t>Background and Questions</a:t>
+            </a:r>
+            <a:endParaRPr lang="en-US" dirty="0"/>
+          </a:p>
+        </p:txBody>
+      </p:sp>
+    </p:spTree>
+    <p:extLst>
+      <p:ext uri="{BB962C8B-B14F-4D97-AF65-F5344CB8AC3E}">
+        <p14:creationId xmlns:p14="http://schemas.microsoft.com/office/powerpoint/2010/main" val="4060523632"/>
+      </p:ext>
+    </p:extLst>
+  </p:cSld>
+  <p:clrMapOvr>
+    <a:masterClrMapping/>
+  </p:clrMapOvr>
+</p:sld>
+</file>
+
+<file path=ppt/slides/slide18.xml><?xml version="1.0" encoding="utf-8"?>
+<p:sld xmlns:a="http://schemas.openxmlformats.org/drawingml/2006/main" xmlns:r="http://schemas.openxmlformats.org/officeDocument/2006/relationships" xmlns:p="http://schemas.openxmlformats.org/presentationml/2006/main">
+  <p:cSld>
+    <p:spTree>
+      <p:nvGrpSpPr>
+        <p:cNvPr id="1" name=""/>
+        <p:cNvGrpSpPr/>
+        <p:nvPr/>
+      </p:nvGrpSpPr>
+      <p:grpSpPr>
+        <a:xfrm>
+          <a:off x="0" y="0"/>
+          <a:ext cx="0" cy="0"/>
+          <a:chOff x="0" y="0"/>
+          <a:chExt cx="0" cy="0"/>
+        </a:xfrm>
+      </p:grpSpPr>
+      <p:sp>
+        <p:nvSpPr>
+          <p:cNvPr id="2" name="Content Placeholder 1"/>
+          <p:cNvSpPr>
+            <a:spLocks noGrp="1"/>
+          </p:cNvSpPr>
+          <p:nvPr>
+            <p:ph idx="1"/>
+          </p:nvPr>
+        </p:nvSpPr>
+        <p:spPr/>
+        <p:txBody>
+          <a:bodyPr/>
+          <a:lstStyle/>
+          <a:p>
+            <a:r>
+              <a:rPr lang="en-US" dirty="0" smtClean="0"/>
+              <a:t>Show pictures of chambers here</a:t>
+            </a:r>
+            <a:endParaRPr lang="en-US" dirty="0"/>
+          </a:p>
+        </p:txBody>
+      </p:sp>
+      <p:sp>
+        <p:nvSpPr>
+          <p:cNvPr id="3" name="Title 2"/>
+          <p:cNvSpPr>
+            <a:spLocks noGrp="1"/>
+          </p:cNvSpPr>
+          <p:nvPr>
+            <p:ph type="title"/>
+          </p:nvPr>
+        </p:nvSpPr>
+        <p:spPr/>
+        <p:txBody>
+          <a:bodyPr/>
+          <a:lstStyle/>
+          <a:p>
+            <a:r>
+              <a:rPr lang="en-US" dirty="0" smtClean="0"/>
+              <a:t>Methods</a:t>
+            </a:r>
+            <a:endParaRPr lang="en-US" dirty="0"/>
+          </a:p>
+        </p:txBody>
+      </p:sp>
+    </p:spTree>
+    <p:extLst>
+      <p:ext uri="{BB962C8B-B14F-4D97-AF65-F5344CB8AC3E}">
+        <p14:creationId xmlns:p14="http://schemas.microsoft.com/office/powerpoint/2010/main" val="1019801896"/>
+      </p:ext>
+    </p:extLst>
+  </p:cSld>
+  <p:clrMapOvr>
+    <a:masterClrMapping/>
+  </p:clrMapOvr>
+</p:sld>
+</file>
+
+<file path=ppt/slides/slide19.xml><?xml version="1.0" encoding="utf-8"?>
+<p:sld xmlns:a="http://schemas.openxmlformats.org/drawingml/2006/main" xmlns:r="http://schemas.openxmlformats.org/officeDocument/2006/relationships" xmlns:p="http://schemas.openxmlformats.org/presentationml/2006/main">
+  <p:cSld>
+    <p:spTree>
+      <p:nvGrpSpPr>
+        <p:cNvPr id="1" name=""/>
+        <p:cNvGrpSpPr/>
+        <p:nvPr/>
+      </p:nvGrpSpPr>
+      <p:grpSpPr>
+        <a:xfrm>
+          <a:off x="0" y="0"/>
+          <a:ext cx="0" cy="0"/>
+          <a:chOff x="0" y="0"/>
+          <a:chExt cx="0" cy="0"/>
+        </a:xfrm>
+      </p:grpSpPr>
+      <p:sp>
+        <p:nvSpPr>
+          <p:cNvPr id="2" name="Content Placeholder 1"/>
+          <p:cNvSpPr>
+            <a:spLocks noGrp="1"/>
+          </p:cNvSpPr>
+          <p:nvPr>
+            <p:ph idx="1"/>
+          </p:nvPr>
+        </p:nvSpPr>
+        <p:spPr/>
+        <p:txBody>
+          <a:bodyPr/>
+          <a:lstStyle/>
+          <a:p>
+            <a:r>
+              <a:rPr lang="en-US" dirty="0" smtClean="0"/>
+              <a:t>Thermal time model</a:t>
+            </a:r>
+          </a:p>
+          <a:p>
+            <a:r>
+              <a:rPr lang="en-US" dirty="0" smtClean="0"/>
+              <a:t>Calculation of Tb</a:t>
+            </a:r>
+          </a:p>
+          <a:p>
+            <a:r>
+              <a:rPr lang="en-US" dirty="0" smtClean="0"/>
+              <a:t>Evaluation of </a:t>
+            </a:r>
+            <a:r>
+              <a:rPr lang="en-US" dirty="0" err="1" smtClean="0"/>
+              <a:t>sensativity</a:t>
+            </a:r>
+            <a:r>
+              <a:rPr lang="en-US" dirty="0" smtClean="0"/>
+              <a:t> of Tb</a:t>
+            </a:r>
+          </a:p>
+          <a:p>
+            <a:r>
+              <a:rPr lang="en-US" dirty="0" err="1" smtClean="0"/>
+              <a:t>Phenological</a:t>
+            </a:r>
+            <a:r>
+              <a:rPr lang="en-US" dirty="0" smtClean="0"/>
+              <a:t> reassembly?</a:t>
+            </a:r>
+            <a:endParaRPr lang="en-US" dirty="0"/>
+          </a:p>
+        </p:txBody>
+      </p:sp>
+      <p:sp>
+        <p:nvSpPr>
+          <p:cNvPr id="3" name="Title 2"/>
+          <p:cNvSpPr>
+            <a:spLocks noGrp="1"/>
+          </p:cNvSpPr>
+          <p:nvPr>
+            <p:ph type="title"/>
+          </p:nvPr>
+        </p:nvSpPr>
+        <p:spPr/>
+        <p:txBody>
+          <a:bodyPr/>
+          <a:lstStyle/>
+          <a:p>
+            <a:r>
+              <a:rPr lang="en-US" dirty="0" smtClean="0"/>
+              <a:t>Methods</a:t>
+            </a:r>
+            <a:endParaRPr lang="en-US" dirty="0"/>
+          </a:p>
+        </p:txBody>
+      </p:sp>
+    </p:spTree>
+    <p:extLst>
+      <p:ext uri="{BB962C8B-B14F-4D97-AF65-F5344CB8AC3E}">
+        <p14:creationId xmlns:p14="http://schemas.microsoft.com/office/powerpoint/2010/main" val="461856213"/>
+      </p:ext>
+    </p:extLst>
+  </p:cSld>
+  <p:clrMapOvr>
+    <a:masterClrMapping/>
+  </p:clrMapOvr>
+</p:sld>
+</file>
+
+<file path=ppt/slides/slide2.xml><?xml version="1.0" encoding="utf-8"?>
+<p:sld xmlns:a="http://schemas.openxmlformats.org/drawingml/2006/main" xmlns:r="http://schemas.openxmlformats.org/officeDocument/2006/relationships" xmlns:p="http://schemas.openxmlformats.org/presentationml/2006/main">
+  <p:cSld>
+    <p:spTree>
+      <p:nvGrpSpPr>
+        <p:cNvPr id="1" name=""/>
+        <p:cNvGrpSpPr/>
+        <p:nvPr/>
+      </p:nvGrpSpPr>
+      <p:grpSpPr>
+        <a:xfrm>
+          <a:off x="0" y="0"/>
+          <a:ext cx="0" cy="0"/>
+          <a:chOff x="0" y="0"/>
+          <a:chExt cx="0" cy="0"/>
+        </a:xfrm>
+      </p:grpSpPr>
+      <p:sp>
+        <p:nvSpPr>
+          <p:cNvPr id="3" name="Title 2"/>
+          <p:cNvSpPr>
+            <a:spLocks noGrp="1"/>
+          </p:cNvSpPr>
+          <p:nvPr>
+            <p:ph type="title"/>
+          </p:nvPr>
+        </p:nvSpPr>
+        <p:spPr/>
+        <p:txBody>
+          <a:bodyPr>
+            <a:normAutofit fontScale="90000"/>
+          </a:bodyPr>
+          <a:lstStyle/>
+          <a:p>
+            <a:r>
+              <a:rPr lang="en-US" dirty="0" smtClean="0"/>
+              <a:t>Climate Change and Phenology</a:t>
+            </a:r>
+            <a:endParaRPr lang="en-US" dirty="0"/>
+          </a:p>
+        </p:txBody>
+      </p:sp>
+      <p:pic>
+        <p:nvPicPr>
+          <p:cNvPr id="9" name="Picture 8"/>
+          <p:cNvPicPr>
+            <a:picLocks noChangeAspect="1"/>
+          </p:cNvPicPr>
+          <p:nvPr/>
+        </p:nvPicPr>
+        <p:blipFill rotWithShape="1">
+          <a:blip r:embed="rId2"/>
+          <a:srcRect b="47988"/>
+          <a:stretch/>
+        </p:blipFill>
+        <p:spPr>
+          <a:xfrm>
+            <a:off x="274905" y="1064596"/>
+            <a:ext cx="7626259" cy="3016352"/>
+          </a:xfrm>
+          <a:prstGeom prst="rect">
+            <a:avLst/>
+          </a:prstGeom>
+        </p:spPr>
+      </p:pic>
+      <p:pic>
+        <p:nvPicPr>
+          <p:cNvPr id="11" name="Picture 10"/>
+          <p:cNvPicPr>
+            <a:picLocks noChangeAspect="1"/>
+          </p:cNvPicPr>
+          <p:nvPr/>
+        </p:nvPicPr>
+        <p:blipFill>
+          <a:blip r:embed="rId3"/>
+          <a:stretch>
+            <a:fillRect/>
+          </a:stretch>
+        </p:blipFill>
+        <p:spPr>
+          <a:xfrm>
+            <a:off x="2813932" y="4006240"/>
+            <a:ext cx="3429722" cy="2595156"/>
+          </a:xfrm>
+          <a:prstGeom prst="rect">
+            <a:avLst/>
+          </a:prstGeom>
+        </p:spPr>
+      </p:pic>
+    </p:spTree>
+    <p:extLst>
+      <p:ext uri="{BB962C8B-B14F-4D97-AF65-F5344CB8AC3E}">
+        <p14:creationId xmlns:p14="http://schemas.microsoft.com/office/powerpoint/2010/main" val="194575937"/>
+      </p:ext>
+    </p:extLst>
+  </p:cSld>
+  <p:clrMapOvr>
+    <a:masterClrMapping/>
+  </p:clrMapOvr>
+</p:sld>
+</file>
+
+<file path=ppt/slides/slide20.xml><?xml version="1.0" encoding="utf-8"?>
+<p:sld xmlns:a="http://schemas.openxmlformats.org/drawingml/2006/main" xmlns:r="http://schemas.openxmlformats.org/officeDocument/2006/relationships" xmlns:p="http://schemas.openxmlformats.org/presentationml/2006/main">
+  <p:cSld>
+    <p:spTree>
+      <p:nvGrpSpPr>
+        <p:cNvPr id="1" name=""/>
+        <p:cNvGrpSpPr/>
+        <p:nvPr/>
+      </p:nvGrpSpPr>
+      <p:grpSpPr>
+        <a:xfrm>
+          <a:off x="0" y="0"/>
+          <a:ext cx="0" cy="0"/>
+          <a:chOff x="0" y="0"/>
+          <a:chExt cx="0" cy="0"/>
+        </a:xfrm>
+      </p:grpSpPr>
+      <p:sp>
+        <p:nvSpPr>
+          <p:cNvPr id="2" name="Content Placeholder 1"/>
+          <p:cNvSpPr>
+            <a:spLocks noGrp="1"/>
+          </p:cNvSpPr>
+          <p:nvPr>
+            <p:ph idx="1"/>
+          </p:nvPr>
+        </p:nvSpPr>
+        <p:spPr/>
+        <p:txBody>
+          <a:bodyPr/>
+          <a:lstStyle/>
+          <a:p>
+            <a:r>
+              <a:rPr lang="en-US" dirty="0" smtClean="0"/>
+              <a:t>Show figure</a:t>
+            </a:r>
+            <a:endParaRPr lang="en-US" dirty="0"/>
+          </a:p>
+        </p:txBody>
+      </p:sp>
+      <p:sp>
+        <p:nvSpPr>
+          <p:cNvPr id="3" name="Title 2"/>
+          <p:cNvSpPr>
+            <a:spLocks noGrp="1"/>
+          </p:cNvSpPr>
+          <p:nvPr>
+            <p:ph type="title"/>
+          </p:nvPr>
+        </p:nvSpPr>
+        <p:spPr/>
+        <p:txBody>
+          <a:bodyPr/>
+          <a:lstStyle/>
+          <a:p>
+            <a:r>
+              <a:rPr lang="en-US" dirty="0" smtClean="0"/>
+              <a:t>Project status</a:t>
+            </a:r>
+            <a:endParaRPr lang="en-US" dirty="0"/>
+          </a:p>
+        </p:txBody>
+      </p:sp>
+    </p:spTree>
+    <p:extLst>
+      <p:ext uri="{BB962C8B-B14F-4D97-AF65-F5344CB8AC3E}">
+        <p14:creationId xmlns:p14="http://schemas.microsoft.com/office/powerpoint/2010/main" val="3154592317"/>
+      </p:ext>
+    </p:extLst>
+  </p:cSld>
+  <p:clrMapOvr>
+    <a:masterClrMapping/>
+  </p:clrMapOvr>
+  <p:timing>
+    <p:tnLst>
+      <p:par>
+        <p:cTn xmlns:p14="http://schemas.microsoft.com/office/powerpoint/2010/main" id="1" dur="indefinite" restart="never" nodeType="tmRoot"/>
+      </p:par>
+    </p:tnLst>
+  </p:timing>
+</p:sld>
+</file>
+
+<file path=ppt/slides/slide21.xml><?xml version="1.0" encoding="utf-8"?>
+<p:sld xmlns:a="http://schemas.openxmlformats.org/drawingml/2006/main" xmlns:r="http://schemas.openxmlformats.org/officeDocument/2006/relationships" xmlns:p="http://schemas.openxmlformats.org/presentationml/2006/main">
+  <p:cSld>
+    <p:spTree>
+      <p:nvGrpSpPr>
+        <p:cNvPr id="1" name=""/>
+        <p:cNvGrpSpPr/>
+        <p:nvPr/>
+      </p:nvGrpSpPr>
+      <p:grpSpPr>
+        <a:xfrm>
+          <a:off x="0" y="0"/>
+          <a:ext cx="0" cy="0"/>
+          <a:chOff x="0" y="0"/>
+          <a:chExt cx="0" cy="0"/>
+        </a:xfrm>
+      </p:grpSpPr>
+      <p:sp>
+        <p:nvSpPr>
+          <p:cNvPr id="3" name="Title 2"/>
+          <p:cNvSpPr>
+            <a:spLocks noGrp="1"/>
+          </p:cNvSpPr>
+          <p:nvPr>
+            <p:ph type="title"/>
+          </p:nvPr>
+        </p:nvSpPr>
+        <p:spPr/>
+        <p:txBody>
+          <a:bodyPr/>
+          <a:lstStyle/>
+          <a:p>
+            <a:r>
+              <a:rPr lang="en-US" dirty="0" smtClean="0"/>
+              <a:t>Background: OEGREs</a:t>
+            </a:r>
+            <a:endParaRPr lang="en-US" dirty="0"/>
+          </a:p>
+        </p:txBody>
+      </p:sp>
+      <p:pic>
+        <p:nvPicPr>
+          <p:cNvPr id="4" name="Picture 3" descr="Screen Shot 2018-09-30 at 2.22.28 PM.png"/>
+          <p:cNvPicPr>
+            <a:picLocks noChangeAspect="1"/>
+          </p:cNvPicPr>
+          <p:nvPr/>
+        </p:nvPicPr>
+        <p:blipFill>
+          <a:blip r:embed="rId3">
+            <a:extLst>
+              <a:ext uri="{28A0092B-C50C-407E-A947-70E740481C1C}">
+                <a14:useLocalDpi xmlns:a14="http://schemas.microsoft.com/office/drawing/2010/main" val="0"/>
+              </a:ext>
+            </a:extLst>
+          </a:blip>
+          <a:stretch>
+            <a:fillRect/>
+          </a:stretch>
+        </p:blipFill>
+        <p:spPr>
+          <a:xfrm>
+            <a:off x="5939440" y="4052933"/>
+            <a:ext cx="3037767" cy="2661488"/>
+          </a:xfrm>
+          <a:prstGeom prst="rect">
+            <a:avLst/>
+          </a:prstGeom>
+        </p:spPr>
+      </p:pic>
+      <p:pic>
+        <p:nvPicPr>
+          <p:cNvPr id="6" name="Picture 5" descr="Screen Shot 2018-09-30 at 2.25.07 PM.png"/>
+          <p:cNvPicPr>
+            <a:picLocks noChangeAspect="1"/>
+          </p:cNvPicPr>
+          <p:nvPr/>
+        </p:nvPicPr>
+        <p:blipFill>
+          <a:blip r:embed="rId4">
+            <a:extLst>
+              <a:ext uri="{28A0092B-C50C-407E-A947-70E740481C1C}">
+                <a14:useLocalDpi xmlns:a14="http://schemas.microsoft.com/office/drawing/2010/main" val="0"/>
+              </a:ext>
+            </a:extLst>
+          </a:blip>
+          <a:stretch>
+            <a:fillRect/>
+          </a:stretch>
+        </p:blipFill>
+        <p:spPr>
+          <a:xfrm>
+            <a:off x="2800583" y="1093371"/>
+            <a:ext cx="2877176" cy="2595291"/>
+          </a:xfrm>
+          <a:prstGeom prst="rect">
+            <a:avLst/>
+          </a:prstGeom>
+        </p:spPr>
+      </p:pic>
+      <p:pic>
+        <p:nvPicPr>
+          <p:cNvPr id="8" name="Picture 7" descr="Screen Shot 2018-09-30 at 2.34.13 PM.png"/>
+          <p:cNvPicPr>
+            <a:picLocks noChangeAspect="1"/>
+          </p:cNvPicPr>
+          <p:nvPr/>
+        </p:nvPicPr>
+        <p:blipFill>
+          <a:blip r:embed="rId5">
+            <a:extLst>
+              <a:ext uri="{28A0092B-C50C-407E-A947-70E740481C1C}">
+                <a14:useLocalDpi xmlns:a14="http://schemas.microsoft.com/office/drawing/2010/main" val="0"/>
+              </a:ext>
+            </a:extLst>
+          </a:blip>
+          <a:stretch>
+            <a:fillRect/>
+          </a:stretch>
+        </p:blipFill>
+        <p:spPr>
+          <a:xfrm>
+            <a:off x="5579244" y="831891"/>
+            <a:ext cx="3305131" cy="3730753"/>
+          </a:xfrm>
+          <a:prstGeom prst="rect">
+            <a:avLst/>
+          </a:prstGeom>
+        </p:spPr>
+      </p:pic>
+      <p:pic>
+        <p:nvPicPr>
+          <p:cNvPr id="9" name="Picture 8" descr="Screen Shot 2018-09-30 at 2.31.07 PM.png"/>
+          <p:cNvPicPr>
+            <a:picLocks noChangeAspect="1"/>
+          </p:cNvPicPr>
+          <p:nvPr/>
+        </p:nvPicPr>
+        <p:blipFill>
+          <a:blip r:embed="rId6">
+            <a:extLst>
+              <a:ext uri="{28A0092B-C50C-407E-A947-70E740481C1C}">
+                <a14:useLocalDpi xmlns:a14="http://schemas.microsoft.com/office/drawing/2010/main" val="0"/>
+              </a:ext>
+            </a:extLst>
+          </a:blip>
+          <a:stretch>
+            <a:fillRect/>
+          </a:stretch>
+        </p:blipFill>
+        <p:spPr>
+          <a:xfrm>
+            <a:off x="1897469" y="3810009"/>
+            <a:ext cx="3681775" cy="2741747"/>
+          </a:xfrm>
+          <a:prstGeom prst="rect">
+            <a:avLst/>
+          </a:prstGeom>
+        </p:spPr>
+      </p:pic>
+    </p:spTree>
+    <p:extLst>
+      <p:ext uri="{BB962C8B-B14F-4D97-AF65-F5344CB8AC3E}">
+        <p14:creationId xmlns:p14="http://schemas.microsoft.com/office/powerpoint/2010/main" val="1700773993"/>
+      </p:ext>
+    </p:extLst>
+  </p:cSld>
+  <p:clrMapOvr>
+    <a:masterClrMapping/>
+  </p:clrMapOvr>
+  <p:timing>
+    <p:tnLst>
+      <p:par>
+        <p:cTn xmlns:p14="http://schemas.microsoft.com/office/powerpoint/2010/main" id="1" dur="indefinite" restart="never" nodeType="tmRoot">
+          <p:childTnLst>
+            <p:seq concurrent="1" nextAc="seek">
+              <p:cTn id="2" dur="indefinite" nodeType="mainSeq">
+                <p:childTnLst>
+                  <p:par>
+                    <p:cTn id="3" fill="hold">
+                      <p:stCondLst>
+                        <p:cond delay="indefinite"/>
+                      </p:stCondLst>
+                      <p:childTnLst>
+                        <p:par>
+                          <p:cTn id="4" fill="hold">
+                            <p:stCondLst>
+                              <p:cond delay="0"/>
+                            </p:stCondLst>
+                            <p:childTnLst>
+                              <p:par>
+                                <p:cTn id="5" presetID="1" presetClass="entr" presetSubtype="0" fill="hold" nodeType="clickEffect">
+                                  <p:stCondLst>
+                                    <p:cond delay="0"/>
+                                  </p:stCondLst>
+                                  <p:childTnLst>
+                                    <p:set>
+                                      <p:cBhvr>
+                                        <p:cTn id="6" dur="1" fill="hold">
+                                          <p:stCondLst>
+                                            <p:cond delay="0"/>
+                                          </p:stCondLst>
+                                        </p:cTn>
+                                        <p:tgtEl>
+                                          <p:spTgt spid="4"/>
+                                        </p:tgtEl>
+                                        <p:attrNameLst>
+                                          <p:attrName>style.visibility</p:attrName>
+                                        </p:attrNameLst>
+                                      </p:cBhvr>
+                                      <p:to>
+                                        <p:strVal val="visible"/>
+                                      </p:to>
+                                    </p:set>
+                                  </p:childTnLst>
+                                </p:cTn>
+                              </p:par>
+                            </p:childTnLst>
+                          </p:cTn>
+                        </p:par>
+                      </p:childTnLst>
+                    </p:cTn>
+                  </p:par>
+                  <p:par>
+                    <p:cTn id="7" fill="hold">
+                      <p:stCondLst>
+                        <p:cond delay="indefinite"/>
+                      </p:stCondLst>
+                      <p:childTnLst>
+                        <p:par>
+                          <p:cTn id="8" fill="hold">
+                            <p:stCondLst>
+                              <p:cond delay="0"/>
+                            </p:stCondLst>
+                            <p:childTnLst>
+                              <p:par>
+                                <p:cTn id="9" presetID="1" presetClass="entr" presetSubtype="0" fill="hold" nodeType="clickEffect">
+                                  <p:stCondLst>
+                                    <p:cond delay="0"/>
+                                  </p:stCondLst>
+                                  <p:childTnLst>
+                                    <p:set>
+                                      <p:cBhvr>
+                                        <p:cTn id="10" dur="1" fill="hold">
+                                          <p:stCondLst>
+                                            <p:cond delay="0"/>
+                                          </p:stCondLst>
+                                        </p:cTn>
+                                        <p:tgtEl>
+                                          <p:spTgt spid="6"/>
+                                        </p:tgtEl>
+                                        <p:attrNameLst>
+                                          <p:attrName>style.visibility</p:attrName>
+                                        </p:attrNameLst>
+                                      </p:cBhvr>
+                                      <p:to>
+                                        <p:strVal val="visible"/>
+                                      </p:to>
+                                    </p:set>
+                                  </p:childTnLst>
+                                </p:cTn>
+                              </p:par>
+                            </p:childTnLst>
+                          </p:cTn>
+                        </p:par>
+                      </p:childTnLst>
+                    </p:cTn>
+                  </p:par>
+                  <p:par>
+                    <p:cTn id="11" fill="hold">
+                      <p:stCondLst>
+                        <p:cond delay="indefinite"/>
+                      </p:stCondLst>
+                      <p:childTnLst>
+                        <p:par>
+                          <p:cTn id="12" fill="hold">
+                            <p:stCondLst>
+                              <p:cond delay="0"/>
+                            </p:stCondLst>
+                            <p:childTnLst>
+                              <p:par>
+                                <p:cTn id="13" presetID="1" presetClass="entr" presetSubtype="0" fill="hold" nodeType="clickEffect">
+                                  <p:stCondLst>
+                                    <p:cond delay="0"/>
+                                  </p:stCondLst>
+                                  <p:childTnLst>
+                                    <p:set>
+                                      <p:cBhvr>
+                                        <p:cTn id="14" dur="1" fill="hold">
+                                          <p:stCondLst>
+                                            <p:cond delay="0"/>
+                                          </p:stCondLst>
+                                        </p:cTn>
+                                        <p:tgtEl>
+                                          <p:spTgt spid="9"/>
+                                        </p:tgtEl>
+                                        <p:attrNameLst>
+                                          <p:attrName>style.visibility</p:attrName>
+                                        </p:attrNameLst>
+                                      </p:cBhvr>
+                                      <p:to>
+                                        <p:strVal val="visible"/>
+                                      </p:to>
+                                    </p:set>
+                                  </p:childTnLst>
+                                </p:cTn>
+                              </p:par>
+                            </p:childTnLst>
+                          </p:cTn>
+                        </p:par>
+                      </p:childTnLst>
+                    </p:cTn>
+                  </p:par>
+                </p:childTnLst>
+              </p:cTn>
+              <p:prevCondLst>
+                <p:cond evt="onPrev" delay="0">
+                  <p:tgtEl>
+                    <p:sldTgt/>
+                  </p:tgtEl>
+                </p:cond>
+              </p:prevCondLst>
+              <p:nextCondLst>
+                <p:cond evt="onNext" delay="0">
+                  <p:tgtEl>
+                    <p:sldTgt/>
+                  </p:tgtEl>
+                </p:cond>
+              </p:nextCondLst>
+            </p:seq>
+          </p:childTnLst>
+        </p:cTn>
+      </p:par>
+    </p:tnLst>
+  </p:timing>
+</p:sld>
+</file>
+
+<file path=ppt/slides/slide22.xml><?xml version="1.0" encoding="utf-8"?>
+<p:sld xmlns:a="http://schemas.openxmlformats.org/drawingml/2006/main" xmlns:r="http://schemas.openxmlformats.org/officeDocument/2006/relationships" xmlns:p="http://schemas.openxmlformats.org/presentationml/2006/main">
+  <p:cSld>
+    <p:spTree>
+      <p:nvGrpSpPr>
+        <p:cNvPr id="1" name=""/>
+        <p:cNvGrpSpPr/>
+        <p:nvPr/>
+      </p:nvGrpSpPr>
+      <p:grpSpPr>
+        <a:xfrm>
+          <a:off x="0" y="0"/>
+          <a:ext cx="0" cy="0"/>
+          <a:chOff x="0" y="0"/>
+          <a:chExt cx="0" cy="0"/>
+        </a:xfrm>
+      </p:grpSpPr>
+      <p:sp>
+        <p:nvSpPr>
+          <p:cNvPr id="3" name="Title 2"/>
+          <p:cNvSpPr>
+            <a:spLocks noGrp="1"/>
+          </p:cNvSpPr>
+          <p:nvPr>
+            <p:ph type="title"/>
+          </p:nvPr>
+        </p:nvSpPr>
+        <p:spPr/>
+        <p:txBody>
+          <a:bodyPr/>
+          <a:lstStyle/>
+          <a:p>
+            <a:r>
+              <a:rPr lang="en-US" dirty="0" smtClean="0"/>
+              <a:t>Questions:</a:t>
+            </a:r>
+            <a:endParaRPr lang="en-US" dirty="0"/>
+          </a:p>
+        </p:txBody>
+      </p:sp>
+    </p:spTree>
+    <p:extLst>
+      <p:ext uri="{BB962C8B-B14F-4D97-AF65-F5344CB8AC3E}">
+        <p14:creationId xmlns:p14="http://schemas.microsoft.com/office/powerpoint/2010/main" val="3693343113"/>
+      </p:ext>
+    </p:extLst>
+  </p:cSld>
+  <p:clrMapOvr>
+    <a:masterClrMapping/>
+  </p:clrMapOvr>
+  <p:timing>
+    <p:tnLst>
+      <p:par>
+        <p:cTn xmlns:p14="http://schemas.microsoft.com/office/powerpoint/2010/main" id="1" dur="indefinite" restart="never" nodeType="tmRoot"/>
+      </p:par>
+    </p:tnLst>
+  </p:timing>
+</p:sld>
+</file>
+
+<file path=ppt/slides/slide23.xml><?xml version="1.0" encoding="utf-8"?>
+<p:sld xmlns:a="http://schemas.openxmlformats.org/drawingml/2006/main" xmlns:r="http://schemas.openxmlformats.org/officeDocument/2006/relationships" xmlns:p="http://schemas.openxmlformats.org/presentationml/2006/main">
+  <p:cSld>
+    <p:spTree>
+      <p:nvGrpSpPr>
+        <p:cNvPr id="1" name=""/>
+        <p:cNvGrpSpPr/>
+        <p:nvPr/>
+      </p:nvGrpSpPr>
+      <p:grpSpPr>
+        <a:xfrm>
+          <a:off x="0" y="0"/>
+          <a:ext cx="0" cy="0"/>
+          <a:chOff x="0" y="0"/>
+          <a:chExt cx="0" cy="0"/>
+        </a:xfrm>
+      </p:grpSpPr>
+      <p:sp>
+        <p:nvSpPr>
+          <p:cNvPr id="2" name="Content Placeholder 1"/>
+          <p:cNvSpPr>
+            <a:spLocks noGrp="1"/>
+          </p:cNvSpPr>
+          <p:nvPr>
+            <p:ph idx="1"/>
+          </p:nvPr>
+        </p:nvSpPr>
+        <p:spPr/>
+        <p:txBody>
+          <a:bodyPr/>
+          <a:lstStyle/>
+          <a:p>
+            <a:endParaRPr lang="en-US"/>
+          </a:p>
+        </p:txBody>
+      </p:sp>
+      <p:sp>
+        <p:nvSpPr>
+          <p:cNvPr id="3" name="Title 2"/>
+          <p:cNvSpPr>
+            <a:spLocks noGrp="1"/>
+          </p:cNvSpPr>
+          <p:nvPr>
+            <p:ph type="title"/>
+          </p:nvPr>
+        </p:nvSpPr>
+        <p:spPr/>
+        <p:txBody>
+          <a:bodyPr/>
+          <a:lstStyle/>
+          <a:p>
+            <a:r>
+              <a:rPr lang="en-US" dirty="0" smtClean="0"/>
+              <a:t>Methods</a:t>
+            </a:r>
+            <a:endParaRPr lang="en-US" dirty="0"/>
+          </a:p>
+        </p:txBody>
+      </p:sp>
+    </p:spTree>
+    <p:extLst>
+      <p:ext uri="{BB962C8B-B14F-4D97-AF65-F5344CB8AC3E}">
+        <p14:creationId xmlns:p14="http://schemas.microsoft.com/office/powerpoint/2010/main" val="2139931850"/>
+      </p:ext>
+    </p:extLst>
+  </p:cSld>
+  <p:clrMapOvr>
+    <a:masterClrMapping/>
+  </p:clrMapOvr>
+</p:sld>
+</file>
+
+<file path=ppt/slides/slide24.xml><?xml version="1.0" encoding="utf-8"?>
+<p:sld xmlns:a="http://schemas.openxmlformats.org/drawingml/2006/main" xmlns:r="http://schemas.openxmlformats.org/officeDocument/2006/relationships" xmlns:p="http://schemas.openxmlformats.org/presentationml/2006/main">
+  <p:cSld>
+    <p:spTree>
+      <p:nvGrpSpPr>
+        <p:cNvPr id="1" name=""/>
+        <p:cNvGrpSpPr/>
+        <p:nvPr/>
+      </p:nvGrpSpPr>
+      <p:grpSpPr>
+        <a:xfrm>
+          <a:off x="0" y="0"/>
+          <a:ext cx="0" cy="0"/>
+          <a:chOff x="0" y="0"/>
+          <a:chExt cx="0" cy="0"/>
+        </a:xfrm>
+      </p:grpSpPr>
+      <p:sp>
+        <p:nvSpPr>
+          <p:cNvPr id="2" name="Content Placeholder 1"/>
+          <p:cNvSpPr>
+            <a:spLocks noGrp="1"/>
+          </p:cNvSpPr>
+          <p:nvPr>
+            <p:ph idx="1"/>
+          </p:nvPr>
+        </p:nvSpPr>
+        <p:spPr/>
+        <p:txBody>
+          <a:bodyPr/>
+          <a:lstStyle/>
+          <a:p>
+            <a:endParaRPr lang="en-US"/>
+          </a:p>
+        </p:txBody>
+      </p:sp>
+      <p:sp>
+        <p:nvSpPr>
+          <p:cNvPr id="3" name="Title 2"/>
+          <p:cNvSpPr>
+            <a:spLocks noGrp="1"/>
+          </p:cNvSpPr>
+          <p:nvPr>
+            <p:ph type="title"/>
+          </p:nvPr>
+        </p:nvSpPr>
+        <p:spPr/>
+        <p:txBody>
+          <a:bodyPr/>
+          <a:lstStyle/>
+          <a:p>
+            <a:r>
+              <a:rPr lang="en-US" dirty="0" smtClean="0"/>
+              <a:t>Project Status</a:t>
+            </a:r>
+            <a:endParaRPr lang="en-US" dirty="0"/>
+          </a:p>
+        </p:txBody>
+      </p:sp>
+    </p:spTree>
+    <p:extLst>
+      <p:ext uri="{BB962C8B-B14F-4D97-AF65-F5344CB8AC3E}">
+        <p14:creationId xmlns:p14="http://schemas.microsoft.com/office/powerpoint/2010/main" val="3373099038"/>
+      </p:ext>
+    </p:extLst>
+  </p:cSld>
+  <p:clrMapOvr>
+    <a:masterClrMapping/>
+  </p:clrMapOvr>
+</p:sld>
+</file>
+
+<file path=ppt/slides/slide25.xml><?xml version="1.0" encoding="utf-8"?>
+<p:sld xmlns:a="http://schemas.openxmlformats.org/drawingml/2006/main" xmlns:r="http://schemas.openxmlformats.org/officeDocument/2006/relationships" xmlns:p="http://schemas.openxmlformats.org/presentationml/2006/main">
+  <p:cSld>
+    <p:spTree>
+      <p:nvGrpSpPr>
+        <p:cNvPr id="1" name=""/>
+        <p:cNvGrpSpPr/>
+        <p:nvPr/>
+      </p:nvGrpSpPr>
+      <p:grpSpPr>
+        <a:xfrm>
+          <a:off x="0" y="0"/>
+          <a:ext cx="0" cy="0"/>
+          <a:chOff x="0" y="0"/>
+          <a:chExt cx="0" cy="0"/>
+        </a:xfrm>
+      </p:grpSpPr>
+      <p:sp>
+        <p:nvSpPr>
+          <p:cNvPr id="2" name="Content Placeholder 1"/>
+          <p:cNvSpPr>
+            <a:spLocks noGrp="1"/>
+          </p:cNvSpPr>
+          <p:nvPr>
+            <p:ph idx="1"/>
+          </p:nvPr>
+        </p:nvSpPr>
+        <p:spPr/>
+        <p:txBody>
+          <a:bodyPr/>
+          <a:lstStyle/>
+          <a:p>
+            <a:endParaRPr lang="en-US"/>
+          </a:p>
+        </p:txBody>
+      </p:sp>
+      <p:sp>
+        <p:nvSpPr>
+          <p:cNvPr id="3" name="Title 2"/>
+          <p:cNvSpPr>
+            <a:spLocks noGrp="1"/>
+          </p:cNvSpPr>
+          <p:nvPr>
+            <p:ph type="title"/>
+          </p:nvPr>
+        </p:nvSpPr>
+        <p:spPr/>
+        <p:txBody>
+          <a:bodyPr/>
+          <a:lstStyle/>
+          <a:p>
+            <a:r>
+              <a:rPr lang="en-US" dirty="0" smtClean="0"/>
+              <a:t>Seasonal Priority Effects</a:t>
+            </a:r>
+            <a:endParaRPr lang="en-US" dirty="0"/>
+          </a:p>
+        </p:txBody>
+      </p:sp>
+    </p:spTree>
+    <p:extLst>
+      <p:ext uri="{BB962C8B-B14F-4D97-AF65-F5344CB8AC3E}">
+        <p14:creationId xmlns:p14="http://schemas.microsoft.com/office/powerpoint/2010/main" val="1542531744"/>
+      </p:ext>
+    </p:extLst>
+  </p:cSld>
+  <p:clrMapOvr>
+    <a:masterClrMapping/>
+  </p:clrMapOvr>
+</p:sld>
+</file>
+
+<file path=ppt/slides/slide3.xml><?xml version="1.0" encoding="utf-8"?>
+<p:sld xmlns:a="http://schemas.openxmlformats.org/drawingml/2006/main" xmlns:r="http://schemas.openxmlformats.org/officeDocument/2006/relationships" xmlns:p="http://schemas.openxmlformats.org/presentationml/2006/main">
+  <p:cSld>
+    <p:spTree>
+      <p:nvGrpSpPr>
+        <p:cNvPr id="1" name=""/>
+        <p:cNvGrpSpPr/>
+        <p:nvPr/>
+      </p:nvGrpSpPr>
+      <p:grpSpPr>
+        <a:xfrm>
+          <a:off x="0" y="0"/>
+          <a:ext cx="0" cy="0"/>
+          <a:chOff x="0" y="0"/>
+          <a:chExt cx="0" cy="0"/>
+        </a:xfrm>
+      </p:grpSpPr>
+      <p:sp>
+        <p:nvSpPr>
+          <p:cNvPr id="2" name="Content Placeholder 1"/>
+          <p:cNvSpPr>
+            <a:spLocks noGrp="1"/>
+          </p:cNvSpPr>
+          <p:nvPr>
+            <p:ph idx="1"/>
+          </p:nvPr>
+        </p:nvSpPr>
+        <p:spPr>
+          <a:xfrm>
+            <a:off x="345147" y="983851"/>
+            <a:ext cx="8229600" cy="753115"/>
+          </a:xfrm>
+        </p:spPr>
+        <p:txBody>
+          <a:bodyPr/>
+          <a:lstStyle/>
+          <a:p>
+            <a:r>
+              <a:rPr lang="en-US" dirty="0" smtClean="0"/>
+              <a:t>The shift </a:t>
+            </a:r>
+            <a:r>
+              <a:rPr lang="en-US" dirty="0"/>
+              <a:t>in </a:t>
+            </a:r>
+            <a:r>
+              <a:rPr lang="en-US" dirty="0" err="1"/>
+              <a:t>phenological</a:t>
+            </a:r>
+            <a:r>
+              <a:rPr lang="en-US" dirty="0"/>
+              <a:t> event date per degree of temperature change</a:t>
+            </a:r>
+            <a:endParaRPr lang="en-US" dirty="0"/>
+          </a:p>
+        </p:txBody>
+      </p:sp>
+      <p:sp>
+        <p:nvSpPr>
+          <p:cNvPr id="3" name="Title 2"/>
+          <p:cNvSpPr>
+            <a:spLocks noGrp="1"/>
+          </p:cNvSpPr>
+          <p:nvPr>
+            <p:ph type="title"/>
+          </p:nvPr>
+        </p:nvSpPr>
+        <p:spPr/>
+        <p:txBody>
+          <a:bodyPr/>
+          <a:lstStyle/>
+          <a:p>
+            <a:r>
+              <a:rPr lang="en-US" dirty="0" err="1" smtClean="0"/>
+              <a:t>Phenological</a:t>
+            </a:r>
+            <a:r>
+              <a:rPr lang="en-US" dirty="0" smtClean="0"/>
+              <a:t> sensitivity</a:t>
+            </a:r>
+            <a:endParaRPr lang="en-US" dirty="0"/>
+          </a:p>
+        </p:txBody>
+      </p:sp>
+      <p:pic>
+        <p:nvPicPr>
+          <p:cNvPr id="8" name="Picture 7"/>
+          <p:cNvPicPr>
+            <a:picLocks noChangeAspect="1"/>
+          </p:cNvPicPr>
+          <p:nvPr/>
+        </p:nvPicPr>
+        <p:blipFill>
+          <a:blip r:embed="rId2"/>
+          <a:stretch>
+            <a:fillRect/>
+          </a:stretch>
+        </p:blipFill>
+        <p:spPr>
+          <a:xfrm>
+            <a:off x="345147" y="1895725"/>
+            <a:ext cx="3354499" cy="4850211"/>
+          </a:xfrm>
+          <a:prstGeom prst="rect">
+            <a:avLst/>
+          </a:prstGeom>
+        </p:spPr>
+      </p:pic>
+    </p:spTree>
+    <p:extLst>
+      <p:ext uri="{BB962C8B-B14F-4D97-AF65-F5344CB8AC3E}">
+        <p14:creationId xmlns:p14="http://schemas.microsoft.com/office/powerpoint/2010/main" val="3890312520"/>
+      </p:ext>
+    </p:extLst>
+  </p:cSld>
+  <p:clrMapOvr>
+    <a:masterClrMapping/>
+  </p:clrMapOvr>
+</p:sld>
+</file>
+
+<file path=ppt/slides/slide4.xml><?xml version="1.0" encoding="utf-8"?>
+<p:sld xmlns:a="http://schemas.openxmlformats.org/drawingml/2006/main" xmlns:r="http://schemas.openxmlformats.org/officeDocument/2006/relationships" xmlns:p="http://schemas.openxmlformats.org/presentationml/2006/main">
+  <p:cSld>
+    <p:spTree>
+      <p:nvGrpSpPr>
+        <p:cNvPr id="1" name=""/>
+        <p:cNvGrpSpPr/>
+        <p:nvPr/>
+      </p:nvGrpSpPr>
+      <p:grpSpPr>
+        <a:xfrm>
+          <a:off x="0" y="0"/>
+          <a:ext cx="0" cy="0"/>
+          <a:chOff x="0" y="0"/>
+          <a:chExt cx="0" cy="0"/>
+        </a:xfrm>
+      </p:grpSpPr>
+      <p:sp>
+        <p:nvSpPr>
+          <p:cNvPr id="2" name="Content Placeholder 1"/>
+          <p:cNvSpPr>
+            <a:spLocks noGrp="1"/>
+          </p:cNvSpPr>
+          <p:nvPr>
+            <p:ph idx="1"/>
+          </p:nvPr>
+        </p:nvSpPr>
+        <p:spPr/>
+        <p:txBody>
+          <a:bodyPr/>
+          <a:lstStyle/>
+          <a:p>
+            <a:endParaRPr lang="en-US" dirty="0" smtClean="0"/>
+          </a:p>
+        </p:txBody>
+      </p:sp>
+      <p:sp>
+        <p:nvSpPr>
+          <p:cNvPr id="3" name="Title 2"/>
+          <p:cNvSpPr>
+            <a:spLocks noGrp="1"/>
+          </p:cNvSpPr>
+          <p:nvPr>
+            <p:ph type="title"/>
+          </p:nvPr>
+        </p:nvSpPr>
+        <p:spPr>
+          <a:xfrm>
+            <a:off x="0" y="344527"/>
+            <a:ext cx="9144000" cy="487365"/>
+          </a:xfrm>
+        </p:spPr>
+        <p:txBody>
+          <a:bodyPr>
+            <a:normAutofit fontScale="90000"/>
+          </a:bodyPr>
+          <a:lstStyle/>
+          <a:p>
+            <a:r>
+              <a:rPr lang="en-US" dirty="0" smtClean="0"/>
+              <a:t>How does differential </a:t>
+            </a:r>
+            <a:r>
+              <a:rPr lang="en-US" dirty="0" err="1" smtClean="0"/>
+              <a:t>phenological</a:t>
+            </a:r>
+            <a:r>
+              <a:rPr lang="en-US" dirty="0" smtClean="0"/>
+              <a:t> sensitivity mediate plant interactions?</a:t>
+            </a:r>
+            <a:endParaRPr lang="en-US" dirty="0"/>
+          </a:p>
+        </p:txBody>
+      </p:sp>
+    </p:spTree>
+    <p:extLst>
+      <p:ext uri="{BB962C8B-B14F-4D97-AF65-F5344CB8AC3E}">
+        <p14:creationId xmlns:p14="http://schemas.microsoft.com/office/powerpoint/2010/main" val="2155391122"/>
+      </p:ext>
+    </p:extLst>
+  </p:cSld>
+  <p:clrMapOvr>
+    <a:masterClrMapping/>
+  </p:clrMapOvr>
+</p:sld>
+</file>
+
+<file path=ppt/slides/slide5.xml><?xml version="1.0" encoding="utf-8"?>
+<p:sld xmlns:a="http://schemas.openxmlformats.org/drawingml/2006/main" xmlns:r="http://schemas.openxmlformats.org/officeDocument/2006/relationships" xmlns:p="http://schemas.openxmlformats.org/presentationml/2006/main">
+  <p:cSld>
+    <p:spTree>
+      <p:nvGrpSpPr>
+        <p:cNvPr id="1" name=""/>
+        <p:cNvGrpSpPr/>
+        <p:nvPr/>
+      </p:nvGrpSpPr>
+      <p:grpSpPr>
+        <a:xfrm>
+          <a:off x="0" y="0"/>
+          <a:ext cx="0" cy="0"/>
+          <a:chOff x="0" y="0"/>
+          <a:chExt cx="0" cy="0"/>
+        </a:xfrm>
+      </p:grpSpPr>
+      <p:sp>
+        <p:nvSpPr>
+          <p:cNvPr id="3" name="Title 2"/>
+          <p:cNvSpPr>
+            <a:spLocks noGrp="1"/>
+          </p:cNvSpPr>
+          <p:nvPr>
+            <p:ph type="title"/>
+          </p:nvPr>
+        </p:nvSpPr>
+        <p:spPr>
+          <a:xfrm>
+            <a:off x="45526" y="344527"/>
+            <a:ext cx="5996003" cy="487365"/>
+          </a:xfrm>
+        </p:spPr>
+        <p:txBody>
+          <a:bodyPr>
+            <a:normAutofit fontScale="90000"/>
+          </a:bodyPr>
+          <a:lstStyle/>
+          <a:p>
+            <a:r>
+              <a:rPr lang="en-US" dirty="0" err="1" smtClean="0"/>
+              <a:t>Phenological</a:t>
+            </a:r>
+            <a:r>
+              <a:rPr lang="en-US" dirty="0" smtClean="0"/>
+              <a:t> transition: dormancy to growth</a:t>
+            </a:r>
+            <a:endParaRPr lang="en-US" dirty="0"/>
+          </a:p>
+        </p:txBody>
+      </p:sp>
+      <p:pic>
+        <p:nvPicPr>
+          <p:cNvPr id="5" name="Picture 4"/>
+          <p:cNvPicPr>
+            <a:picLocks noChangeAspect="1"/>
+          </p:cNvPicPr>
+          <p:nvPr/>
+        </p:nvPicPr>
+        <p:blipFill>
+          <a:blip r:embed="rId2"/>
+          <a:stretch>
+            <a:fillRect/>
+          </a:stretch>
+        </p:blipFill>
+        <p:spPr>
+          <a:xfrm>
+            <a:off x="111472" y="878587"/>
+            <a:ext cx="3896238" cy="1661499"/>
+          </a:xfrm>
+          <a:prstGeom prst="rect">
+            <a:avLst/>
+          </a:prstGeom>
+        </p:spPr>
+      </p:pic>
+      <p:sp>
+        <p:nvSpPr>
+          <p:cNvPr id="6" name="TextBox 5"/>
+          <p:cNvSpPr txBox="1"/>
+          <p:nvPr/>
+        </p:nvSpPr>
+        <p:spPr>
+          <a:xfrm>
+            <a:off x="6405702" y="6303523"/>
+            <a:ext cx="2166360" cy="1200329"/>
+          </a:xfrm>
+          <a:prstGeom prst="rect">
+            <a:avLst/>
+          </a:prstGeom>
+          <a:noFill/>
+        </p:spPr>
+        <p:txBody>
+          <a:bodyPr wrap="square" rtlCol="0">
+            <a:spAutoFit/>
+          </a:bodyPr>
+          <a:lstStyle/>
+          <a:p>
+            <a:r>
+              <a:rPr lang="en-US" dirty="0" err="1" smtClean="0"/>
+              <a:t>Openworksweb.com</a:t>
+            </a:r>
+            <a:endParaRPr lang="en-US" dirty="0" smtClean="0"/>
+          </a:p>
+          <a:p>
+            <a:r>
+              <a:rPr lang="en-US" dirty="0" err="1" smtClean="0"/>
+              <a:t>Visser</a:t>
+            </a:r>
+            <a:r>
+              <a:rPr lang="en-US" dirty="0" smtClean="0"/>
+              <a:t> 2010</a:t>
+            </a:r>
+          </a:p>
+          <a:p>
+            <a:endParaRPr lang="en-US" dirty="0" smtClean="0"/>
+          </a:p>
+          <a:p>
+            <a:endParaRPr lang="en-US" dirty="0"/>
+          </a:p>
+        </p:txBody>
+      </p:sp>
+      <p:pic>
+        <p:nvPicPr>
+          <p:cNvPr id="7" name="Picture 6"/>
+          <p:cNvPicPr>
+            <a:picLocks noChangeAspect="1"/>
+          </p:cNvPicPr>
+          <p:nvPr/>
+        </p:nvPicPr>
+        <p:blipFill>
+          <a:blip r:embed="rId3"/>
+          <a:stretch>
+            <a:fillRect/>
+          </a:stretch>
+        </p:blipFill>
+        <p:spPr>
+          <a:xfrm>
+            <a:off x="4145964" y="891335"/>
+            <a:ext cx="4818283" cy="5108540"/>
+          </a:xfrm>
+          <a:prstGeom prst="rect">
+            <a:avLst/>
+          </a:prstGeom>
+        </p:spPr>
+      </p:pic>
+      <p:sp>
+        <p:nvSpPr>
+          <p:cNvPr id="9" name="TextBox 8"/>
+          <p:cNvSpPr txBox="1"/>
+          <p:nvPr/>
+        </p:nvSpPr>
+        <p:spPr>
+          <a:xfrm>
+            <a:off x="849736" y="4006239"/>
+            <a:ext cx="3296229" cy="646331"/>
+          </a:xfrm>
+          <a:prstGeom prst="rect">
+            <a:avLst/>
+          </a:prstGeom>
+          <a:noFill/>
+        </p:spPr>
+        <p:txBody>
+          <a:bodyPr wrap="square" rtlCol="0">
+            <a:spAutoFit/>
+          </a:bodyPr>
+          <a:lstStyle/>
+          <a:p>
+            <a:r>
+              <a:rPr lang="en-US" dirty="0" smtClean="0"/>
+              <a:t>Insert picture of bud and seed here</a:t>
+            </a:r>
+            <a:endParaRPr lang="en-US" dirty="0"/>
+          </a:p>
+        </p:txBody>
+      </p:sp>
+    </p:spTree>
+    <p:extLst>
+      <p:ext uri="{BB962C8B-B14F-4D97-AF65-F5344CB8AC3E}">
+        <p14:creationId xmlns:p14="http://schemas.microsoft.com/office/powerpoint/2010/main" val="2332383646"/>
+      </p:ext>
+    </p:extLst>
+  </p:cSld>
+  <p:clrMapOvr>
+    <a:masterClrMapping/>
+  </p:clrMapOvr>
+</p:sld>
+</file>
+
+<file path=ppt/slides/slide6.xml><?xml version="1.0" encoding="utf-8"?>
+<p:sld xmlns:a="http://schemas.openxmlformats.org/drawingml/2006/main" xmlns:r="http://schemas.openxmlformats.org/officeDocument/2006/relationships" xmlns:p="http://schemas.openxmlformats.org/presentationml/2006/main">
+  <p:cSld>
+    <p:spTree>
+      <p:nvGrpSpPr>
+        <p:cNvPr id="1" name=""/>
+        <p:cNvGrpSpPr/>
+        <p:nvPr/>
+      </p:nvGrpSpPr>
+      <p:grpSpPr>
+        <a:xfrm>
+          <a:off x="0" y="0"/>
+          <a:ext cx="0" cy="0"/>
+          <a:chOff x="0" y="0"/>
+          <a:chExt cx="0" cy="0"/>
+        </a:xfrm>
+      </p:grpSpPr>
+      <p:sp>
+        <p:nvSpPr>
+          <p:cNvPr id="2" name="Content Placeholder 1"/>
+          <p:cNvSpPr>
+            <a:spLocks noGrp="1"/>
+          </p:cNvSpPr>
+          <p:nvPr>
+            <p:ph idx="1"/>
+          </p:nvPr>
+        </p:nvSpPr>
+        <p:spPr/>
+        <p:txBody>
+          <a:bodyPr>
+            <a:normAutofit/>
+          </a:bodyPr>
+          <a:lstStyle/>
+          <a:p>
+            <a:endParaRPr lang="en-US" dirty="0"/>
+          </a:p>
+        </p:txBody>
+      </p:sp>
+      <p:sp>
+        <p:nvSpPr>
+          <p:cNvPr id="3" name="Title 2"/>
+          <p:cNvSpPr>
+            <a:spLocks noGrp="1"/>
+          </p:cNvSpPr>
+          <p:nvPr>
+            <p:ph type="title"/>
+          </p:nvPr>
+        </p:nvSpPr>
+        <p:spPr/>
+        <p:txBody>
+          <a:bodyPr/>
+          <a:lstStyle/>
+          <a:p>
+            <a:r>
+              <a:rPr lang="en-US" dirty="0" smtClean="0"/>
+              <a:t>Research Overview</a:t>
+            </a:r>
+            <a:endParaRPr lang="en-US" dirty="0"/>
+          </a:p>
+        </p:txBody>
+      </p:sp>
+    </p:spTree>
+    <p:extLst>
+      <p:ext uri="{BB962C8B-B14F-4D97-AF65-F5344CB8AC3E}">
+        <p14:creationId xmlns:p14="http://schemas.microsoft.com/office/powerpoint/2010/main" val="864652123"/>
+      </p:ext>
+    </p:extLst>
+  </p:cSld>
+  <p:clrMapOvr>
+    <a:masterClrMapping/>
+  </p:clrMapOvr>
+</p:sld>
+</file>
+
+<file path=ppt/slides/slide7.xml><?xml version="1.0" encoding="utf-8"?>
+<p:sld xmlns:a="http://schemas.openxmlformats.org/drawingml/2006/main" xmlns:r="http://schemas.openxmlformats.org/officeDocument/2006/relationships" xmlns:p="http://schemas.openxmlformats.org/presentationml/2006/main">
+  <p:cSld>
+    <p:spTree>
+      <p:nvGrpSpPr>
+        <p:cNvPr id="1" name=""/>
+        <p:cNvGrpSpPr/>
+        <p:nvPr/>
+      </p:nvGrpSpPr>
+      <p:grpSpPr>
+        <a:xfrm>
+          <a:off x="0" y="0"/>
+          <a:ext cx="0" cy="0"/>
+          <a:chOff x="0" y="0"/>
+          <a:chExt cx="0" cy="0"/>
+        </a:xfrm>
+      </p:grpSpPr>
+      <p:sp>
+        <p:nvSpPr>
+          <p:cNvPr id="2" name="Content Placeholder 1"/>
+          <p:cNvSpPr>
+            <a:spLocks noGrp="1"/>
+          </p:cNvSpPr>
+          <p:nvPr>
+            <p:ph idx="1"/>
+          </p:nvPr>
+        </p:nvSpPr>
+        <p:spPr/>
+        <p:txBody>
+          <a:bodyPr/>
+          <a:lstStyle/>
+          <a:p>
+            <a:endParaRPr lang="en-US"/>
+          </a:p>
+        </p:txBody>
+      </p:sp>
+      <p:sp>
+        <p:nvSpPr>
+          <p:cNvPr id="3" name="Title 2"/>
+          <p:cNvSpPr>
+            <a:spLocks noGrp="1"/>
+          </p:cNvSpPr>
+          <p:nvPr>
+            <p:ph type="title"/>
+          </p:nvPr>
+        </p:nvSpPr>
+        <p:spPr/>
+        <p:txBody>
+          <a:bodyPr/>
+          <a:lstStyle/>
+          <a:p>
+            <a:r>
+              <a:rPr lang="en-US" dirty="0" smtClean="0"/>
+              <a:t>Background and Question</a:t>
+            </a:r>
+            <a:endParaRPr lang="en-US" dirty="0"/>
+          </a:p>
+        </p:txBody>
+      </p:sp>
+    </p:spTree>
+    <p:extLst>
+      <p:ext uri="{BB962C8B-B14F-4D97-AF65-F5344CB8AC3E}">
+        <p14:creationId xmlns:p14="http://schemas.microsoft.com/office/powerpoint/2010/main" val="3081640633"/>
+      </p:ext>
+    </p:extLst>
+  </p:cSld>
+  <p:clrMapOvr>
+    <a:masterClrMapping/>
+  </p:clrMapOvr>
+</p:sld>
+</file>
+
+<file path=ppt/slides/slide8.xml><?xml version="1.0" encoding="utf-8"?>
+<p:sld xmlns:a="http://schemas.openxmlformats.org/drawingml/2006/main" xmlns:r="http://schemas.openxmlformats.org/officeDocument/2006/relationships" xmlns:p="http://schemas.openxmlformats.org/presentationml/2006/main">
+  <p:cSld>
+    <p:spTree>
+      <p:nvGrpSpPr>
+        <p:cNvPr id="1" name=""/>
+        <p:cNvGrpSpPr/>
+        <p:nvPr/>
+      </p:nvGrpSpPr>
+      <p:grpSpPr>
+        <a:xfrm>
+          <a:off x="0" y="0"/>
+          <a:ext cx="0" cy="0"/>
+          <a:chOff x="0" y="0"/>
+          <a:chExt cx="0" cy="0"/>
+        </a:xfrm>
+      </p:grpSpPr>
+      <p:sp>
+        <p:nvSpPr>
+          <p:cNvPr id="2" name="Content Placeholder 1"/>
+          <p:cNvSpPr>
+            <a:spLocks noGrp="1"/>
+          </p:cNvSpPr>
+          <p:nvPr>
+            <p:ph idx="1"/>
+          </p:nvPr>
+        </p:nvSpPr>
+        <p:spPr/>
+        <p:txBody>
+          <a:bodyPr/>
+          <a:lstStyle/>
+          <a:p>
+            <a:endParaRPr lang="en-US"/>
+          </a:p>
+        </p:txBody>
+      </p:sp>
+      <p:sp>
+        <p:nvSpPr>
+          <p:cNvPr id="3" name="Title 2"/>
+          <p:cNvSpPr>
+            <a:spLocks noGrp="1"/>
+          </p:cNvSpPr>
+          <p:nvPr>
+            <p:ph type="title"/>
+          </p:nvPr>
+        </p:nvSpPr>
+        <p:spPr/>
+        <p:txBody>
+          <a:bodyPr/>
+          <a:lstStyle/>
+          <a:p>
+            <a:r>
+              <a:rPr lang="en-US" dirty="0" smtClean="0"/>
+              <a:t>Hypotheses:</a:t>
+            </a:r>
+            <a:endParaRPr lang="en-US" dirty="0"/>
+          </a:p>
+        </p:txBody>
+      </p:sp>
+    </p:spTree>
+    <p:extLst>
+      <p:ext uri="{BB962C8B-B14F-4D97-AF65-F5344CB8AC3E}">
+        <p14:creationId xmlns:p14="http://schemas.microsoft.com/office/powerpoint/2010/main" val="2739571747"/>
+      </p:ext>
+    </p:extLst>
+  </p:cSld>
+  <p:clrMapOvr>
+    <a:masterClrMapping/>
+  </p:clrMapOvr>
+</p:sld>
+</file>
+
+<file path=ppt/slides/slide9.xml><?xml version="1.0" encoding="utf-8"?>
+<p:sld xmlns:a="http://schemas.openxmlformats.org/drawingml/2006/main" xmlns:r="http://schemas.openxmlformats.org/officeDocument/2006/relationships" xmlns:p="http://schemas.openxmlformats.org/presentationml/2006/main">
+  <p:cSld>
+    <p:spTree>
+      <p:nvGrpSpPr>
+        <p:cNvPr id="1" name=""/>
+        <p:cNvGrpSpPr/>
+        <p:nvPr/>
+      </p:nvGrpSpPr>
+      <p:grpSpPr>
+        <a:xfrm>
+          <a:off x="0" y="0"/>
+          <a:ext cx="0" cy="0"/>
+          <a:chOff x="0" y="0"/>
+          <a:chExt cx="0" cy="0"/>
+        </a:xfrm>
+      </p:grpSpPr>
+      <p:sp>
+        <p:nvSpPr>
+          <p:cNvPr id="2" name="Content Placeholder 1"/>
+          <p:cNvSpPr>
+            <a:spLocks noGrp="1"/>
+          </p:cNvSpPr>
+          <p:nvPr>
+            <p:ph idx="1"/>
+          </p:nvPr>
+        </p:nvSpPr>
+        <p:spPr/>
+        <p:txBody>
+          <a:bodyPr/>
+          <a:lstStyle/>
+          <a:p>
+            <a:endParaRPr lang="en-US"/>
+          </a:p>
+        </p:txBody>
+      </p:sp>
+      <p:sp>
+        <p:nvSpPr>
+          <p:cNvPr id="3" name="Title 2"/>
+          <p:cNvSpPr>
+            <a:spLocks noGrp="1"/>
+          </p:cNvSpPr>
+          <p:nvPr>
+            <p:ph type="title"/>
+          </p:nvPr>
+        </p:nvSpPr>
+        <p:spPr/>
+        <p:txBody>
+          <a:bodyPr/>
+          <a:lstStyle/>
+          <a:p>
+            <a:r>
+              <a:rPr lang="en-US" dirty="0" smtClean="0"/>
+              <a:t>Methods</a:t>
+            </a:r>
+            <a:endParaRPr lang="en-US" dirty="0"/>
+          </a:p>
+        </p:txBody>
+      </p:sp>
+    </p:spTree>
+    <p:extLst>
+      <p:ext uri="{BB962C8B-B14F-4D97-AF65-F5344CB8AC3E}">
+        <p14:creationId xmlns:p14="http://schemas.microsoft.com/office/powerpoint/2010/main" val="2354831647"/>
       </p:ext>
     </p:extLst>
   </p:cSld>
@@ -4119,4 +9137,324 @@
   </a:objectDefaults>
   <a:extraClrSchemeLst/>
 </a:theme>
+</file>
+
+<file path=ppt/theme/theme2.xml><?xml version="1.0" encoding="utf-8"?>
+<a:theme xmlns:a="http://schemas.openxmlformats.org/drawingml/2006/main" name="Office Theme">
+  <a:themeElements>
+    <a:clrScheme name="Office">
+      <a:dk1>
+        <a:sysClr val="windowText" lastClr="000000"/>
+      </a:dk1>
+      <a:lt1>
+        <a:sysClr val="window" lastClr="FFFFFF"/>
+      </a:lt1>
+      <a:dk2>
+        <a:srgbClr val="1F497D"/>
+      </a:dk2>
+      <a:lt2>
+        <a:srgbClr val="EEECE1"/>
+      </a:lt2>
+      <a:accent1>
+        <a:srgbClr val="4F81BD"/>
+      </a:accent1>
+      <a:accent2>
+        <a:srgbClr val="C0504D"/>
+      </a:accent2>
+      <a:accent3>
+        <a:srgbClr val="9BBB59"/>
+      </a:accent3>
+      <a:accent4>
+        <a:srgbClr val="8064A2"/>
+      </a:accent4>
+      <a:accent5>
+        <a:srgbClr val="4BACC6"/>
+      </a:accent5>
+      <a:accent6>
+        <a:srgbClr val="F79646"/>
+      </a:accent6>
+      <a:hlink>
+        <a:srgbClr val="0000FF"/>
+      </a:hlink>
+      <a:folHlink>
+        <a:srgbClr val="800080"/>
+      </a:folHlink>
+    </a:clrScheme>
+    <a:fontScheme name="Office">
+      <a:majorFont>
+        <a:latin typeface="Calibri"/>
+        <a:ea typeface=""/>
+        <a:cs typeface=""/>
+        <a:font script="Jpan" typeface="ＭＳ Ｐゴシック"/>
+        <a:font script="Hang" typeface="맑은 고딕"/>
+        <a:font script="Hans" typeface="宋体"/>
+        <a:font script="Hant" typeface="新細明體"/>
+        <a:font script="Arab" typeface="Times New Roman"/>
+        <a:font script="Hebr" typeface="Times New Roman"/>
+        <a:font script="Thai" typeface="Angsana New"/>
+        <a:font script="Ethi" typeface="Nyala"/>
+        <a:font script="Beng" typeface="Vrinda"/>
+        <a:font script="Gujr" typeface="Shruti"/>
+        <a:font script="Khmr" typeface="MoolBoran"/>
+        <a:font script="Knda" typeface="Tunga"/>
+        <a:font script="Guru" typeface="Raavi"/>
+        <a:font script="Cans" typeface="Euphemia"/>
+        <a:font script="Cher" typeface="Plantagenet Cherokee"/>
+        <a:font script="Yiii" typeface="Microsoft Yi Baiti"/>
+        <a:font script="Tibt" typeface="Microsoft Himalaya"/>
+        <a:font script="Thaa" typeface="MV Boli"/>
+        <a:font script="Deva" typeface="Mangal"/>
+        <a:font script="Telu" typeface="Gautami"/>
+        <a:font script="Taml" typeface="Latha"/>
+        <a:font script="Syrc" typeface="Estrangelo Edessa"/>
+        <a:font script="Orya" typeface="Kalinga"/>
+        <a:font script="Mlym" typeface="Kartika"/>
+        <a:font script="Laoo" typeface="DokChampa"/>
+        <a:font script="Sinh" typeface="Iskoola Pota"/>
+        <a:font script="Mong" typeface="Mongolian Baiti"/>
+        <a:font script="Viet" typeface="Times New Roman"/>
+        <a:font script="Uigh" typeface="Microsoft Uighur"/>
+        <a:font script="Geor" typeface="Sylfaen"/>
+      </a:majorFont>
+      <a:minorFont>
+        <a:latin typeface="Calibri"/>
+        <a:ea typeface=""/>
+        <a:cs typeface=""/>
+        <a:font script="Jpan" typeface="ＭＳ Ｐゴシック"/>
+        <a:font script="Hang" typeface="맑은 고딕"/>
+        <a:font script="Hans" typeface="宋体"/>
+        <a:font script="Hant" typeface="新細明體"/>
+        <a:font script="Arab" typeface="Arial"/>
+        <a:font script="Hebr" typeface="Arial"/>
+        <a:font script="Thai" typeface="Cordia New"/>
+        <a:font script="Ethi" typeface="Nyala"/>
+        <a:font script="Beng" typeface="Vrinda"/>
+        <a:font script="Gujr" typeface="Shruti"/>
+        <a:font script="Khmr" typeface="DaunPenh"/>
+        <a:font script="Knda" typeface="Tunga"/>
+        <a:font script="Guru" typeface="Raavi"/>
+        <a:font script="Cans" typeface="Euphemia"/>
+        <a:font script="Cher" typeface="Plantagenet Cherokee"/>
+        <a:font script="Yiii" typeface="Microsoft Yi Baiti"/>
+        <a:font script="Tibt" typeface="Microsoft Himalaya"/>
+        <a:font script="Thaa" typeface="MV Boli"/>
+        <a:font script="Deva" typeface="Mangal"/>
+        <a:font script="Telu" typeface="Gautami"/>
+        <a:font script="Taml" typeface="Latha"/>
+        <a:font script="Syrc" typeface="Estrangelo Edessa"/>
+        <a:font script="Orya" typeface="Kalinga"/>
+        <a:font script="Mlym" typeface="Kartika"/>
+        <a:font script="Laoo" typeface="DokChampa"/>
+        <a:font script="Sinh" typeface="Iskoola Pota"/>
+        <a:font script="Mong" typeface="Mongolian Baiti"/>
+        <a:font script="Viet" typeface="Arial"/>
+        <a:font script="Uigh" typeface="Microsoft Uighur"/>
+        <a:font script="Geor" typeface="Sylfaen"/>
+      </a:minorFont>
+    </a:fontScheme>
+    <a:fmtScheme name="Office">
+      <a:fillStyleLst>
+        <a:solidFill>
+          <a:schemeClr val="phClr"/>
+        </a:solidFill>
+        <a:gradFill rotWithShape="1">
+          <a:gsLst>
+            <a:gs pos="0">
+              <a:schemeClr val="phClr">
+                <a:tint val="50000"/>
+                <a:satMod val="300000"/>
+              </a:schemeClr>
+            </a:gs>
+            <a:gs pos="35000">
+              <a:schemeClr val="phClr">
+                <a:tint val="37000"/>
+                <a:satMod val="300000"/>
+              </a:schemeClr>
+            </a:gs>
+            <a:gs pos="100000">
+              <a:schemeClr val="phClr">
+                <a:tint val="15000"/>
+                <a:satMod val="350000"/>
+              </a:schemeClr>
+            </a:gs>
+          </a:gsLst>
+          <a:lin ang="16200000" scaled="1"/>
+        </a:gradFill>
+        <a:gradFill rotWithShape="1">
+          <a:gsLst>
+            <a:gs pos="0">
+              <a:schemeClr val="phClr">
+                <a:tint val="100000"/>
+                <a:shade val="100000"/>
+                <a:satMod val="130000"/>
+              </a:schemeClr>
+            </a:gs>
+            <a:gs pos="100000">
+              <a:schemeClr val="phClr">
+                <a:tint val="50000"/>
+                <a:shade val="100000"/>
+                <a:satMod val="350000"/>
+              </a:schemeClr>
+            </a:gs>
+          </a:gsLst>
+          <a:lin ang="16200000" scaled="0"/>
+        </a:gradFill>
+      </a:fillStyleLst>
+      <a:lnStyleLst>
+        <a:ln w="9525" cap="flat" cmpd="sng" algn="ctr">
+          <a:solidFill>
+            <a:schemeClr val="phClr">
+              <a:shade val="95000"/>
+              <a:satMod val="105000"/>
+            </a:schemeClr>
+          </a:solidFill>
+          <a:prstDash val="solid"/>
+        </a:ln>
+        <a:ln w="25400" cap="flat" cmpd="sng" algn="ctr">
+          <a:solidFill>
+            <a:schemeClr val="phClr"/>
+          </a:solidFill>
+          <a:prstDash val="solid"/>
+        </a:ln>
+        <a:ln w="38100" cap="flat" cmpd="sng" algn="ctr">
+          <a:solidFill>
+            <a:schemeClr val="phClr"/>
+          </a:solidFill>
+          <a:prstDash val="solid"/>
+        </a:ln>
+      </a:lnStyleLst>
+      <a:effectStyleLst>
+        <a:effectStyle>
+          <a:effectLst>
+            <a:outerShdw blurRad="40000" dist="20000" dir="5400000" rotWithShape="0">
+              <a:srgbClr val="000000">
+                <a:alpha val="38000"/>
+              </a:srgbClr>
+            </a:outerShdw>
+          </a:effectLst>
+        </a:effectStyle>
+        <a:effectStyle>
+          <a:effectLst>
+            <a:outerShdw blurRad="40000" dist="23000" dir="5400000" rotWithShape="0">
+              <a:srgbClr val="000000">
+                <a:alpha val="35000"/>
+              </a:srgbClr>
+            </a:outerShdw>
+          </a:effectLst>
+        </a:effectStyle>
+        <a:effectStyle>
+          <a:effectLst>
+            <a:outerShdw blurRad="40000" dist="23000" dir="5400000" rotWithShape="0">
+              <a:srgbClr val="000000">
+                <a:alpha val="35000"/>
+              </a:srgbClr>
+            </a:outerShdw>
+          </a:effectLst>
+          <a:scene3d>
+            <a:camera prst="orthographicFront">
+              <a:rot lat="0" lon="0" rev="0"/>
+            </a:camera>
+            <a:lightRig rig="threePt" dir="t">
+              <a:rot lat="0" lon="0" rev="1200000"/>
+            </a:lightRig>
+          </a:scene3d>
+          <a:sp3d>
+            <a:bevelT w="63500" h="25400"/>
+          </a:sp3d>
+        </a:effectStyle>
+      </a:effectStyleLst>
+      <a:bgFillStyleLst>
+        <a:solidFill>
+          <a:schemeClr val="phClr"/>
+        </a:solidFill>
+        <a:gradFill rotWithShape="1">
+          <a:gsLst>
+            <a:gs pos="0">
+              <a:schemeClr val="phClr">
+                <a:tint val="40000"/>
+                <a:satMod val="350000"/>
+              </a:schemeClr>
+            </a:gs>
+            <a:gs pos="40000">
+              <a:schemeClr val="phClr">
+                <a:tint val="45000"/>
+                <a:shade val="99000"/>
+                <a:satMod val="350000"/>
+              </a:schemeClr>
+            </a:gs>
+            <a:gs pos="100000">
+              <a:schemeClr val="phClr">
+                <a:shade val="20000"/>
+                <a:satMod val="255000"/>
+              </a:schemeClr>
+            </a:gs>
+          </a:gsLst>
+          <a:path path="circle">
+            <a:fillToRect l="50000" t="-80000" r="50000" b="180000"/>
+          </a:path>
+        </a:gradFill>
+        <a:gradFill rotWithShape="1">
+          <a:gsLst>
+            <a:gs pos="0">
+              <a:schemeClr val="phClr">
+                <a:tint val="80000"/>
+                <a:satMod val="300000"/>
+              </a:schemeClr>
+            </a:gs>
+            <a:gs pos="100000">
+              <a:schemeClr val="phClr">
+                <a:shade val="30000"/>
+                <a:satMod val="200000"/>
+              </a:schemeClr>
+            </a:gs>
+          </a:gsLst>
+          <a:path path="circle">
+            <a:fillToRect l="50000" t="50000" r="50000" b="50000"/>
+          </a:path>
+        </a:gradFill>
+      </a:bgFillStyleLst>
+    </a:fmtScheme>
+  </a:themeElements>
+  <a:objectDefaults>
+    <a:spDef>
+      <a:spPr/>
+      <a:bodyPr/>
+      <a:lstStyle/>
+      <a:style>
+        <a:lnRef idx="1">
+          <a:schemeClr val="accent1"/>
+        </a:lnRef>
+        <a:fillRef idx="3">
+          <a:schemeClr val="accent1"/>
+        </a:fillRef>
+        <a:effectRef idx="2">
+          <a:schemeClr val="accent1"/>
+        </a:effectRef>
+        <a:fontRef idx="minor">
+          <a:schemeClr val="lt1"/>
+        </a:fontRef>
+      </a:style>
+    </a:spDef>
+    <a:lnDef>
+      <a:spPr/>
+      <a:bodyPr/>
+      <a:lstStyle/>
+      <a:style>
+        <a:lnRef idx="2">
+          <a:schemeClr val="accent1"/>
+        </a:lnRef>
+        <a:fillRef idx="0">
+          <a:schemeClr val="accent1"/>
+        </a:fillRef>
+        <a:effectRef idx="1">
+          <a:schemeClr val="accent1"/>
+        </a:effectRef>
+        <a:fontRef idx="minor">
+          <a:schemeClr val="tx1"/>
+        </a:fontRef>
+      </a:style>
+    </a:lnDef>
+  </a:objectDefaults>
+  <a:extraClrSchemeLst/>
+</a:theme>
 </file>